--- a/slajdy/ZIIMI_01_GIT.pptx
+++ b/slajdy/ZIIMI_01_GIT.pptx
@@ -5,15 +5,17 @@
     <p:sldMasterId id="2147483903" r:id="rId1"/>
   </p:sldMasterIdLst>
   <p:notesMasterIdLst>
-    <p:notesMasterId r:id="rId8"/>
+    <p:notesMasterId r:id="rId10"/>
   </p:notesMasterIdLst>
   <p:sldIdLst>
     <p:sldId id="256" r:id="rId2"/>
     <p:sldId id="257" r:id="rId3"/>
     <p:sldId id="260" r:id="rId4"/>
     <p:sldId id="261" r:id="rId5"/>
-    <p:sldId id="262" r:id="rId6"/>
-    <p:sldId id="263" r:id="rId7"/>
+    <p:sldId id="265" r:id="rId6"/>
+    <p:sldId id="264" r:id="rId7"/>
+    <p:sldId id="262" r:id="rId8"/>
+    <p:sldId id="263" r:id="rId9"/>
   </p:sldIdLst>
   <p:sldSz cx="12192000" cy="6858000"/>
   <p:notesSz cx="6858000" cy="9144000"/>
@@ -558,7 +560,7 @@
           <a:p>
             <a:fld id="{7BB43C7B-64C2-4B21-B7E6-9E6D13FCEBDF}" type="slidenum">
               <a:rPr lang="en-GB" smtClean="0"/>
-              <a:t>5</a:t>
+              <a:t>7</a:t>
             </a:fld>
             <a:endParaRPr lang="en-GB"/>
           </a:p>
@@ -4385,34 +4387,6 @@
           </a:p>
         </p:txBody>
       </p:sp>
-      <p:sp>
-        <p:nvSpPr>
-          <p:cNvPr id="6" name="Title 1"/>
-          <p:cNvSpPr>
-            <a:spLocks noGrp="1"/>
-          </p:cNvSpPr>
-          <p:nvPr>
-            <p:ph type="title"/>
-          </p:nvPr>
-        </p:nvSpPr>
-        <p:spPr>
-          <a:xfrm>
-            <a:off x="252919" y="1123837"/>
-            <a:ext cx="2947482" cy="4601183"/>
-          </a:xfrm>
-        </p:spPr>
-        <p:txBody>
-          <a:bodyPr/>
-          <a:lstStyle/>
-          <a:p>
-            <a:r>
-              <a:rPr lang="pl-PL" dirty="0" smtClean="0"/>
-              <a:t>Narzędzia</a:t>
-            </a:r>
-            <a:endParaRPr lang="pl-PL" dirty="0"/>
-          </a:p>
-        </p:txBody>
-      </p:sp>
     </p:spTree>
     <p:extLst>
       <p:ext uri="{BB962C8B-B14F-4D97-AF65-F5344CB8AC3E}">
@@ -4452,29 +4426,6 @@
       </p:grpSpPr>
       <p:sp>
         <p:nvSpPr>
-          <p:cNvPr id="2" name="Title 1"/>
-          <p:cNvSpPr>
-            <a:spLocks noGrp="1"/>
-          </p:cNvSpPr>
-          <p:nvPr>
-            <p:ph type="title"/>
-          </p:nvPr>
-        </p:nvSpPr>
-        <p:spPr/>
-        <p:txBody>
-          <a:bodyPr/>
-          <a:lstStyle/>
-          <a:p>
-            <a:r>
-              <a:rPr lang="pl-PL" dirty="0" smtClean="0"/>
-              <a:t>Plan</a:t>
-            </a:r>
-            <a:endParaRPr lang="pl-PL" dirty="0"/>
-          </a:p>
-        </p:txBody>
-      </p:sp>
-      <p:sp>
-        <p:nvSpPr>
           <p:cNvPr id="3" name="Content Placeholder 2"/>
           <p:cNvSpPr>
             <a:spLocks noGrp="1"/>
@@ -4488,9 +4439,103 @@
           <a:bodyPr/>
           <a:lstStyle/>
           <a:p>
+            <a:pPr marL="457200" indent="-457200">
+              <a:buFont typeface="+mj-lt"/>
+              <a:buAutoNum type="arabicPeriod"/>
+            </a:pPr>
             <a:r>
               <a:rPr lang="pl-PL" dirty="0" smtClean="0"/>
               <a:t>Git</a:t>
+            </a:r>
+          </a:p>
+          <a:p>
+            <a:pPr marL="960120" lvl="1" indent="-457200">
+              <a:buFont typeface="+mj-lt"/>
+              <a:buAutoNum type="arabicPeriod"/>
+            </a:pPr>
+            <a:r>
+              <a:rPr lang="pl-PL" dirty="0" smtClean="0"/>
+              <a:t>Wprowadzenie</a:t>
+            </a:r>
+          </a:p>
+          <a:p>
+            <a:pPr marL="457200" indent="-457200">
+              <a:buFont typeface="+mj-lt"/>
+              <a:buAutoNum type="arabicPeriod"/>
+            </a:pPr>
+            <a:r>
+              <a:rPr lang="pl-PL" dirty="0" smtClean="0"/>
+              <a:t>GitHub</a:t>
+            </a:r>
+          </a:p>
+          <a:p>
+            <a:pPr marL="960120" lvl="1" indent="-457200">
+              <a:buFont typeface="+mj-lt"/>
+              <a:buAutoNum type="arabicPeriod"/>
+            </a:pPr>
+            <a:r>
+              <a:rPr lang="pl-PL" dirty="0" smtClean="0"/>
+              <a:t>Wprowadzenie</a:t>
+            </a:r>
+          </a:p>
+          <a:p>
+            <a:pPr marL="960120" lvl="1" indent="-457200">
+              <a:buFont typeface="+mj-lt"/>
+              <a:buAutoNum type="arabicPeriod"/>
+            </a:pPr>
+            <a:r>
+              <a:rPr lang="pl-PL" dirty="0" smtClean="0"/>
+              <a:t>GitHub Extension dla VisualStudio</a:t>
+            </a:r>
+          </a:p>
+          <a:p>
+            <a:pPr marL="960120" lvl="1" indent="-457200">
+              <a:buFont typeface="+mj-lt"/>
+              <a:buAutoNum type="arabicPeriod"/>
+            </a:pPr>
+            <a:r>
+              <a:rPr lang="pl-PL" dirty="0" smtClean="0"/>
+              <a:t>Warsztat#1: konto, repozytorium, clone/commit/push</a:t>
+            </a:r>
+          </a:p>
+          <a:p>
+            <a:pPr marL="960120" lvl="1" indent="-457200">
+              <a:buFont typeface="+mj-lt"/>
+              <a:buAutoNum type="arabicPeriod"/>
+            </a:pPr>
+            <a:r>
+              <a:rPr lang="pl-PL" dirty="0" smtClean="0"/>
+              <a:t>Warsztat#2: praca w zespole, fetch/pull/merge</a:t>
+            </a:r>
+          </a:p>
+          <a:p>
+            <a:pPr marL="457200" indent="-457200">
+              <a:buFont typeface="+mj-lt"/>
+              <a:buAutoNum type="arabicPeriod"/>
+            </a:pPr>
+            <a:r>
+              <a:rPr lang="pl-PL" dirty="0" smtClean="0"/>
+              <a:t>Azure DevOps</a:t>
+            </a:r>
+          </a:p>
+          <a:p>
+            <a:pPr marL="960120" lvl="1" indent="-457200">
+              <a:buFont typeface="+mj-lt"/>
+              <a:buAutoNum type="arabicPeriod"/>
+            </a:pPr>
+            <a:r>
+              <a:rPr lang="pl-PL" dirty="0" smtClean="0"/>
+              <a:t>Wprowadzenie</a:t>
+            </a:r>
+          </a:p>
+          <a:p>
+            <a:pPr marL="960120" lvl="1" indent="-457200">
+              <a:buFont typeface="+mj-lt"/>
+              <a:buAutoNum type="arabicPeriod"/>
+            </a:pPr>
+            <a:r>
+              <a:rPr lang="pl-PL" dirty="0" smtClean="0"/>
+              <a:t>Praca z VisualStudio</a:t>
             </a:r>
             <a:endParaRPr lang="pl-PL" dirty="0"/>
           </a:p>
@@ -4552,6 +4597,13 @@
   <p:clrMapOvr>
     <a:masterClrMapping/>
   </p:clrMapOvr>
+  <p:timing>
+    <p:tnLst>
+      <p:par>
+        <p:cTn id="1" dur="indefinite" restart="never" nodeType="tmRoot"/>
+      </p:par>
+    </p:tnLst>
+  </p:timing>
 </p:sld>
 </file>
 
@@ -4613,6 +4665,422 @@
             <a:fld id="{4FAB73BC-B049-4115-A692-8D63A059BFB8}" type="slidenum">
               <a:rPr lang="en-US" smtClean="0"/>
               <a:t>5</a:t>
+            </a:fld>
+            <a:endParaRPr lang="en-US" dirty="0"/>
+          </a:p>
+        </p:txBody>
+      </p:sp>
+      <p:pic>
+        <p:nvPicPr>
+          <p:cNvPr id="4" name="Picture 3"/>
+          <p:cNvPicPr>
+            <a:picLocks noChangeAspect="1"/>
+          </p:cNvPicPr>
+          <p:nvPr/>
+        </p:nvPicPr>
+        <p:blipFill>
+          <a:blip r:embed="rId2"/>
+          <a:stretch>
+            <a:fillRect/>
+          </a:stretch>
+        </p:blipFill>
+        <p:spPr>
+          <a:xfrm>
+            <a:off x="4779723" y="780435"/>
+            <a:ext cx="6619875" cy="4772025"/>
+          </a:xfrm>
+          <a:prstGeom prst="rect">
+            <a:avLst/>
+          </a:prstGeom>
+          <a:ln>
+            <a:noFill/>
+          </a:ln>
+          <a:effectLst>
+            <a:outerShdw blurRad="292100" dist="139700" dir="2700000" algn="tl" rotWithShape="0">
+              <a:srgbClr val="333333">
+                <a:alpha val="65000"/>
+              </a:srgbClr>
+            </a:outerShdw>
+          </a:effectLst>
+        </p:spPr>
+      </p:pic>
+      <p:sp>
+        <p:nvSpPr>
+          <p:cNvPr id="5" name="Rectangle 4"/>
+          <p:cNvSpPr/>
+          <p:nvPr/>
+        </p:nvSpPr>
+        <p:spPr>
+          <a:xfrm>
+            <a:off x="4779723" y="5827447"/>
+            <a:ext cx="3567002" cy="253916"/>
+          </a:xfrm>
+          <a:prstGeom prst="rect">
+            <a:avLst/>
+          </a:prstGeom>
+        </p:spPr>
+        <p:txBody>
+          <a:bodyPr wrap="none">
+            <a:spAutoFit/>
+          </a:bodyPr>
+          <a:lstStyle/>
+          <a:p>
+            <a:r>
+              <a:rPr lang="pl-PL" sz="1050" dirty="0"/>
+              <a:t>https://insights.stackoverflow.com/survey/2018/#technology</a:t>
+            </a:r>
+          </a:p>
+        </p:txBody>
+      </p:sp>
+      <p:sp>
+        <p:nvSpPr>
+          <p:cNvPr id="6" name="Rectangle 5"/>
+          <p:cNvSpPr/>
+          <p:nvPr/>
+        </p:nvSpPr>
+        <p:spPr>
+          <a:xfrm>
+            <a:off x="729026" y="780435"/>
+            <a:ext cx="3725279" cy="2308324"/>
+          </a:xfrm>
+          <a:prstGeom prst="rect">
+            <a:avLst/>
+          </a:prstGeom>
+        </p:spPr>
+        <p:txBody>
+          <a:bodyPr wrap="square">
+            <a:spAutoFit/>
+          </a:bodyPr>
+          <a:lstStyle/>
+          <a:p>
+            <a:r>
+              <a:rPr lang="pl-PL" b="1" dirty="0"/>
+              <a:t>System kontroli wersji </a:t>
+            </a:r>
+            <a:r>
+              <a:rPr lang="pl-PL" b="1" dirty="0" smtClean="0"/>
+              <a:t>(VCS) </a:t>
+            </a:r>
+          </a:p>
+          <a:p>
+            <a:endParaRPr lang="pl-PL" dirty="0"/>
+          </a:p>
+          <a:p>
+            <a:r>
+              <a:rPr lang="pl-PL" dirty="0" smtClean="0"/>
+              <a:t>oprogramowanie </a:t>
+            </a:r>
+            <a:r>
+              <a:rPr lang="pl-PL" dirty="0"/>
+              <a:t>służące do </a:t>
+            </a:r>
+            <a:r>
+              <a:rPr lang="pl-PL" b="1" dirty="0"/>
+              <a:t>śledzenia zmian </a:t>
+            </a:r>
+            <a:r>
+              <a:rPr lang="pl-PL" dirty="0"/>
+              <a:t>głównie w kodzie źródłowym oraz pomocy programistom w </a:t>
+            </a:r>
+            <a:r>
+              <a:rPr lang="pl-PL" b="1" dirty="0"/>
+              <a:t>łączeniu zmian </a:t>
+            </a:r>
+            <a:r>
+              <a:rPr lang="pl-PL" dirty="0"/>
+              <a:t>dokonanych w plikach przez wiele osób w różnym czasie.</a:t>
+            </a:r>
+          </a:p>
+        </p:txBody>
+      </p:sp>
+    </p:spTree>
+    <p:extLst>
+      <p:ext uri="{BB962C8B-B14F-4D97-AF65-F5344CB8AC3E}">
+        <p14:creationId xmlns:p14="http://schemas.microsoft.com/office/powerpoint/2010/main" val="3832239496"/>
+      </p:ext>
+    </p:extLst>
+  </p:cSld>
+  <p:clrMapOvr>
+    <a:masterClrMapping/>
+  </p:clrMapOvr>
+</p:sld>
+</file>
+
+<file path=ppt/slides/slide6.xml><?xml version="1.0" encoding="utf-8"?>
+<p:sld xmlns:a="http://schemas.openxmlformats.org/drawingml/2006/main" xmlns:r="http://schemas.openxmlformats.org/officeDocument/2006/relationships" xmlns:p="http://schemas.openxmlformats.org/presentationml/2006/main">
+  <p:cSld>
+    <p:spTree>
+      <p:nvGrpSpPr>
+        <p:cNvPr id="1" name=""/>
+        <p:cNvGrpSpPr/>
+        <p:nvPr/>
+      </p:nvGrpSpPr>
+      <p:grpSpPr>
+        <a:xfrm>
+          <a:off x="0" y="0"/>
+          <a:ext cx="0" cy="0"/>
+          <a:chOff x="0" y="0"/>
+          <a:chExt cx="0" cy="0"/>
+        </a:xfrm>
+      </p:grpSpPr>
+      <p:sp>
+        <p:nvSpPr>
+          <p:cNvPr id="2" name="Footer Placeholder 1"/>
+          <p:cNvSpPr>
+            <a:spLocks noGrp="1"/>
+          </p:cNvSpPr>
+          <p:nvPr>
+            <p:ph type="ftr" sz="quarter" idx="11"/>
+          </p:nvPr>
+        </p:nvSpPr>
+        <p:spPr/>
+        <p:txBody>
+          <a:bodyPr/>
+          <a:lstStyle/>
+          <a:p>
+            <a:r>
+              <a:rPr lang="en-US" dirty="0" smtClean="0"/>
+              <a:t>GIT</a:t>
+            </a:r>
+            <a:endParaRPr lang="en-US" dirty="0"/>
+          </a:p>
+        </p:txBody>
+      </p:sp>
+      <p:sp>
+        <p:nvSpPr>
+          <p:cNvPr id="3" name="Slide Number Placeholder 2"/>
+          <p:cNvSpPr>
+            <a:spLocks noGrp="1"/>
+          </p:cNvSpPr>
+          <p:nvPr>
+            <p:ph type="sldNum" sz="quarter" idx="12"/>
+          </p:nvPr>
+        </p:nvSpPr>
+        <p:spPr/>
+        <p:txBody>
+          <a:bodyPr/>
+          <a:lstStyle/>
+          <a:p>
+            <a:fld id="{4FAB73BC-B049-4115-A692-8D63A059BFB8}" type="slidenum">
+              <a:rPr lang="en-US" smtClean="0"/>
+              <a:t>6</a:t>
+            </a:fld>
+            <a:endParaRPr lang="en-US" dirty="0"/>
+          </a:p>
+        </p:txBody>
+      </p:sp>
+      <p:sp>
+        <p:nvSpPr>
+          <p:cNvPr id="4" name="Rectangle 3"/>
+          <p:cNvSpPr/>
+          <p:nvPr/>
+        </p:nvSpPr>
+        <p:spPr>
+          <a:xfrm>
+            <a:off x="473599" y="529628"/>
+            <a:ext cx="10508253" cy="5355312"/>
+          </a:xfrm>
+          <a:prstGeom prst="rect">
+            <a:avLst/>
+          </a:prstGeom>
+        </p:spPr>
+        <p:txBody>
+          <a:bodyPr wrap="square">
+            <a:spAutoFit/>
+          </a:bodyPr>
+          <a:lstStyle/>
+          <a:p>
+            <a:r>
+              <a:rPr lang="pl-PL" b="1" dirty="0"/>
+              <a:t>Dobre wsparcie dla rozgałęzionego procesu tworzenia </a:t>
+            </a:r>
+            <a:r>
+              <a:rPr lang="pl-PL" b="1" dirty="0" smtClean="0"/>
+              <a:t>oprogramowania: </a:t>
+            </a:r>
+          </a:p>
+          <a:p>
+            <a:pPr lvl="1"/>
+            <a:r>
+              <a:rPr lang="pl-PL" i="1" dirty="0" smtClean="0"/>
+              <a:t>jest dostępnych kilka algorytmów łączenia zmian z dwóch gałęzi, a także możliwość dodawania </a:t>
+            </a:r>
+            <a:r>
+              <a:rPr lang="pl-PL" i="1" dirty="0"/>
+              <a:t>własnych </a:t>
+            </a:r>
+            <a:r>
+              <a:rPr lang="pl-PL" i="1" dirty="0" smtClean="0"/>
+              <a:t>algorytmów.</a:t>
+            </a:r>
+            <a:endParaRPr lang="pl-PL" i="1" dirty="0"/>
+          </a:p>
+          <a:p>
+            <a:endParaRPr lang="pl-PL" dirty="0"/>
+          </a:p>
+          <a:p>
+            <a:r>
+              <a:rPr lang="pl-PL" b="1" dirty="0"/>
+              <a:t>Praca off-line: </a:t>
+            </a:r>
+            <a:endParaRPr lang="pl-PL" b="1" dirty="0" smtClean="0"/>
+          </a:p>
+          <a:p>
+            <a:pPr lvl="1"/>
+            <a:r>
+              <a:rPr lang="pl-PL" i="1" dirty="0" smtClean="0"/>
+              <a:t>każdy </a:t>
+            </a:r>
+            <a:r>
+              <a:rPr lang="pl-PL" i="1" dirty="0"/>
+              <a:t>programista posiada własną kopię repozytorium, do której może zapisywać zmiany bez połączenia z siecią; następnie zmiany mogą być wymieniane między lokalnymi repozytoriami.</a:t>
+            </a:r>
+          </a:p>
+          <a:p>
+            <a:endParaRPr lang="pl-PL" dirty="0"/>
+          </a:p>
+          <a:p>
+            <a:r>
+              <a:rPr lang="pl-PL" b="1" dirty="0"/>
+              <a:t>Wsparcie dla istniejących protokołów sieciowych: </a:t>
+            </a:r>
+            <a:endParaRPr lang="pl-PL" b="1" dirty="0" smtClean="0"/>
+          </a:p>
+          <a:p>
+            <a:r>
+              <a:rPr lang="pl-PL" i="1" dirty="0" smtClean="0"/>
+              <a:t>	dane </a:t>
+            </a:r>
+            <a:r>
+              <a:rPr lang="pl-PL" i="1" dirty="0"/>
+              <a:t>można wymieniać przez HTTP(S), FTP, rsync, SSH.</a:t>
+            </a:r>
+          </a:p>
+          <a:p>
+            <a:endParaRPr lang="pl-PL" dirty="0"/>
+          </a:p>
+          <a:p>
+            <a:r>
+              <a:rPr lang="pl-PL" b="1" dirty="0"/>
+              <a:t>Efektywna praca z dużymi projektami: </a:t>
+            </a:r>
+            <a:endParaRPr lang="pl-PL" b="1" dirty="0" smtClean="0"/>
+          </a:p>
+          <a:p>
+            <a:pPr lvl="1"/>
+            <a:r>
+              <a:rPr lang="pl-PL" i="1" dirty="0" smtClean="0"/>
+              <a:t>system </a:t>
+            </a:r>
+            <a:r>
+              <a:rPr lang="pl-PL" i="1" dirty="0"/>
+              <a:t>Git według zapewnień Torvaldsa, a także według testów fundacji Mozilla, jest o rzędy wielkości szybszy niż niektóre konkurencyjne </a:t>
+            </a:r>
+            <a:r>
+              <a:rPr lang="pl-PL" i="1" dirty="0" smtClean="0"/>
+              <a:t>rozwiązania.</a:t>
+            </a:r>
+            <a:endParaRPr lang="pl-PL" i="1" dirty="0"/>
+          </a:p>
+          <a:p>
+            <a:endParaRPr lang="pl-PL" dirty="0"/>
+          </a:p>
+          <a:p>
+            <a:r>
+              <a:rPr lang="pl-PL" b="1" dirty="0"/>
+              <a:t>Każda rewizja to obraz całego projektu: </a:t>
+            </a:r>
+            <a:endParaRPr lang="pl-PL" b="1" dirty="0" smtClean="0"/>
+          </a:p>
+          <a:p>
+            <a:pPr lvl="1"/>
+            <a:r>
+              <a:rPr lang="pl-PL" i="1" dirty="0" smtClean="0"/>
+              <a:t>w </a:t>
+            </a:r>
+            <a:r>
+              <a:rPr lang="pl-PL" i="1" dirty="0"/>
+              <a:t>przeciwieństwie do innych systemów kontroli wersji, Git nie zapamiętuje zmian między kolejnymi rewizjami, lecz kompletne obrazy. Z jednej strony wymaga to nieco więcej pracy aby porównać dwie rewizje, z drugiej jednak pozwala np. na automatyczną obsługę zmian nazw </a:t>
+            </a:r>
+            <a:r>
+              <a:rPr lang="pl-PL" i="1" dirty="0" smtClean="0"/>
+              <a:t>plików.</a:t>
+            </a:r>
+            <a:endParaRPr lang="pl-PL" i="1" dirty="0"/>
+          </a:p>
+        </p:txBody>
+      </p:sp>
+    </p:spTree>
+    <p:extLst>
+      <p:ext uri="{BB962C8B-B14F-4D97-AF65-F5344CB8AC3E}">
+        <p14:creationId xmlns:p14="http://schemas.microsoft.com/office/powerpoint/2010/main" val="3329926583"/>
+      </p:ext>
+    </p:extLst>
+  </p:cSld>
+  <p:clrMapOvr>
+    <a:masterClrMapping/>
+  </p:clrMapOvr>
+</p:sld>
+</file>
+
+<file path=ppt/slides/slide7.xml><?xml version="1.0" encoding="utf-8"?>
+<p:sld xmlns:a="http://schemas.openxmlformats.org/drawingml/2006/main" xmlns:r="http://schemas.openxmlformats.org/officeDocument/2006/relationships" xmlns:p="http://schemas.openxmlformats.org/presentationml/2006/main">
+  <p:cSld>
+    <p:spTree>
+      <p:nvGrpSpPr>
+        <p:cNvPr id="1" name=""/>
+        <p:cNvGrpSpPr/>
+        <p:nvPr/>
+      </p:nvGrpSpPr>
+      <p:grpSpPr>
+        <a:xfrm>
+          <a:off x="0" y="0"/>
+          <a:ext cx="0" cy="0"/>
+          <a:chOff x="0" y="0"/>
+          <a:chExt cx="0" cy="0"/>
+        </a:xfrm>
+      </p:grpSpPr>
+      <p:sp>
+        <p:nvSpPr>
+          <p:cNvPr id="2" name="Footer Placeholder 1"/>
+          <p:cNvSpPr>
+            <a:spLocks noGrp="1"/>
+          </p:cNvSpPr>
+          <p:nvPr>
+            <p:ph type="ftr" sz="quarter" idx="11"/>
+          </p:nvPr>
+        </p:nvSpPr>
+        <p:spPr/>
+        <p:txBody>
+          <a:bodyPr/>
+          <a:lstStyle/>
+          <a:p>
+            <a:r>
+              <a:rPr lang="en-US" smtClean="0"/>
+              <a:t>GIT</a:t>
+            </a:r>
+            <a:endParaRPr lang="en-US" dirty="0"/>
+          </a:p>
+        </p:txBody>
+      </p:sp>
+      <p:sp>
+        <p:nvSpPr>
+          <p:cNvPr id="3" name="Slide Number Placeholder 2"/>
+          <p:cNvSpPr>
+            <a:spLocks noGrp="1"/>
+          </p:cNvSpPr>
+          <p:nvPr>
+            <p:ph type="sldNum" sz="quarter" idx="12"/>
+          </p:nvPr>
+        </p:nvSpPr>
+        <p:spPr/>
+        <p:txBody>
+          <a:bodyPr/>
+          <a:lstStyle/>
+          <a:p>
+            <a:fld id="{4FAB73BC-B049-4115-A692-8D63A059BFB8}" type="slidenum">
+              <a:rPr lang="en-US" smtClean="0"/>
+              <a:t>7</a:t>
             </a:fld>
             <a:endParaRPr lang="en-US" dirty="0"/>
           </a:p>
@@ -4641,7 +5109,7 @@
         </p:blipFill>
         <p:spPr bwMode="auto">
           <a:xfrm>
-            <a:off x="1314046" y="1687406"/>
+            <a:off x="897587" y="3027319"/>
             <a:ext cx="6794387" cy="2590360"/>
           </a:xfrm>
           <a:prstGeom prst="rect">
@@ -4669,10 +5137,17 @@
   <p:clrMapOvr>
     <a:masterClrMapping/>
   </p:clrMapOvr>
+  <p:timing>
+    <p:tnLst>
+      <p:par>
+        <p:cTn id="1" dur="indefinite" restart="never" nodeType="tmRoot"/>
+      </p:par>
+    </p:tnLst>
+  </p:timing>
 </p:sld>
 </file>
 
-<file path=ppt/slides/slide6.xml><?xml version="1.0" encoding="utf-8"?>
+<file path=ppt/slides/slide8.xml><?xml version="1.0" encoding="utf-8"?>
 <p:sld xmlns:a="http://schemas.openxmlformats.org/drawingml/2006/main" xmlns:r="http://schemas.openxmlformats.org/officeDocument/2006/relationships" xmlns:p="http://schemas.openxmlformats.org/presentationml/2006/main">
   <p:cSld>
     <p:spTree>
@@ -4729,7 +5204,7 @@
           <a:p>
             <a:fld id="{4FAB73BC-B049-4115-A692-8D63A059BFB8}" type="slidenum">
               <a:rPr lang="en-US" smtClean="0"/>
-              <a:t>6</a:t>
+              <a:t>8</a:t>
             </a:fld>
             <a:endParaRPr lang="en-US" dirty="0"/>
           </a:p>

--- a/slajdy/ZIIMI_01_GIT.pptx
+++ b/slajdy/ZIIMI_01_GIT.pptx
@@ -5,17 +5,41 @@
     <p:sldMasterId id="2147483903" r:id="rId1"/>
   </p:sldMasterIdLst>
   <p:notesMasterIdLst>
-    <p:notesMasterId r:id="rId10"/>
+    <p:notesMasterId r:id="rId34"/>
   </p:notesMasterIdLst>
   <p:sldIdLst>
     <p:sldId id="256" r:id="rId2"/>
     <p:sldId id="257" r:id="rId3"/>
     <p:sldId id="260" r:id="rId4"/>
     <p:sldId id="261" r:id="rId5"/>
-    <p:sldId id="265" r:id="rId6"/>
-    <p:sldId id="264" r:id="rId7"/>
-    <p:sldId id="262" r:id="rId8"/>
-    <p:sldId id="263" r:id="rId9"/>
+    <p:sldId id="272" r:id="rId6"/>
+    <p:sldId id="265" r:id="rId7"/>
+    <p:sldId id="271" r:id="rId8"/>
+    <p:sldId id="264" r:id="rId9"/>
+    <p:sldId id="262" r:id="rId10"/>
+    <p:sldId id="263" r:id="rId11"/>
+    <p:sldId id="273" r:id="rId12"/>
+    <p:sldId id="275" r:id="rId13"/>
+    <p:sldId id="277" r:id="rId14"/>
+    <p:sldId id="278" r:id="rId15"/>
+    <p:sldId id="279" r:id="rId16"/>
+    <p:sldId id="280" r:id="rId17"/>
+    <p:sldId id="281" r:id="rId18"/>
+    <p:sldId id="266" r:id="rId19"/>
+    <p:sldId id="267" r:id="rId20"/>
+    <p:sldId id="282" r:id="rId21"/>
+    <p:sldId id="270" r:id="rId22"/>
+    <p:sldId id="283" r:id="rId23"/>
+    <p:sldId id="284" r:id="rId24"/>
+    <p:sldId id="274" r:id="rId25"/>
+    <p:sldId id="285" r:id="rId26"/>
+    <p:sldId id="286" r:id="rId27"/>
+    <p:sldId id="287" r:id="rId28"/>
+    <p:sldId id="288" r:id="rId29"/>
+    <p:sldId id="289" r:id="rId30"/>
+    <p:sldId id="290" r:id="rId31"/>
+    <p:sldId id="291" r:id="rId32"/>
+    <p:sldId id="276" r:id="rId33"/>
   </p:sldIdLst>
   <p:sldSz cx="12192000" cy="6858000"/>
   <p:notesSz cx="6858000" cy="9144000"/>
@@ -227,7 +251,7 @@
           <a:p>
             <a:fld id="{A72FB546-F199-4B4F-99BF-57E72CB8BE0D}" type="datetimeFigureOut">
               <a:rPr lang="en-GB" smtClean="0"/>
-              <a:t>25/10/2018</a:t>
+              <a:t>26/10/2018</a:t>
             </a:fld>
             <a:endParaRPr lang="en-GB"/>
           </a:p>
@@ -560,7 +584,7 @@
           <a:p>
             <a:fld id="{7BB43C7B-64C2-4B21-B7E6-9E6D13FCEBDF}" type="slidenum">
               <a:rPr lang="en-GB" smtClean="0"/>
-              <a:t>7</a:t>
+              <a:t>9</a:t>
             </a:fld>
             <a:endParaRPr lang="en-GB"/>
           </a:p>
@@ -801,9 +825,9 @@
           <a:bodyPr/>
           <a:lstStyle/>
           <a:p>
-            <a:fld id="{C30A03EF-F129-4272-945E-C623DCE1575E}" type="datetime1">
+            <a:fld id="{8E1DE286-73BE-41DD-8C25-3FCAB81BFFFB}" type="datetime1">
               <a:rPr lang="en-US" smtClean="0"/>
-              <a:t>10/25/2018</a:t>
+              <a:t>10/26/2018</a:t>
             </a:fld>
             <a:endParaRPr lang="en-US" dirty="0"/>
           </a:p>
@@ -825,8 +849,8 @@
           <a:lstStyle/>
           <a:p>
             <a:r>
-              <a:rPr lang="en-US" smtClean="0"/>
-              <a:t>GIT</a:t>
+              <a:rPr lang="en-US"/>
+              <a:t>Developing SQL Databases</a:t>
             </a:r>
             <a:endParaRPr lang="en-US" dirty="0"/>
           </a:p>
@@ -976,9 +1000,9 @@
           <a:bodyPr/>
           <a:lstStyle/>
           <a:p>
-            <a:fld id="{310572C6-FD60-474D-BC19-8B21E5BE0519}" type="datetime1">
+            <a:fld id="{15A9FE70-2F8C-4B08-A747-CA9831BA00EF}" type="datetime1">
               <a:rPr lang="en-US" smtClean="0"/>
-              <a:t>10/25/2018</a:t>
+              <a:t>10/26/2018</a:t>
             </a:fld>
             <a:endParaRPr lang="en-US" dirty="0"/>
           </a:p>
@@ -1000,8 +1024,8 @@
           <a:lstStyle/>
           <a:p>
             <a:r>
-              <a:rPr lang="en-US" smtClean="0"/>
-              <a:t>GIT</a:t>
+              <a:rPr lang="en-US"/>
+              <a:t>Developing SQL Databases</a:t>
             </a:r>
             <a:endParaRPr lang="en-US" dirty="0"/>
           </a:p>
@@ -1160,9 +1184,9 @@
           <a:bodyPr/>
           <a:lstStyle/>
           <a:p>
-            <a:fld id="{38E0B205-8A69-4FEB-868C-DBEB4FEDE1FB}" type="datetime1">
+            <a:fld id="{3252D7F4-7CE3-4EB5-B53C-FFD10A170BB5}" type="datetime1">
               <a:rPr lang="en-US" smtClean="0"/>
-              <a:t>10/25/2018</a:t>
+              <a:t>10/26/2018</a:t>
             </a:fld>
             <a:endParaRPr lang="en-US" dirty="0"/>
           </a:p>
@@ -1184,8 +1208,8 @@
           <a:lstStyle/>
           <a:p>
             <a:r>
-              <a:rPr lang="en-US" smtClean="0"/>
-              <a:t>GIT</a:t>
+              <a:rPr lang="en-US"/>
+              <a:t>Developing SQL Databases</a:t>
             </a:r>
             <a:endParaRPr lang="en-US" dirty="0"/>
           </a:p>
@@ -1334,9 +1358,9 @@
           <a:bodyPr/>
           <a:lstStyle/>
           <a:p>
-            <a:fld id="{4A885822-53CE-4F07-9336-B20B8DCB863F}" type="datetime1">
+            <a:fld id="{D64AB51A-B62D-4C89-874D-5DDC2CE7C1D6}" type="datetime1">
               <a:rPr lang="en-US" smtClean="0"/>
-              <a:t>10/25/2018</a:t>
+              <a:t>10/26/2018</a:t>
             </a:fld>
             <a:endParaRPr lang="en-US" dirty="0"/>
           </a:p>
@@ -1358,8 +1382,8 @@
           <a:lstStyle/>
           <a:p>
             <a:r>
-              <a:rPr lang="en-US" smtClean="0"/>
-              <a:t>GIT</a:t>
+              <a:rPr lang="en-US"/>
+              <a:t>Developing SQL Databases</a:t>
             </a:r>
             <a:endParaRPr lang="en-US" dirty="0"/>
           </a:p>
@@ -1596,9 +1620,9 @@
           <a:bodyPr/>
           <a:lstStyle/>
           <a:p>
-            <a:fld id="{F3CAAC42-71B6-42FA-A26A-4E795CF6AFBC}" type="datetime1">
+            <a:fld id="{7D006077-E0BA-4819-9952-D6D781CE40B1}" type="datetime1">
               <a:rPr lang="en-US" smtClean="0"/>
-              <a:t>10/25/2018</a:t>
+              <a:t>10/26/2018</a:t>
             </a:fld>
             <a:endParaRPr lang="en-US" dirty="0"/>
           </a:p>
@@ -1620,8 +1644,8 @@
           <a:lstStyle/>
           <a:p>
             <a:r>
-              <a:rPr lang="en-US" smtClean="0"/>
-              <a:t>GIT</a:t>
+              <a:rPr lang="en-US"/>
+              <a:t>Developing SQL Databases</a:t>
             </a:r>
             <a:endParaRPr lang="en-US" dirty="0"/>
           </a:p>
@@ -1889,9 +1913,9 @@
           <a:bodyPr/>
           <a:lstStyle/>
           <a:p>
-            <a:fld id="{5601E3E2-D251-46B1-90A8-39F61A7C22D1}" type="datetime1">
+            <a:fld id="{C704F5C6-5326-4CD0-B522-AF4BEEDF7AD7}" type="datetime1">
               <a:rPr lang="en-US" smtClean="0"/>
-              <a:t>10/25/2018</a:t>
+              <a:t>10/26/2018</a:t>
             </a:fld>
             <a:endParaRPr lang="en-US" dirty="0"/>
           </a:p>
@@ -1913,8 +1937,8 @@
           <a:lstStyle/>
           <a:p>
             <a:r>
-              <a:rPr lang="en-US" smtClean="0"/>
-              <a:t>GIT</a:t>
+              <a:rPr lang="en-US"/>
+              <a:t>Developing SQL Databases</a:t>
             </a:r>
             <a:endParaRPr lang="en-US" dirty="0"/>
           </a:p>
@@ -2335,9 +2359,9 @@
           <a:bodyPr/>
           <a:lstStyle/>
           <a:p>
-            <a:fld id="{DAF5FF9D-389B-404C-A0EA-E2EED8C30027}" type="datetime1">
+            <a:fld id="{47EF0EBC-3A5F-43F6-B24C-4A5347A54AD3}" type="datetime1">
               <a:rPr lang="en-US" smtClean="0"/>
-              <a:t>10/25/2018</a:t>
+              <a:t>10/26/2018</a:t>
             </a:fld>
             <a:endParaRPr lang="en-US" dirty="0"/>
           </a:p>
@@ -2359,8 +2383,8 @@
           <a:lstStyle/>
           <a:p>
             <a:r>
-              <a:rPr lang="en-US" smtClean="0"/>
-              <a:t>GIT</a:t>
+              <a:rPr lang="en-US"/>
+              <a:t>Developing SQL Databases</a:t>
             </a:r>
             <a:endParaRPr lang="en-US" dirty="0"/>
           </a:p>
@@ -2457,9 +2481,9 @@
           <a:bodyPr/>
           <a:lstStyle/>
           <a:p>
-            <a:fld id="{C6F995AE-B1CD-4F15-BDFE-84B82238868D}" type="datetime1">
+            <a:fld id="{0DA5C9F3-BA3C-41C8-B5AC-DA93A70A417A}" type="datetime1">
               <a:rPr lang="en-US" smtClean="0"/>
-              <a:t>10/25/2018</a:t>
+              <a:t>10/26/2018</a:t>
             </a:fld>
             <a:endParaRPr lang="en-US" dirty="0"/>
           </a:p>
@@ -2481,8 +2505,8 @@
           <a:lstStyle/>
           <a:p>
             <a:r>
-              <a:rPr lang="en-US" smtClean="0"/>
-              <a:t>GIT</a:t>
+              <a:rPr lang="en-US"/>
+              <a:t>Developing SQL Databases</a:t>
             </a:r>
             <a:endParaRPr lang="en-US" dirty="0"/>
           </a:p>
@@ -2556,9 +2580,9 @@
           <a:bodyPr/>
           <a:lstStyle/>
           <a:p>
-            <a:fld id="{9C96CBF0-A8A4-41EB-904B-97123E965565}" type="datetime1">
+            <a:fld id="{AEEE0DFD-5231-4D15-934B-E2171E0C66B2}" type="datetime1">
               <a:rPr lang="en-US" smtClean="0"/>
-              <a:t>10/25/2018</a:t>
+              <a:t>10/26/2018</a:t>
             </a:fld>
             <a:endParaRPr lang="en-US" dirty="0"/>
           </a:p>
@@ -2580,8 +2604,8 @@
           <a:lstStyle/>
           <a:p>
             <a:r>
-              <a:rPr lang="en-US" smtClean="0"/>
-              <a:t>GIT</a:t>
+              <a:rPr lang="en-US"/>
+              <a:t>Developing SQL Databases</a:t>
             </a:r>
             <a:endParaRPr lang="en-US" dirty="0"/>
           </a:p>
@@ -2848,9 +2872,9 @@
           <a:bodyPr/>
           <a:lstStyle/>
           <a:p>
-            <a:fld id="{C8CD9DB1-7008-4F4F-BD3F-78DA454783D8}" type="datetime1">
+            <a:fld id="{4FE095A6-ABE2-45EF-9BC6-4C278DBFB0E4}" type="datetime1">
               <a:rPr lang="en-US" smtClean="0"/>
-              <a:t>10/25/2018</a:t>
+              <a:t>10/26/2018</a:t>
             </a:fld>
             <a:endParaRPr lang="en-US" dirty="0"/>
           </a:p>
@@ -2872,8 +2896,8 @@
           <a:lstStyle/>
           <a:p>
             <a:r>
-              <a:rPr lang="en-US" smtClean="0"/>
-              <a:t>GIT</a:t>
+              <a:rPr lang="en-US"/>
+              <a:t>Developing SQL Databases</a:t>
             </a:r>
             <a:endParaRPr lang="en-US" dirty="0"/>
           </a:p>
@@ -3126,9 +3150,9 @@
           <a:bodyPr/>
           <a:lstStyle/>
           <a:p>
-            <a:fld id="{0F37C80A-5998-4279-B647-5AC3460BA0BD}" type="datetime1">
+            <a:fld id="{FDD517C4-609D-4083-9010-00D31E1BEAD5}" type="datetime1">
               <a:rPr lang="en-US" smtClean="0"/>
-              <a:t>10/25/2018</a:t>
+              <a:t>10/26/2018</a:t>
             </a:fld>
             <a:endParaRPr lang="en-US" dirty="0"/>
           </a:p>
@@ -3155,8 +3179,8 @@
           <a:lstStyle/>
           <a:p>
             <a:r>
-              <a:rPr lang="en-US" smtClean="0"/>
-              <a:t>GIT</a:t>
+              <a:rPr lang="en-US"/>
+              <a:t>Developing SQL Databases</a:t>
             </a:r>
             <a:endParaRPr lang="en-US" dirty="0"/>
           </a:p>
@@ -3428,9 +3452,9 @@
             </a:lvl1pPr>
           </a:lstStyle>
           <a:p>
-            <a:fld id="{44EC753D-B0D9-4668-B1AA-A3E58FD0CE9C}" type="datetime1">
+            <a:fld id="{71457F22-0A7E-41B0-859A-1CD39CD6A891}" type="datetime1">
               <a:rPr lang="en-US" smtClean="0"/>
-              <a:t>10/25/2018</a:t>
+              <a:t>10/26/2018</a:t>
             </a:fld>
             <a:endParaRPr lang="en-US" dirty="0"/>
           </a:p>
@@ -3471,8 +3495,8 @@
           </a:lstStyle>
           <a:p>
             <a:r>
-              <a:rPr lang="en-US" smtClean="0"/>
-              <a:t>GIT</a:t>
+              <a:rPr lang="en-US"/>
+              <a:t>Developing SQL Databases</a:t>
             </a:r>
             <a:endParaRPr lang="en-US" dirty="0"/>
           </a:p>
@@ -3539,7 +3563,7 @@
     <p:sldLayoutId id="2147483913" r:id="rId10"/>
     <p:sldLayoutId id="2147483914" r:id="rId11"/>
   </p:sldLayoutIdLst>
-  <p:hf hdr="0" dt="0"/>
+  <p:hf hdr="0" ftr="0" dt="0"/>
   <p:txStyles>
     <p:titleStyle>
       <a:lvl1pPr algn="l" defTabSz="914400" rtl="0" eaLnBrk="1" latinLnBrk="0" hangingPunct="1">
@@ -3934,7 +3958,7 @@
           <a:lstStyle/>
           <a:p>
             <a:r>
-              <a:rPr lang="pl-PL" b="1" dirty="0" smtClean="0"/>
+              <a:rPr lang="pl-PL" b="1" dirty="0"/>
               <a:t>GIT</a:t>
             </a:r>
             <a:endParaRPr lang="pl-PL" b="1" dirty="0">
@@ -3975,13 +3999,1052 @@
   <p:clrMapOvr>
     <a:masterClrMapping/>
   </p:clrMapOvr>
-  <p:timing>
-    <p:tnLst>
-      <p:par>
-        <p:cTn id="1" dur="indefinite" restart="never" nodeType="tmRoot"/>
-      </p:par>
-    </p:tnLst>
-  </p:timing>
+</p:sld>
+</file>
+
+<file path=ppt/slides/slide10.xml><?xml version="1.0" encoding="utf-8"?>
+<p:sld xmlns:a="http://schemas.openxmlformats.org/drawingml/2006/main" xmlns:r="http://schemas.openxmlformats.org/officeDocument/2006/relationships" xmlns:p="http://schemas.openxmlformats.org/presentationml/2006/main">
+  <p:cSld>
+    <p:spTree>
+      <p:nvGrpSpPr>
+        <p:cNvPr id="1" name=""/>
+        <p:cNvGrpSpPr/>
+        <p:nvPr/>
+      </p:nvGrpSpPr>
+      <p:grpSpPr>
+        <a:xfrm>
+          <a:off x="0" y="0"/>
+          <a:ext cx="0" cy="0"/>
+          <a:chOff x="0" y="0"/>
+          <a:chExt cx="0" cy="0"/>
+        </a:xfrm>
+      </p:grpSpPr>
+      <p:sp>
+        <p:nvSpPr>
+          <p:cNvPr id="3" name="Slide Number Placeholder 2"/>
+          <p:cNvSpPr>
+            <a:spLocks noGrp="1"/>
+          </p:cNvSpPr>
+          <p:nvPr>
+            <p:ph type="sldNum" sz="quarter" idx="12"/>
+          </p:nvPr>
+        </p:nvSpPr>
+        <p:spPr/>
+        <p:txBody>
+          <a:bodyPr/>
+          <a:lstStyle/>
+          <a:p>
+            <a:fld id="{4FAB73BC-B049-4115-A692-8D63A059BFB8}" type="slidenum">
+              <a:rPr lang="en-US" smtClean="0"/>
+              <a:t>10</a:t>
+            </a:fld>
+            <a:endParaRPr lang="en-US" dirty="0"/>
+          </a:p>
+        </p:txBody>
+      </p:sp>
+      <p:pic>
+        <p:nvPicPr>
+          <p:cNvPr id="4" name="Picture 2" descr="git workflow diagram"/>
+          <p:cNvPicPr>
+            <a:picLocks noChangeAspect="1" noChangeArrowheads="1"/>
+          </p:cNvPicPr>
+          <p:nvPr/>
+        </p:nvPicPr>
+        <p:blipFill>
+          <a:blip r:embed="rId2">
+            <a:extLst>
+              <a:ext uri="{28A0092B-C50C-407E-A947-70E740481C1C}">
+                <a14:useLocalDpi xmlns:a14="http://schemas.microsoft.com/office/drawing/2010/main" val="0"/>
+              </a:ext>
+            </a:extLst>
+          </a:blip>
+          <a:srcRect/>
+          <a:stretch>
+            <a:fillRect/>
+          </a:stretch>
+        </p:blipFill>
+        <p:spPr bwMode="auto">
+          <a:xfrm>
+            <a:off x="729026" y="1662650"/>
+            <a:ext cx="5323470" cy="4396259"/>
+          </a:xfrm>
+          <a:prstGeom prst="rect">
+            <a:avLst/>
+          </a:prstGeom>
+          <a:noFill/>
+          <a:extLst>
+            <a:ext uri="{909E8E84-426E-40DD-AFC4-6F175D3DCCD1}">
+              <a14:hiddenFill xmlns:a14="http://schemas.microsoft.com/office/drawing/2010/main">
+                <a:solidFill>
+                  <a:srgbClr val="FFFFFF"/>
+                </a:solidFill>
+              </a14:hiddenFill>
+            </a:ext>
+          </a:extLst>
+        </p:spPr>
+      </p:pic>
+      <p:sp>
+        <p:nvSpPr>
+          <p:cNvPr id="5" name="Rectangle 5">
+            <a:extLst>
+              <a:ext uri="{FF2B5EF4-FFF2-40B4-BE49-F238E27FC236}">
+                <a16:creationId xmlns:a16="http://schemas.microsoft.com/office/drawing/2014/main" id="{AE501BB8-B066-4BA2-9185-871B9DD42183}"/>
+              </a:ext>
+            </a:extLst>
+          </p:cNvPr>
+          <p:cNvSpPr/>
+          <p:nvPr/>
+        </p:nvSpPr>
+        <p:spPr>
+          <a:xfrm>
+            <a:off x="729026" y="780435"/>
+            <a:ext cx="5276356" cy="584775"/>
+          </a:xfrm>
+          <a:prstGeom prst="rect">
+            <a:avLst/>
+          </a:prstGeom>
+        </p:spPr>
+        <p:txBody>
+          <a:bodyPr wrap="square">
+            <a:spAutoFit/>
+          </a:bodyPr>
+          <a:lstStyle/>
+          <a:p>
+            <a:r>
+              <a:rPr lang="pl-PL" sz="1600" b="1" dirty="0"/>
+              <a:t>Git </a:t>
+            </a:r>
+            <a:r>
+              <a:rPr lang="pl-PL" sz="1600" b="1" dirty="0" err="1"/>
+              <a:t>Workflow</a:t>
+            </a:r>
+            <a:endParaRPr lang="pl-PL" sz="1600" dirty="0"/>
+          </a:p>
+          <a:p>
+            <a:endParaRPr lang="pl-PL" sz="1600" dirty="0"/>
+          </a:p>
+        </p:txBody>
+      </p:sp>
+    </p:spTree>
+    <p:extLst>
+      <p:ext uri="{BB962C8B-B14F-4D97-AF65-F5344CB8AC3E}">
+        <p14:creationId xmlns:p14="http://schemas.microsoft.com/office/powerpoint/2010/main" val="1648093804"/>
+      </p:ext>
+    </p:extLst>
+  </p:cSld>
+  <p:clrMapOvr>
+    <a:masterClrMapping/>
+  </p:clrMapOvr>
+</p:sld>
+</file>
+
+<file path=ppt/slides/slide11.xml><?xml version="1.0" encoding="utf-8"?>
+<p:sld xmlns:a="http://schemas.openxmlformats.org/drawingml/2006/main" xmlns:r="http://schemas.openxmlformats.org/officeDocument/2006/relationships" xmlns:p="http://schemas.openxmlformats.org/presentationml/2006/main">
+  <p:cSld>
+    <p:spTree>
+      <p:nvGrpSpPr>
+        <p:cNvPr id="1" name=""/>
+        <p:cNvGrpSpPr/>
+        <p:nvPr/>
+      </p:nvGrpSpPr>
+      <p:grpSpPr>
+        <a:xfrm>
+          <a:off x="0" y="0"/>
+          <a:ext cx="0" cy="0"/>
+          <a:chOff x="0" y="0"/>
+          <a:chExt cx="0" cy="0"/>
+        </a:xfrm>
+      </p:grpSpPr>
+      <p:sp>
+        <p:nvSpPr>
+          <p:cNvPr id="2" name="Tytuł 1">
+            <a:extLst>
+              <a:ext uri="{FF2B5EF4-FFF2-40B4-BE49-F238E27FC236}">
+                <a16:creationId xmlns:a16="http://schemas.microsoft.com/office/drawing/2014/main" id="{19BDC5D0-7894-4591-A7AF-7823DD98B9CF}"/>
+              </a:ext>
+            </a:extLst>
+          </p:cNvPr>
+          <p:cNvSpPr>
+            <a:spLocks noGrp="1"/>
+          </p:cNvSpPr>
+          <p:nvPr>
+            <p:ph type="title"/>
+          </p:nvPr>
+        </p:nvSpPr>
+        <p:spPr/>
+        <p:txBody>
+          <a:bodyPr/>
+          <a:lstStyle/>
+          <a:p>
+            <a:r>
+              <a:rPr lang="pl-PL" dirty="0"/>
+              <a:t>Git</a:t>
+            </a:r>
+          </a:p>
+        </p:txBody>
+      </p:sp>
+      <p:sp>
+        <p:nvSpPr>
+          <p:cNvPr id="4" name="Symbol zastępczy numeru slajdu 3">
+            <a:extLst>
+              <a:ext uri="{FF2B5EF4-FFF2-40B4-BE49-F238E27FC236}">
+                <a16:creationId xmlns:a16="http://schemas.microsoft.com/office/drawing/2014/main" id="{0EA9B727-9AAC-45CF-95F5-A1CD88AECB41}"/>
+              </a:ext>
+            </a:extLst>
+          </p:cNvPr>
+          <p:cNvSpPr>
+            <a:spLocks noGrp="1"/>
+          </p:cNvSpPr>
+          <p:nvPr>
+            <p:ph type="sldNum" sz="quarter" idx="12"/>
+          </p:nvPr>
+        </p:nvSpPr>
+        <p:spPr/>
+        <p:txBody>
+          <a:bodyPr/>
+          <a:lstStyle/>
+          <a:p>
+            <a:fld id="{4FAB73BC-B049-4115-A692-8D63A059BFB8}" type="slidenum">
+              <a:rPr lang="en-US" smtClean="0"/>
+              <a:t>11</a:t>
+            </a:fld>
+            <a:endParaRPr lang="en-US" dirty="0"/>
+          </a:p>
+        </p:txBody>
+      </p:sp>
+    </p:spTree>
+    <p:extLst>
+      <p:ext uri="{BB962C8B-B14F-4D97-AF65-F5344CB8AC3E}">
+        <p14:creationId xmlns:p14="http://schemas.microsoft.com/office/powerpoint/2010/main" val="765608719"/>
+      </p:ext>
+    </p:extLst>
+  </p:cSld>
+  <p:clrMapOvr>
+    <a:masterClrMapping/>
+  </p:clrMapOvr>
+</p:sld>
+</file>
+
+<file path=ppt/slides/slide12.xml><?xml version="1.0" encoding="utf-8"?>
+<p:sld xmlns:a="http://schemas.openxmlformats.org/drawingml/2006/main" xmlns:r="http://schemas.openxmlformats.org/officeDocument/2006/relationships" xmlns:p="http://schemas.openxmlformats.org/presentationml/2006/main">
+  <p:cSld>
+    <p:spTree>
+      <p:nvGrpSpPr>
+        <p:cNvPr id="1" name=""/>
+        <p:cNvGrpSpPr/>
+        <p:nvPr/>
+      </p:nvGrpSpPr>
+      <p:grpSpPr>
+        <a:xfrm>
+          <a:off x="0" y="0"/>
+          <a:ext cx="0" cy="0"/>
+          <a:chOff x="0" y="0"/>
+          <a:chExt cx="0" cy="0"/>
+        </a:xfrm>
+      </p:grpSpPr>
+      <p:sp>
+        <p:nvSpPr>
+          <p:cNvPr id="2" name="Tytuł 1">
+            <a:extLst>
+              <a:ext uri="{FF2B5EF4-FFF2-40B4-BE49-F238E27FC236}">
+                <a16:creationId xmlns:a16="http://schemas.microsoft.com/office/drawing/2014/main" id="{75EB70B9-3D52-43E7-A4A0-CE771029B903}"/>
+              </a:ext>
+            </a:extLst>
+          </p:cNvPr>
+          <p:cNvSpPr>
+            <a:spLocks noGrp="1"/>
+          </p:cNvSpPr>
+          <p:nvPr>
+            <p:ph type="title"/>
+          </p:nvPr>
+        </p:nvSpPr>
+        <p:spPr/>
+        <p:txBody>
+          <a:bodyPr/>
+          <a:lstStyle/>
+          <a:p>
+            <a:r>
+              <a:rPr lang="pl-PL" dirty="0"/>
+              <a:t>Warsztat#1</a:t>
+            </a:r>
+          </a:p>
+        </p:txBody>
+      </p:sp>
+      <p:sp>
+        <p:nvSpPr>
+          <p:cNvPr id="3" name="Symbol zastępczy zawartości 2">
+            <a:extLst>
+              <a:ext uri="{FF2B5EF4-FFF2-40B4-BE49-F238E27FC236}">
+                <a16:creationId xmlns:a16="http://schemas.microsoft.com/office/drawing/2014/main" id="{4B64FDFF-2266-4849-A96C-0BA0F608FD31}"/>
+              </a:ext>
+            </a:extLst>
+          </p:cNvPr>
+          <p:cNvSpPr>
+            <a:spLocks noGrp="1"/>
+          </p:cNvSpPr>
+          <p:nvPr>
+            <p:ph idx="1"/>
+          </p:nvPr>
+        </p:nvSpPr>
+        <p:spPr/>
+        <p:txBody>
+          <a:bodyPr/>
+          <a:lstStyle/>
+          <a:p>
+            <a:pPr marL="457200" indent="-457200">
+              <a:buFont typeface="+mj-lt"/>
+              <a:buAutoNum type="arabicPeriod"/>
+            </a:pPr>
+            <a:r>
+              <a:rPr lang="pl-PL" dirty="0"/>
+              <a:t>Założyć konto na GitHub</a:t>
+            </a:r>
+          </a:p>
+          <a:p>
+            <a:pPr marL="457200" indent="-457200">
+              <a:buFont typeface="+mj-lt"/>
+              <a:buAutoNum type="arabicPeriod"/>
+            </a:pPr>
+            <a:r>
+              <a:rPr lang="pl-PL" dirty="0"/>
+              <a:t>Założyć repozytorium, dodać README, .</a:t>
+            </a:r>
+            <a:r>
+              <a:rPr lang="pl-PL" dirty="0" err="1"/>
+              <a:t>gitignore</a:t>
+            </a:r>
+            <a:r>
+              <a:rPr lang="pl-PL" dirty="0"/>
+              <a:t>, </a:t>
+            </a:r>
+            <a:r>
+              <a:rPr lang="pl-PL" dirty="0" err="1"/>
+              <a:t>license</a:t>
+            </a:r>
+            <a:endParaRPr lang="pl-PL" dirty="0"/>
+          </a:p>
+          <a:p>
+            <a:pPr marL="457200" indent="-457200">
+              <a:buFont typeface="+mj-lt"/>
+              <a:buAutoNum type="arabicPeriod"/>
+            </a:pPr>
+            <a:r>
+              <a:rPr lang="pl-PL" dirty="0"/>
+              <a:t>Sklonować repozytorium (np. Visual Studio, GH Desktop)</a:t>
+            </a:r>
+          </a:p>
+          <a:p>
+            <a:pPr marL="457200" indent="-457200">
+              <a:buFont typeface="+mj-lt"/>
+              <a:buAutoNum type="arabicPeriod"/>
+            </a:pPr>
+            <a:r>
+              <a:rPr lang="pl-PL" dirty="0"/>
+              <a:t>Dodać nowy projekt VS (dowolny)</a:t>
+            </a:r>
+          </a:p>
+          <a:p>
+            <a:pPr marL="457200" indent="-457200">
+              <a:buFont typeface="+mj-lt"/>
+              <a:buAutoNum type="arabicPeriod"/>
+            </a:pPr>
+            <a:r>
+              <a:rPr lang="pl-PL" dirty="0" err="1"/>
+              <a:t>Commit</a:t>
+            </a:r>
+            <a:r>
+              <a:rPr lang="pl-PL" dirty="0"/>
+              <a:t>, </a:t>
+            </a:r>
+            <a:r>
+              <a:rPr lang="pl-PL" dirty="0" err="1"/>
+              <a:t>Push</a:t>
+            </a:r>
+            <a:endParaRPr lang="pl-PL" dirty="0"/>
+          </a:p>
+          <a:p>
+            <a:pPr marL="457200" indent="-457200">
+              <a:buFont typeface="+mj-lt"/>
+              <a:buAutoNum type="arabicPeriod"/>
+            </a:pPr>
+            <a:r>
+              <a:rPr lang="pl-PL" dirty="0"/>
+              <a:t>Wprowadzić zmiany do projektu</a:t>
+            </a:r>
+          </a:p>
+          <a:p>
+            <a:pPr marL="457200" indent="-457200">
+              <a:buFont typeface="+mj-lt"/>
+              <a:buAutoNum type="arabicPeriod"/>
+            </a:pPr>
+            <a:r>
+              <a:rPr lang="pl-PL" dirty="0" err="1"/>
+              <a:t>Commit</a:t>
+            </a:r>
+            <a:r>
+              <a:rPr lang="pl-PL" dirty="0"/>
+              <a:t>, </a:t>
+            </a:r>
+            <a:r>
+              <a:rPr lang="pl-PL" dirty="0" err="1"/>
+              <a:t>Push</a:t>
+            </a:r>
+            <a:endParaRPr lang="pl-PL" dirty="0"/>
+          </a:p>
+        </p:txBody>
+      </p:sp>
+      <p:sp>
+        <p:nvSpPr>
+          <p:cNvPr id="5" name="Symbol zastępczy numeru slajdu 4">
+            <a:extLst>
+              <a:ext uri="{FF2B5EF4-FFF2-40B4-BE49-F238E27FC236}">
+                <a16:creationId xmlns:a16="http://schemas.microsoft.com/office/drawing/2014/main" id="{4B9C8900-980C-468E-849C-10AEF64CA5E0}"/>
+              </a:ext>
+            </a:extLst>
+          </p:cNvPr>
+          <p:cNvSpPr>
+            <a:spLocks noGrp="1"/>
+          </p:cNvSpPr>
+          <p:nvPr>
+            <p:ph type="sldNum" sz="quarter" idx="12"/>
+          </p:nvPr>
+        </p:nvSpPr>
+        <p:spPr/>
+        <p:txBody>
+          <a:bodyPr/>
+          <a:lstStyle/>
+          <a:p>
+            <a:fld id="{4FAB73BC-B049-4115-A692-8D63A059BFB8}" type="slidenum">
+              <a:rPr lang="en-US" smtClean="0"/>
+              <a:t>12</a:t>
+            </a:fld>
+            <a:endParaRPr lang="en-US" dirty="0"/>
+          </a:p>
+        </p:txBody>
+      </p:sp>
+    </p:spTree>
+    <p:extLst>
+      <p:ext uri="{BB962C8B-B14F-4D97-AF65-F5344CB8AC3E}">
+        <p14:creationId xmlns:p14="http://schemas.microsoft.com/office/powerpoint/2010/main" val="168734502"/>
+      </p:ext>
+    </p:extLst>
+  </p:cSld>
+  <p:clrMapOvr>
+    <a:masterClrMapping/>
+  </p:clrMapOvr>
+</p:sld>
+</file>
+
+<file path=ppt/slides/slide13.xml><?xml version="1.0" encoding="utf-8"?>
+<p:sld xmlns:a="http://schemas.openxmlformats.org/drawingml/2006/main" xmlns:r="http://schemas.openxmlformats.org/officeDocument/2006/relationships" xmlns:p="http://schemas.openxmlformats.org/presentationml/2006/main">
+  <p:cSld>
+    <p:spTree>
+      <p:nvGrpSpPr>
+        <p:cNvPr id="1" name=""/>
+        <p:cNvGrpSpPr/>
+        <p:nvPr/>
+      </p:nvGrpSpPr>
+      <p:grpSpPr>
+        <a:xfrm>
+          <a:off x="0" y="0"/>
+          <a:ext cx="0" cy="0"/>
+          <a:chOff x="0" y="0"/>
+          <a:chExt cx="0" cy="0"/>
+        </a:xfrm>
+      </p:grpSpPr>
+      <p:sp>
+        <p:nvSpPr>
+          <p:cNvPr id="5" name="Slide Number Placeholder 4"/>
+          <p:cNvSpPr>
+            <a:spLocks noGrp="1"/>
+          </p:cNvSpPr>
+          <p:nvPr>
+            <p:ph type="sldNum" sz="quarter" idx="12"/>
+          </p:nvPr>
+        </p:nvSpPr>
+        <p:spPr/>
+        <p:txBody>
+          <a:bodyPr/>
+          <a:lstStyle/>
+          <a:p>
+            <a:fld id="{4FAB73BC-B049-4115-A692-8D63A059BFB8}" type="slidenum">
+              <a:rPr lang="en-US" smtClean="0"/>
+              <a:t>13</a:t>
+            </a:fld>
+            <a:endParaRPr lang="en-US" dirty="0"/>
+          </a:p>
+        </p:txBody>
+      </p:sp>
+      <p:pic>
+        <p:nvPicPr>
+          <p:cNvPr id="6" name="Content Placeholder 5"/>
+          <p:cNvPicPr>
+            <a:picLocks noGrp="1" noChangeAspect="1"/>
+          </p:cNvPicPr>
+          <p:nvPr>
+            <p:ph idx="4294967295"/>
+          </p:nvPr>
+        </p:nvPicPr>
+        <p:blipFill>
+          <a:blip r:embed="rId2"/>
+          <a:stretch>
+            <a:fillRect/>
+          </a:stretch>
+        </p:blipFill>
+        <p:spPr>
+          <a:xfrm>
+            <a:off x="761485" y="0"/>
+            <a:ext cx="10669029" cy="6858000"/>
+          </a:xfrm>
+          <a:prstGeom prst="rect">
+            <a:avLst/>
+          </a:prstGeom>
+          <a:ln>
+            <a:noFill/>
+          </a:ln>
+          <a:effectLst>
+            <a:outerShdw blurRad="292100" dist="139700" dir="2700000" algn="tl" rotWithShape="0">
+              <a:srgbClr val="333333">
+                <a:alpha val="65000"/>
+              </a:srgbClr>
+            </a:outerShdw>
+          </a:effectLst>
+        </p:spPr>
+      </p:pic>
+    </p:spTree>
+    <p:extLst>
+      <p:ext uri="{BB962C8B-B14F-4D97-AF65-F5344CB8AC3E}">
+        <p14:creationId xmlns:p14="http://schemas.microsoft.com/office/powerpoint/2010/main" val="1444132011"/>
+      </p:ext>
+    </p:extLst>
+  </p:cSld>
+  <p:clrMapOvr>
+    <a:masterClrMapping/>
+  </p:clrMapOvr>
+</p:sld>
+</file>
+
+<file path=ppt/slides/slide14.xml><?xml version="1.0" encoding="utf-8"?>
+<p:sld xmlns:a="http://schemas.openxmlformats.org/drawingml/2006/main" xmlns:r="http://schemas.openxmlformats.org/officeDocument/2006/relationships" xmlns:p="http://schemas.openxmlformats.org/presentationml/2006/main">
+  <p:cSld>
+    <p:spTree>
+      <p:nvGrpSpPr>
+        <p:cNvPr id="1" name=""/>
+        <p:cNvGrpSpPr/>
+        <p:nvPr/>
+      </p:nvGrpSpPr>
+      <p:grpSpPr>
+        <a:xfrm>
+          <a:off x="0" y="0"/>
+          <a:ext cx="0" cy="0"/>
+          <a:chOff x="0" y="0"/>
+          <a:chExt cx="0" cy="0"/>
+        </a:xfrm>
+      </p:grpSpPr>
+      <p:sp>
+        <p:nvSpPr>
+          <p:cNvPr id="5" name="Slide Number Placeholder 4"/>
+          <p:cNvSpPr>
+            <a:spLocks noGrp="1"/>
+          </p:cNvSpPr>
+          <p:nvPr>
+            <p:ph type="sldNum" sz="quarter" idx="12"/>
+          </p:nvPr>
+        </p:nvSpPr>
+        <p:spPr/>
+        <p:txBody>
+          <a:bodyPr/>
+          <a:lstStyle/>
+          <a:p>
+            <a:fld id="{4FAB73BC-B049-4115-A692-8D63A059BFB8}" type="slidenum">
+              <a:rPr lang="en-US" smtClean="0"/>
+              <a:t>14</a:t>
+            </a:fld>
+            <a:endParaRPr lang="en-US" dirty="0"/>
+          </a:p>
+        </p:txBody>
+      </p:sp>
+      <p:pic>
+        <p:nvPicPr>
+          <p:cNvPr id="10" name="Content Placeholder 6"/>
+          <p:cNvPicPr>
+            <a:picLocks noGrp="1" noChangeAspect="1"/>
+          </p:cNvPicPr>
+          <p:nvPr>
+            <p:ph idx="4294967295"/>
+          </p:nvPr>
+        </p:nvPicPr>
+        <p:blipFill>
+          <a:blip r:embed="rId2"/>
+          <a:stretch>
+            <a:fillRect/>
+          </a:stretch>
+        </p:blipFill>
+        <p:spPr>
+          <a:xfrm>
+            <a:off x="1582723" y="4249"/>
+            <a:ext cx="9144000" cy="6853751"/>
+          </a:xfrm>
+          <a:prstGeom prst="rect">
+            <a:avLst/>
+          </a:prstGeom>
+          <a:ln>
+            <a:noFill/>
+          </a:ln>
+          <a:effectLst>
+            <a:outerShdw blurRad="292100" dist="139700" dir="2700000" algn="tl" rotWithShape="0">
+              <a:srgbClr val="333333">
+                <a:alpha val="65000"/>
+              </a:srgbClr>
+            </a:outerShdw>
+          </a:effectLst>
+        </p:spPr>
+      </p:pic>
+    </p:spTree>
+    <p:extLst>
+      <p:ext uri="{BB962C8B-B14F-4D97-AF65-F5344CB8AC3E}">
+        <p14:creationId xmlns:p14="http://schemas.microsoft.com/office/powerpoint/2010/main" val="3301251533"/>
+      </p:ext>
+    </p:extLst>
+  </p:cSld>
+  <p:clrMapOvr>
+    <a:masterClrMapping/>
+  </p:clrMapOvr>
+</p:sld>
+</file>
+
+<file path=ppt/slides/slide15.xml><?xml version="1.0" encoding="utf-8"?>
+<p:sld xmlns:a="http://schemas.openxmlformats.org/drawingml/2006/main" xmlns:r="http://schemas.openxmlformats.org/officeDocument/2006/relationships" xmlns:p="http://schemas.openxmlformats.org/presentationml/2006/main">
+  <p:cSld>
+    <p:spTree>
+      <p:nvGrpSpPr>
+        <p:cNvPr id="1" name=""/>
+        <p:cNvGrpSpPr/>
+        <p:nvPr/>
+      </p:nvGrpSpPr>
+      <p:grpSpPr>
+        <a:xfrm>
+          <a:off x="0" y="0"/>
+          <a:ext cx="0" cy="0"/>
+          <a:chOff x="0" y="0"/>
+          <a:chExt cx="0" cy="0"/>
+        </a:xfrm>
+      </p:grpSpPr>
+      <p:sp>
+        <p:nvSpPr>
+          <p:cNvPr id="5" name="Slide Number Placeholder 4"/>
+          <p:cNvSpPr>
+            <a:spLocks noGrp="1"/>
+          </p:cNvSpPr>
+          <p:nvPr>
+            <p:ph type="sldNum" sz="quarter" idx="12"/>
+          </p:nvPr>
+        </p:nvSpPr>
+        <p:spPr/>
+        <p:txBody>
+          <a:bodyPr/>
+          <a:lstStyle/>
+          <a:p>
+            <a:fld id="{4FAB73BC-B049-4115-A692-8D63A059BFB8}" type="slidenum">
+              <a:rPr lang="en-US" smtClean="0"/>
+              <a:t>15</a:t>
+            </a:fld>
+            <a:endParaRPr lang="en-US" dirty="0"/>
+          </a:p>
+        </p:txBody>
+      </p:sp>
+      <p:pic>
+        <p:nvPicPr>
+          <p:cNvPr id="6" name="Content Placeholder 5"/>
+          <p:cNvPicPr>
+            <a:picLocks noGrp="1" noChangeAspect="1"/>
+          </p:cNvPicPr>
+          <p:nvPr>
+            <p:ph idx="4294967295"/>
+          </p:nvPr>
+        </p:nvPicPr>
+        <p:blipFill>
+          <a:blip r:embed="rId2"/>
+          <a:stretch>
+            <a:fillRect/>
+          </a:stretch>
+        </p:blipFill>
+        <p:spPr>
+          <a:xfrm>
+            <a:off x="1251358" y="3257"/>
+            <a:ext cx="9689284" cy="6854743"/>
+          </a:xfrm>
+          <a:prstGeom prst="rect">
+            <a:avLst/>
+          </a:prstGeom>
+          <a:ln>
+            <a:noFill/>
+          </a:ln>
+          <a:effectLst>
+            <a:outerShdw blurRad="292100" dist="139700" dir="2700000" algn="tl" rotWithShape="0">
+              <a:srgbClr val="333333">
+                <a:alpha val="65000"/>
+              </a:srgbClr>
+            </a:outerShdw>
+          </a:effectLst>
+        </p:spPr>
+      </p:pic>
+    </p:spTree>
+    <p:extLst>
+      <p:ext uri="{BB962C8B-B14F-4D97-AF65-F5344CB8AC3E}">
+        <p14:creationId xmlns:p14="http://schemas.microsoft.com/office/powerpoint/2010/main" val="549091428"/>
+      </p:ext>
+    </p:extLst>
+  </p:cSld>
+  <p:clrMapOvr>
+    <a:masterClrMapping/>
+  </p:clrMapOvr>
+</p:sld>
+</file>
+
+<file path=ppt/slides/slide16.xml><?xml version="1.0" encoding="utf-8"?>
+<p:sld xmlns:a="http://schemas.openxmlformats.org/drawingml/2006/main" xmlns:r="http://schemas.openxmlformats.org/officeDocument/2006/relationships" xmlns:p="http://schemas.openxmlformats.org/presentationml/2006/main">
+  <p:cSld>
+    <p:spTree>
+      <p:nvGrpSpPr>
+        <p:cNvPr id="1" name=""/>
+        <p:cNvGrpSpPr/>
+        <p:nvPr/>
+      </p:nvGrpSpPr>
+      <p:grpSpPr>
+        <a:xfrm>
+          <a:off x="0" y="0"/>
+          <a:ext cx="0" cy="0"/>
+          <a:chOff x="0" y="0"/>
+          <a:chExt cx="0" cy="0"/>
+        </a:xfrm>
+      </p:grpSpPr>
+      <p:sp>
+        <p:nvSpPr>
+          <p:cNvPr id="5" name="Slide Number Placeholder 4"/>
+          <p:cNvSpPr>
+            <a:spLocks noGrp="1"/>
+          </p:cNvSpPr>
+          <p:nvPr>
+            <p:ph type="sldNum" sz="quarter" idx="12"/>
+          </p:nvPr>
+        </p:nvSpPr>
+        <p:spPr/>
+        <p:txBody>
+          <a:bodyPr/>
+          <a:lstStyle/>
+          <a:p>
+            <a:fld id="{4FAB73BC-B049-4115-A692-8D63A059BFB8}" type="slidenum">
+              <a:rPr lang="en-US" smtClean="0"/>
+              <a:t>16</a:t>
+            </a:fld>
+            <a:endParaRPr lang="en-US" dirty="0"/>
+          </a:p>
+        </p:txBody>
+      </p:sp>
+      <p:pic>
+        <p:nvPicPr>
+          <p:cNvPr id="7" name="Content Placeholder 6"/>
+          <p:cNvPicPr>
+            <a:picLocks noGrp="1" noChangeAspect="1"/>
+          </p:cNvPicPr>
+          <p:nvPr>
+            <p:ph idx="4294967295"/>
+          </p:nvPr>
+        </p:nvPicPr>
+        <p:blipFill>
+          <a:blip r:embed="rId2"/>
+          <a:stretch>
+            <a:fillRect/>
+          </a:stretch>
+        </p:blipFill>
+        <p:spPr>
+          <a:xfrm>
+            <a:off x="1809225" y="1711"/>
+            <a:ext cx="8573549" cy="6856289"/>
+          </a:xfrm>
+          <a:prstGeom prst="rect">
+            <a:avLst/>
+          </a:prstGeom>
+        </p:spPr>
+      </p:pic>
+    </p:spTree>
+    <p:extLst>
+      <p:ext uri="{BB962C8B-B14F-4D97-AF65-F5344CB8AC3E}">
+        <p14:creationId xmlns:p14="http://schemas.microsoft.com/office/powerpoint/2010/main" val="3087334208"/>
+      </p:ext>
+    </p:extLst>
+  </p:cSld>
+  <p:clrMapOvr>
+    <a:masterClrMapping/>
+  </p:clrMapOvr>
+</p:sld>
+</file>
+
+<file path=ppt/slides/slide17.xml><?xml version="1.0" encoding="utf-8"?>
+<p:sld xmlns:a="http://schemas.openxmlformats.org/drawingml/2006/main" xmlns:r="http://schemas.openxmlformats.org/officeDocument/2006/relationships" xmlns:p="http://schemas.openxmlformats.org/presentationml/2006/main">
+  <p:cSld>
+    <p:spTree>
+      <p:nvGrpSpPr>
+        <p:cNvPr id="1" name=""/>
+        <p:cNvGrpSpPr/>
+        <p:nvPr/>
+      </p:nvGrpSpPr>
+      <p:grpSpPr>
+        <a:xfrm>
+          <a:off x="0" y="0"/>
+          <a:ext cx="0" cy="0"/>
+          <a:chOff x="0" y="0"/>
+          <a:chExt cx="0" cy="0"/>
+        </a:xfrm>
+      </p:grpSpPr>
+      <p:sp>
+        <p:nvSpPr>
+          <p:cNvPr id="5" name="Slide Number Placeholder 4"/>
+          <p:cNvSpPr>
+            <a:spLocks noGrp="1"/>
+          </p:cNvSpPr>
+          <p:nvPr>
+            <p:ph type="sldNum" sz="quarter" idx="12"/>
+          </p:nvPr>
+        </p:nvSpPr>
+        <p:spPr/>
+        <p:txBody>
+          <a:bodyPr/>
+          <a:lstStyle/>
+          <a:p>
+            <a:fld id="{4FAB73BC-B049-4115-A692-8D63A059BFB8}" type="slidenum">
+              <a:rPr lang="en-US" smtClean="0"/>
+              <a:t>17</a:t>
+            </a:fld>
+            <a:endParaRPr lang="en-US" dirty="0"/>
+          </a:p>
+        </p:txBody>
+      </p:sp>
+      <p:pic>
+        <p:nvPicPr>
+          <p:cNvPr id="6" name="Content Placeholder 5"/>
+          <p:cNvPicPr>
+            <a:picLocks noGrp="1" noChangeAspect="1"/>
+          </p:cNvPicPr>
+          <p:nvPr>
+            <p:ph idx="4294967295"/>
+          </p:nvPr>
+        </p:nvPicPr>
+        <p:blipFill>
+          <a:blip r:embed="rId2"/>
+          <a:stretch>
+            <a:fillRect/>
+          </a:stretch>
+        </p:blipFill>
+        <p:spPr>
+          <a:xfrm>
+            <a:off x="1788952" y="602499"/>
+            <a:ext cx="8614096" cy="5653001"/>
+          </a:xfrm>
+          <a:prstGeom prst="rect">
+            <a:avLst/>
+          </a:prstGeom>
+          <a:ln>
+            <a:noFill/>
+          </a:ln>
+          <a:effectLst>
+            <a:outerShdw blurRad="292100" dist="139700" dir="2700000" algn="tl" rotWithShape="0">
+              <a:srgbClr val="333333">
+                <a:alpha val="65000"/>
+              </a:srgbClr>
+            </a:outerShdw>
+          </a:effectLst>
+        </p:spPr>
+      </p:pic>
+    </p:spTree>
+    <p:extLst>
+      <p:ext uri="{BB962C8B-B14F-4D97-AF65-F5344CB8AC3E}">
+        <p14:creationId xmlns:p14="http://schemas.microsoft.com/office/powerpoint/2010/main" val="2386199237"/>
+      </p:ext>
+    </p:extLst>
+  </p:cSld>
+  <p:clrMapOvr>
+    <a:masterClrMapping/>
+  </p:clrMapOvr>
+</p:sld>
+</file>
+
+<file path=ppt/slides/slide18.xml><?xml version="1.0" encoding="utf-8"?>
+<p:sld xmlns:a="http://schemas.openxmlformats.org/drawingml/2006/main" xmlns:r="http://schemas.openxmlformats.org/officeDocument/2006/relationships" xmlns:p="http://schemas.openxmlformats.org/presentationml/2006/main">
+  <p:cSld>
+    <p:spTree>
+      <p:nvGrpSpPr>
+        <p:cNvPr id="1" name=""/>
+        <p:cNvGrpSpPr/>
+        <p:nvPr/>
+      </p:nvGrpSpPr>
+      <p:grpSpPr>
+        <a:xfrm>
+          <a:off x="0" y="0"/>
+          <a:ext cx="0" cy="0"/>
+          <a:chOff x="0" y="0"/>
+          <a:chExt cx="0" cy="0"/>
+        </a:xfrm>
+      </p:grpSpPr>
+      <p:sp>
+        <p:nvSpPr>
+          <p:cNvPr id="5" name="Slide Number Placeholder 4"/>
+          <p:cNvSpPr>
+            <a:spLocks noGrp="1"/>
+          </p:cNvSpPr>
+          <p:nvPr>
+            <p:ph type="sldNum" sz="quarter" idx="12"/>
+          </p:nvPr>
+        </p:nvSpPr>
+        <p:spPr/>
+        <p:txBody>
+          <a:bodyPr/>
+          <a:lstStyle/>
+          <a:p>
+            <a:fld id="{4FAB73BC-B049-4115-A692-8D63A059BFB8}" type="slidenum">
+              <a:rPr lang="en-US" smtClean="0"/>
+              <a:t>18</a:t>
+            </a:fld>
+            <a:endParaRPr lang="en-US" dirty="0"/>
+          </a:p>
+        </p:txBody>
+      </p:sp>
+      <p:pic>
+        <p:nvPicPr>
+          <p:cNvPr id="6" name="Content Placeholder 5"/>
+          <p:cNvPicPr>
+            <a:picLocks noGrp="1" noChangeAspect="1"/>
+          </p:cNvPicPr>
+          <p:nvPr>
+            <p:ph idx="4294967295"/>
+          </p:nvPr>
+        </p:nvPicPr>
+        <p:blipFill>
+          <a:blip r:embed="rId2"/>
+          <a:stretch>
+            <a:fillRect/>
+          </a:stretch>
+        </p:blipFill>
+        <p:spPr>
+          <a:xfrm>
+            <a:off x="2078372" y="870901"/>
+            <a:ext cx="8035255" cy="5116198"/>
+          </a:xfrm>
+          <a:prstGeom prst="rect">
+            <a:avLst/>
+          </a:prstGeom>
+          <a:ln>
+            <a:noFill/>
+          </a:ln>
+          <a:effectLst>
+            <a:outerShdw blurRad="292100" dist="139700" dir="2700000" algn="tl" rotWithShape="0">
+              <a:srgbClr val="333333">
+                <a:alpha val="65000"/>
+              </a:srgbClr>
+            </a:outerShdw>
+          </a:effectLst>
+        </p:spPr>
+      </p:pic>
+    </p:spTree>
+    <p:extLst>
+      <p:ext uri="{BB962C8B-B14F-4D97-AF65-F5344CB8AC3E}">
+        <p14:creationId xmlns:p14="http://schemas.microsoft.com/office/powerpoint/2010/main" val="2068254638"/>
+      </p:ext>
+    </p:extLst>
+  </p:cSld>
+  <p:clrMapOvr>
+    <a:masterClrMapping/>
+  </p:clrMapOvr>
+</p:sld>
+</file>
+
+<file path=ppt/slides/slide19.xml><?xml version="1.0" encoding="utf-8"?>
+<p:sld xmlns:a="http://schemas.openxmlformats.org/drawingml/2006/main" xmlns:r="http://schemas.openxmlformats.org/officeDocument/2006/relationships" xmlns:p="http://schemas.openxmlformats.org/presentationml/2006/main">
+  <p:cSld>
+    <p:spTree>
+      <p:nvGrpSpPr>
+        <p:cNvPr id="1" name=""/>
+        <p:cNvGrpSpPr/>
+        <p:nvPr/>
+      </p:nvGrpSpPr>
+      <p:grpSpPr>
+        <a:xfrm>
+          <a:off x="0" y="0"/>
+          <a:ext cx="0" cy="0"/>
+          <a:chOff x="0" y="0"/>
+          <a:chExt cx="0" cy="0"/>
+        </a:xfrm>
+      </p:grpSpPr>
+      <p:sp>
+        <p:nvSpPr>
+          <p:cNvPr id="5" name="Slide Number Placeholder 4"/>
+          <p:cNvSpPr>
+            <a:spLocks noGrp="1"/>
+          </p:cNvSpPr>
+          <p:nvPr>
+            <p:ph type="sldNum" sz="quarter" idx="12"/>
+          </p:nvPr>
+        </p:nvSpPr>
+        <p:spPr/>
+        <p:txBody>
+          <a:bodyPr/>
+          <a:lstStyle/>
+          <a:p>
+            <a:fld id="{4FAB73BC-B049-4115-A692-8D63A059BFB8}" type="slidenum">
+              <a:rPr lang="en-US" smtClean="0"/>
+              <a:t>19</a:t>
+            </a:fld>
+            <a:endParaRPr lang="en-US" dirty="0"/>
+          </a:p>
+        </p:txBody>
+      </p:sp>
+      <p:pic>
+        <p:nvPicPr>
+          <p:cNvPr id="6" name="Content Placeholder 5"/>
+          <p:cNvPicPr>
+            <a:picLocks noGrp="1" noChangeAspect="1"/>
+          </p:cNvPicPr>
+          <p:nvPr>
+            <p:ph idx="4294967295"/>
+          </p:nvPr>
+        </p:nvPicPr>
+        <p:blipFill>
+          <a:blip r:embed="rId2"/>
+          <a:stretch>
+            <a:fillRect/>
+          </a:stretch>
+        </p:blipFill>
+        <p:spPr>
+          <a:xfrm>
+            <a:off x="1476462" y="427503"/>
+            <a:ext cx="9239075" cy="6002993"/>
+          </a:xfrm>
+          <a:prstGeom prst="rect">
+            <a:avLst/>
+          </a:prstGeom>
+          <a:ln>
+            <a:noFill/>
+          </a:ln>
+          <a:effectLst>
+            <a:outerShdw blurRad="292100" dist="139700" dir="2700000" algn="tl" rotWithShape="0">
+              <a:srgbClr val="333333">
+                <a:alpha val="65000"/>
+              </a:srgbClr>
+            </a:outerShdw>
+          </a:effectLst>
+        </p:spPr>
+      </p:pic>
+    </p:spTree>
+    <p:extLst>
+      <p:ext uri="{BB962C8B-B14F-4D97-AF65-F5344CB8AC3E}">
+        <p14:creationId xmlns:p14="http://schemas.microsoft.com/office/powerpoint/2010/main" val="201463708"/>
+      </p:ext>
+    </p:extLst>
+  </p:cSld>
+  <p:clrMapOvr>
+    <a:masterClrMapping/>
+  </p:clrMapOvr>
 </p:sld>
 </file>
 
@@ -4004,29 +5067,6 @@
       </p:grpSpPr>
       <p:sp>
         <p:nvSpPr>
-          <p:cNvPr id="4" name="Footer Placeholder 3"/>
-          <p:cNvSpPr>
-            <a:spLocks noGrp="1"/>
-          </p:cNvSpPr>
-          <p:nvPr>
-            <p:ph type="ftr" sz="quarter" idx="11"/>
-          </p:nvPr>
-        </p:nvSpPr>
-        <p:spPr/>
-        <p:txBody>
-          <a:bodyPr/>
-          <a:lstStyle/>
-          <a:p>
-            <a:r>
-              <a:rPr lang="en-US" smtClean="0"/>
-              <a:t>GIT</a:t>
-            </a:r>
-            <a:endParaRPr lang="en-US" dirty="0"/>
-          </a:p>
-        </p:txBody>
-      </p:sp>
-      <p:sp>
-        <p:nvSpPr>
           <p:cNvPr id="5" name="Slide Number Placeholder 4"/>
           <p:cNvSpPr>
             <a:spLocks noGrp="1"/>
@@ -4053,7 +5093,7 @@
           <p:cNvPr id="7" name="Picture 2" descr="Obraz moÅ¼e zawieraÄ: 1 osoba, uÅmiecha siÄ">
             <a:extLst>
               <a:ext uri="{FF2B5EF4-FFF2-40B4-BE49-F238E27FC236}">
-                <a16:creationId xmlns:a16="http://schemas.microsoft.com/office/drawing/2014/main" xmlns="" id="{59F475D3-B464-481B-9197-2DBADE7ED80B}"/>
+                <a16:creationId xmlns:a16="http://schemas.microsoft.com/office/drawing/2014/main" id="{59F475D3-B464-481B-9197-2DBADE7ED80B}"/>
               </a:ext>
             </a:extLst>
           </p:cNvPr>
@@ -4125,25 +5165,15 @@
             <a:pPr lvl="1"/>
             <a:r>
               <a:rPr lang="pl-PL" sz="1600" dirty="0"/>
-              <a:t>Senior BI Developer </a:t>
-            </a:r>
-            <a:r>
-              <a:rPr lang="pl-PL" sz="1600" dirty="0" smtClean="0"/>
-              <a:t>@ProDataConsult</a:t>
-            </a:r>
-            <a:endParaRPr lang="pl-PL" sz="1600" dirty="0"/>
+              <a:t>Senior BI Developer @ProDataConsult</a:t>
+            </a:r>
           </a:p>
           <a:p>
             <a:pPr lvl="1"/>
             <a:r>
               <a:rPr lang="pl-PL" sz="1600" dirty="0"/>
-              <a:t>Assistant </a:t>
-            </a:r>
-            <a:r>
-              <a:rPr lang="pl-PL" sz="1600" dirty="0" smtClean="0"/>
-              <a:t>@WSEI</a:t>
-            </a:r>
-            <a:endParaRPr lang="pl-PL" sz="1600" dirty="0"/>
+              <a:t>Assistant @WSEI</a:t>
+            </a:r>
           </a:p>
           <a:p>
             <a:pPr lvl="1"/>
@@ -4152,24 +5182,23 @@
           <a:p>
             <a:pPr lvl="1"/>
             <a:r>
-              <a:rPr lang="pl-PL" sz="1600" dirty="0" smtClean="0"/>
+              <a:rPr lang="pl-PL" sz="1600" dirty="0"/>
               <a:t>tomek.kostyrka@gmail.com</a:t>
             </a:r>
           </a:p>
           <a:p>
             <a:pPr lvl="1"/>
             <a:r>
-              <a:rPr lang="pl-PL" sz="1600" dirty="0" smtClean="0"/>
+              <a:rPr lang="pl-PL" sz="1600" dirty="0"/>
               <a:t>tkostyrka@wsei.edu.pl</a:t>
             </a:r>
           </a:p>
           <a:p>
             <a:pPr lvl="1"/>
             <a:r>
-              <a:rPr lang="pl-PL" sz="1600" dirty="0" smtClean="0"/>
+              <a:rPr lang="pl-PL" sz="1600" dirty="0"/>
               <a:t>github.com/TKostyrkaWSEI</a:t>
             </a:r>
-            <a:endParaRPr lang="pl-PL" sz="1600" dirty="0"/>
           </a:p>
         </p:txBody>
       </p:sp>
@@ -4183,13 +5212,1050 @@
   <p:clrMapOvr>
     <a:masterClrMapping/>
   </p:clrMapOvr>
-  <p:timing>
-    <p:tnLst>
-      <p:par>
-        <p:cTn id="1" dur="indefinite" restart="never" nodeType="tmRoot"/>
-      </p:par>
-    </p:tnLst>
-  </p:timing>
+</p:sld>
+</file>
+
+<file path=ppt/slides/slide20.xml><?xml version="1.0" encoding="utf-8"?>
+<p:sld xmlns:a="http://schemas.openxmlformats.org/drawingml/2006/main" xmlns:r="http://schemas.openxmlformats.org/officeDocument/2006/relationships" xmlns:p="http://schemas.openxmlformats.org/presentationml/2006/main">
+  <p:cSld>
+    <p:spTree>
+      <p:nvGrpSpPr>
+        <p:cNvPr id="1" name=""/>
+        <p:cNvGrpSpPr/>
+        <p:nvPr/>
+      </p:nvGrpSpPr>
+      <p:grpSpPr>
+        <a:xfrm>
+          <a:off x="0" y="0"/>
+          <a:ext cx="0" cy="0"/>
+          <a:chOff x="0" y="0"/>
+          <a:chExt cx="0" cy="0"/>
+        </a:xfrm>
+      </p:grpSpPr>
+      <p:sp>
+        <p:nvSpPr>
+          <p:cNvPr id="2" name="Title 1"/>
+          <p:cNvSpPr>
+            <a:spLocks noGrp="1"/>
+          </p:cNvSpPr>
+          <p:nvPr>
+            <p:ph type="title"/>
+          </p:nvPr>
+        </p:nvSpPr>
+        <p:spPr/>
+        <p:txBody>
+          <a:bodyPr/>
+          <a:lstStyle/>
+          <a:p>
+            <a:r>
+              <a:rPr lang="pl-PL" dirty="0"/>
+              <a:t>Initializing Solution from VisualStudio</a:t>
+            </a:r>
+          </a:p>
+        </p:txBody>
+      </p:sp>
+      <p:sp>
+        <p:nvSpPr>
+          <p:cNvPr id="4" name="Slide Number Placeholder 3"/>
+          <p:cNvSpPr>
+            <a:spLocks noGrp="1"/>
+          </p:cNvSpPr>
+          <p:nvPr>
+            <p:ph type="sldNum" sz="quarter" idx="12"/>
+          </p:nvPr>
+        </p:nvSpPr>
+        <p:spPr/>
+        <p:txBody>
+          <a:bodyPr/>
+          <a:lstStyle/>
+          <a:p>
+            <a:fld id="{4FAB73BC-B049-4115-A692-8D63A059BFB8}" type="slidenum">
+              <a:rPr lang="en-US" smtClean="0"/>
+              <a:t>20</a:t>
+            </a:fld>
+            <a:endParaRPr lang="en-US" dirty="0"/>
+          </a:p>
+        </p:txBody>
+      </p:sp>
+    </p:spTree>
+    <p:extLst>
+      <p:ext uri="{BB962C8B-B14F-4D97-AF65-F5344CB8AC3E}">
+        <p14:creationId xmlns:p14="http://schemas.microsoft.com/office/powerpoint/2010/main" val="3994091486"/>
+      </p:ext>
+    </p:extLst>
+  </p:cSld>
+  <p:clrMapOvr>
+    <a:masterClrMapping/>
+  </p:clrMapOvr>
+</p:sld>
+</file>
+
+<file path=ppt/slides/slide21.xml><?xml version="1.0" encoding="utf-8"?>
+<p:sld xmlns:a="http://schemas.openxmlformats.org/drawingml/2006/main" xmlns:r="http://schemas.openxmlformats.org/officeDocument/2006/relationships" xmlns:p="http://schemas.openxmlformats.org/presentationml/2006/main">
+  <p:cSld>
+    <p:spTree>
+      <p:nvGrpSpPr>
+        <p:cNvPr id="1" name=""/>
+        <p:cNvGrpSpPr/>
+        <p:nvPr/>
+      </p:nvGrpSpPr>
+      <p:grpSpPr>
+        <a:xfrm>
+          <a:off x="0" y="0"/>
+          <a:ext cx="0" cy="0"/>
+          <a:chOff x="0" y="0"/>
+          <a:chExt cx="0" cy="0"/>
+        </a:xfrm>
+      </p:grpSpPr>
+      <p:sp>
+        <p:nvSpPr>
+          <p:cNvPr id="5" name="Slide Number Placeholder 4"/>
+          <p:cNvSpPr>
+            <a:spLocks noGrp="1"/>
+          </p:cNvSpPr>
+          <p:nvPr>
+            <p:ph type="sldNum" sz="quarter" idx="12"/>
+          </p:nvPr>
+        </p:nvSpPr>
+        <p:spPr/>
+        <p:txBody>
+          <a:bodyPr/>
+          <a:lstStyle/>
+          <a:p>
+            <a:fld id="{4FAB73BC-B049-4115-A692-8D63A059BFB8}" type="slidenum">
+              <a:rPr lang="en-US" smtClean="0"/>
+              <a:t>21</a:t>
+            </a:fld>
+            <a:endParaRPr lang="en-US" dirty="0"/>
+          </a:p>
+        </p:txBody>
+      </p:sp>
+      <p:pic>
+        <p:nvPicPr>
+          <p:cNvPr id="7" name="Content Placeholder 6"/>
+          <p:cNvPicPr>
+            <a:picLocks noGrp="1" noChangeAspect="1"/>
+          </p:cNvPicPr>
+          <p:nvPr>
+            <p:ph idx="4294967295"/>
+          </p:nvPr>
+        </p:nvPicPr>
+        <p:blipFill>
+          <a:blip r:embed="rId2"/>
+          <a:stretch>
+            <a:fillRect/>
+          </a:stretch>
+        </p:blipFill>
+        <p:spPr>
+          <a:xfrm>
+            <a:off x="1444112" y="1181799"/>
+            <a:ext cx="9303776" cy="4494402"/>
+          </a:xfrm>
+          <a:prstGeom prst="rect">
+            <a:avLst/>
+          </a:prstGeom>
+          <a:ln>
+            <a:noFill/>
+          </a:ln>
+          <a:effectLst>
+            <a:outerShdw blurRad="292100" dist="139700" dir="2700000" algn="tl" rotWithShape="0">
+              <a:srgbClr val="333333">
+                <a:alpha val="65000"/>
+              </a:srgbClr>
+            </a:outerShdw>
+          </a:effectLst>
+        </p:spPr>
+      </p:pic>
+    </p:spTree>
+    <p:extLst>
+      <p:ext uri="{BB962C8B-B14F-4D97-AF65-F5344CB8AC3E}">
+        <p14:creationId xmlns:p14="http://schemas.microsoft.com/office/powerpoint/2010/main" val="2588647816"/>
+      </p:ext>
+    </p:extLst>
+  </p:cSld>
+  <p:clrMapOvr>
+    <a:masterClrMapping/>
+  </p:clrMapOvr>
+</p:sld>
+</file>
+
+<file path=ppt/slides/slide22.xml><?xml version="1.0" encoding="utf-8"?>
+<p:sld xmlns:a="http://schemas.openxmlformats.org/drawingml/2006/main" xmlns:r="http://schemas.openxmlformats.org/officeDocument/2006/relationships" xmlns:p="http://schemas.openxmlformats.org/presentationml/2006/main">
+  <p:cSld>
+    <p:spTree>
+      <p:nvGrpSpPr>
+        <p:cNvPr id="1" name=""/>
+        <p:cNvGrpSpPr/>
+        <p:nvPr/>
+      </p:nvGrpSpPr>
+      <p:grpSpPr>
+        <a:xfrm>
+          <a:off x="0" y="0"/>
+          <a:ext cx="0" cy="0"/>
+          <a:chOff x="0" y="0"/>
+          <a:chExt cx="0" cy="0"/>
+        </a:xfrm>
+      </p:grpSpPr>
+      <p:sp>
+        <p:nvSpPr>
+          <p:cNvPr id="5" name="Slide Number Placeholder 4"/>
+          <p:cNvSpPr>
+            <a:spLocks noGrp="1"/>
+          </p:cNvSpPr>
+          <p:nvPr>
+            <p:ph type="sldNum" sz="quarter" idx="12"/>
+          </p:nvPr>
+        </p:nvSpPr>
+        <p:spPr/>
+        <p:txBody>
+          <a:bodyPr/>
+          <a:lstStyle/>
+          <a:p>
+            <a:fld id="{4FAB73BC-B049-4115-A692-8D63A059BFB8}" type="slidenum">
+              <a:rPr lang="en-US" smtClean="0"/>
+              <a:t>22</a:t>
+            </a:fld>
+            <a:endParaRPr lang="en-US" dirty="0"/>
+          </a:p>
+        </p:txBody>
+      </p:sp>
+      <p:pic>
+        <p:nvPicPr>
+          <p:cNvPr id="13" name="Content Placeholder 12"/>
+          <p:cNvPicPr>
+            <a:picLocks noGrp="1" noChangeAspect="1"/>
+          </p:cNvPicPr>
+          <p:nvPr>
+            <p:ph idx="4294967295"/>
+          </p:nvPr>
+        </p:nvPicPr>
+        <p:blipFill>
+          <a:blip r:embed="rId2"/>
+          <a:stretch>
+            <a:fillRect/>
+          </a:stretch>
+        </p:blipFill>
+        <p:spPr>
+          <a:xfrm>
+            <a:off x="1736521" y="356986"/>
+            <a:ext cx="8718958" cy="6144027"/>
+          </a:xfrm>
+          <a:prstGeom prst="rect">
+            <a:avLst/>
+          </a:prstGeom>
+          <a:ln>
+            <a:noFill/>
+          </a:ln>
+          <a:effectLst>
+            <a:outerShdw blurRad="292100" dist="139700" dir="2700000" algn="tl" rotWithShape="0">
+              <a:srgbClr val="333333">
+                <a:alpha val="65000"/>
+              </a:srgbClr>
+            </a:outerShdw>
+          </a:effectLst>
+        </p:spPr>
+      </p:pic>
+    </p:spTree>
+    <p:extLst>
+      <p:ext uri="{BB962C8B-B14F-4D97-AF65-F5344CB8AC3E}">
+        <p14:creationId xmlns:p14="http://schemas.microsoft.com/office/powerpoint/2010/main" val="2830389140"/>
+      </p:ext>
+    </p:extLst>
+  </p:cSld>
+  <p:clrMapOvr>
+    <a:masterClrMapping/>
+  </p:clrMapOvr>
+</p:sld>
+</file>
+
+<file path=ppt/slides/slide23.xml><?xml version="1.0" encoding="utf-8"?>
+<p:sld xmlns:a="http://schemas.openxmlformats.org/drawingml/2006/main" xmlns:r="http://schemas.openxmlformats.org/officeDocument/2006/relationships" xmlns:p="http://schemas.openxmlformats.org/presentationml/2006/main">
+  <p:cSld>
+    <p:spTree>
+      <p:nvGrpSpPr>
+        <p:cNvPr id="1" name=""/>
+        <p:cNvGrpSpPr/>
+        <p:nvPr/>
+      </p:nvGrpSpPr>
+      <p:grpSpPr>
+        <a:xfrm>
+          <a:off x="0" y="0"/>
+          <a:ext cx="0" cy="0"/>
+          <a:chOff x="0" y="0"/>
+          <a:chExt cx="0" cy="0"/>
+        </a:xfrm>
+      </p:grpSpPr>
+      <p:sp>
+        <p:nvSpPr>
+          <p:cNvPr id="5" name="Slide Number Placeholder 4"/>
+          <p:cNvSpPr>
+            <a:spLocks noGrp="1"/>
+          </p:cNvSpPr>
+          <p:nvPr>
+            <p:ph type="sldNum" sz="quarter" idx="12"/>
+          </p:nvPr>
+        </p:nvSpPr>
+        <p:spPr/>
+        <p:txBody>
+          <a:bodyPr/>
+          <a:lstStyle/>
+          <a:p>
+            <a:fld id="{4FAB73BC-B049-4115-A692-8D63A059BFB8}" type="slidenum">
+              <a:rPr lang="en-US" smtClean="0"/>
+              <a:t>23</a:t>
+            </a:fld>
+            <a:endParaRPr lang="en-US" dirty="0"/>
+          </a:p>
+        </p:txBody>
+      </p:sp>
+      <p:pic>
+        <p:nvPicPr>
+          <p:cNvPr id="6" name="Content Placeholder 5"/>
+          <p:cNvPicPr>
+            <a:picLocks noGrp="1" noChangeAspect="1"/>
+          </p:cNvPicPr>
+          <p:nvPr>
+            <p:ph idx="4294967295"/>
+          </p:nvPr>
+        </p:nvPicPr>
+        <p:blipFill>
+          <a:blip r:embed="rId2"/>
+          <a:stretch>
+            <a:fillRect/>
+          </a:stretch>
+        </p:blipFill>
+        <p:spPr>
+          <a:xfrm>
+            <a:off x="1175857" y="3113"/>
+            <a:ext cx="9840286" cy="6854887"/>
+          </a:xfrm>
+          <a:prstGeom prst="rect">
+            <a:avLst/>
+          </a:prstGeom>
+        </p:spPr>
+      </p:pic>
+    </p:spTree>
+    <p:extLst>
+      <p:ext uri="{BB962C8B-B14F-4D97-AF65-F5344CB8AC3E}">
+        <p14:creationId xmlns:p14="http://schemas.microsoft.com/office/powerpoint/2010/main" val="4073813311"/>
+      </p:ext>
+    </p:extLst>
+  </p:cSld>
+  <p:clrMapOvr>
+    <a:masterClrMapping/>
+  </p:clrMapOvr>
+</p:sld>
+</file>
+
+<file path=ppt/slides/slide24.xml><?xml version="1.0" encoding="utf-8"?>
+<p:sld xmlns:a="http://schemas.openxmlformats.org/drawingml/2006/main" xmlns:r="http://schemas.openxmlformats.org/officeDocument/2006/relationships" xmlns:p="http://schemas.openxmlformats.org/presentationml/2006/main">
+  <p:cSld>
+    <p:spTree>
+      <p:nvGrpSpPr>
+        <p:cNvPr id="1" name=""/>
+        <p:cNvGrpSpPr/>
+        <p:nvPr/>
+      </p:nvGrpSpPr>
+      <p:grpSpPr>
+        <a:xfrm>
+          <a:off x="0" y="0"/>
+          <a:ext cx="0" cy="0"/>
+          <a:chOff x="0" y="0"/>
+          <a:chExt cx="0" cy="0"/>
+        </a:xfrm>
+      </p:grpSpPr>
+      <p:sp>
+        <p:nvSpPr>
+          <p:cNvPr id="5" name="Slide Number Placeholder 4"/>
+          <p:cNvSpPr>
+            <a:spLocks noGrp="1"/>
+          </p:cNvSpPr>
+          <p:nvPr>
+            <p:ph type="sldNum" sz="quarter" idx="12"/>
+          </p:nvPr>
+        </p:nvSpPr>
+        <p:spPr/>
+        <p:txBody>
+          <a:bodyPr/>
+          <a:lstStyle/>
+          <a:p>
+            <a:fld id="{4FAB73BC-B049-4115-A692-8D63A059BFB8}" type="slidenum">
+              <a:rPr lang="en-US" smtClean="0"/>
+              <a:t>24</a:t>
+            </a:fld>
+            <a:endParaRPr lang="en-US" dirty="0"/>
+          </a:p>
+        </p:txBody>
+      </p:sp>
+      <p:pic>
+        <p:nvPicPr>
+          <p:cNvPr id="6" name="Content Placeholder 5"/>
+          <p:cNvPicPr>
+            <a:picLocks noGrp="1" noChangeAspect="1"/>
+          </p:cNvPicPr>
+          <p:nvPr>
+            <p:ph idx="4294967295"/>
+          </p:nvPr>
+        </p:nvPicPr>
+        <p:blipFill>
+          <a:blip r:embed="rId2"/>
+          <a:stretch>
+            <a:fillRect/>
+          </a:stretch>
+        </p:blipFill>
+        <p:spPr>
+          <a:xfrm>
+            <a:off x="1512069" y="878392"/>
+            <a:ext cx="9167862" cy="5101215"/>
+          </a:xfrm>
+          <a:prstGeom prst="rect">
+            <a:avLst/>
+          </a:prstGeom>
+        </p:spPr>
+      </p:pic>
+    </p:spTree>
+    <p:extLst>
+      <p:ext uri="{BB962C8B-B14F-4D97-AF65-F5344CB8AC3E}">
+        <p14:creationId xmlns:p14="http://schemas.microsoft.com/office/powerpoint/2010/main" val="1933123816"/>
+      </p:ext>
+    </p:extLst>
+  </p:cSld>
+  <p:clrMapOvr>
+    <a:masterClrMapping/>
+  </p:clrMapOvr>
+</p:sld>
+</file>
+
+<file path=ppt/slides/slide25.xml><?xml version="1.0" encoding="utf-8"?>
+<p:sld xmlns:a="http://schemas.openxmlformats.org/drawingml/2006/main" xmlns:r="http://schemas.openxmlformats.org/officeDocument/2006/relationships" xmlns:p="http://schemas.openxmlformats.org/presentationml/2006/main">
+  <p:cSld>
+    <p:spTree>
+      <p:nvGrpSpPr>
+        <p:cNvPr id="1" name=""/>
+        <p:cNvGrpSpPr/>
+        <p:nvPr/>
+      </p:nvGrpSpPr>
+      <p:grpSpPr>
+        <a:xfrm>
+          <a:off x="0" y="0"/>
+          <a:ext cx="0" cy="0"/>
+          <a:chOff x="0" y="0"/>
+          <a:chExt cx="0" cy="0"/>
+        </a:xfrm>
+      </p:grpSpPr>
+      <p:sp>
+        <p:nvSpPr>
+          <p:cNvPr id="5" name="Slide Number Placeholder 4"/>
+          <p:cNvSpPr>
+            <a:spLocks noGrp="1"/>
+          </p:cNvSpPr>
+          <p:nvPr>
+            <p:ph type="sldNum" sz="quarter" idx="12"/>
+          </p:nvPr>
+        </p:nvSpPr>
+        <p:spPr/>
+        <p:txBody>
+          <a:bodyPr/>
+          <a:lstStyle/>
+          <a:p>
+            <a:fld id="{4FAB73BC-B049-4115-A692-8D63A059BFB8}" type="slidenum">
+              <a:rPr lang="en-US" smtClean="0"/>
+              <a:t>25</a:t>
+            </a:fld>
+            <a:endParaRPr lang="en-US" dirty="0"/>
+          </a:p>
+        </p:txBody>
+      </p:sp>
+      <p:pic>
+        <p:nvPicPr>
+          <p:cNvPr id="6" name="Content Placeholder 5"/>
+          <p:cNvPicPr>
+            <a:picLocks noGrp="1" noChangeAspect="1"/>
+          </p:cNvPicPr>
+          <p:nvPr>
+            <p:ph idx="4294967295"/>
+          </p:nvPr>
+        </p:nvPicPr>
+        <p:blipFill>
+          <a:blip r:embed="rId2"/>
+          <a:stretch>
+            <a:fillRect/>
+          </a:stretch>
+        </p:blipFill>
+        <p:spPr>
+          <a:xfrm>
+            <a:off x="1838663" y="989901"/>
+            <a:ext cx="8514673" cy="4878198"/>
+          </a:xfrm>
+          <a:prstGeom prst="rect">
+            <a:avLst/>
+          </a:prstGeom>
+          <a:ln>
+            <a:noFill/>
+          </a:ln>
+          <a:effectLst>
+            <a:outerShdw blurRad="292100" dist="139700" dir="2700000" algn="tl" rotWithShape="0">
+              <a:srgbClr val="333333">
+                <a:alpha val="65000"/>
+              </a:srgbClr>
+            </a:outerShdw>
+          </a:effectLst>
+        </p:spPr>
+      </p:pic>
+    </p:spTree>
+    <p:extLst>
+      <p:ext uri="{BB962C8B-B14F-4D97-AF65-F5344CB8AC3E}">
+        <p14:creationId xmlns:p14="http://schemas.microsoft.com/office/powerpoint/2010/main" val="942624644"/>
+      </p:ext>
+    </p:extLst>
+  </p:cSld>
+  <p:clrMapOvr>
+    <a:masterClrMapping/>
+  </p:clrMapOvr>
+</p:sld>
+</file>
+
+<file path=ppt/slides/slide26.xml><?xml version="1.0" encoding="utf-8"?>
+<p:sld xmlns:a="http://schemas.openxmlformats.org/drawingml/2006/main" xmlns:r="http://schemas.openxmlformats.org/officeDocument/2006/relationships" xmlns:p="http://schemas.openxmlformats.org/presentationml/2006/main">
+  <p:cSld>
+    <p:spTree>
+      <p:nvGrpSpPr>
+        <p:cNvPr id="1" name=""/>
+        <p:cNvGrpSpPr/>
+        <p:nvPr/>
+      </p:nvGrpSpPr>
+      <p:grpSpPr>
+        <a:xfrm>
+          <a:off x="0" y="0"/>
+          <a:ext cx="0" cy="0"/>
+          <a:chOff x="0" y="0"/>
+          <a:chExt cx="0" cy="0"/>
+        </a:xfrm>
+      </p:grpSpPr>
+      <p:sp>
+        <p:nvSpPr>
+          <p:cNvPr id="3" name="Slide Number Placeholder 2"/>
+          <p:cNvSpPr>
+            <a:spLocks noGrp="1"/>
+          </p:cNvSpPr>
+          <p:nvPr>
+            <p:ph type="sldNum" sz="quarter" idx="12"/>
+          </p:nvPr>
+        </p:nvSpPr>
+        <p:spPr/>
+        <p:txBody>
+          <a:bodyPr/>
+          <a:lstStyle/>
+          <a:p>
+            <a:fld id="{4FAB73BC-B049-4115-A692-8D63A059BFB8}" type="slidenum">
+              <a:rPr lang="en-US" smtClean="0"/>
+              <a:t>26</a:t>
+            </a:fld>
+            <a:endParaRPr lang="en-US" dirty="0"/>
+          </a:p>
+        </p:txBody>
+      </p:sp>
+      <p:pic>
+        <p:nvPicPr>
+          <p:cNvPr id="5" name="Picture 4"/>
+          <p:cNvPicPr>
+            <a:picLocks noChangeAspect="1"/>
+          </p:cNvPicPr>
+          <p:nvPr/>
+        </p:nvPicPr>
+        <p:blipFill>
+          <a:blip r:embed="rId2"/>
+          <a:stretch>
+            <a:fillRect/>
+          </a:stretch>
+        </p:blipFill>
+        <p:spPr>
+          <a:xfrm>
+            <a:off x="358989" y="837515"/>
+            <a:ext cx="3648075" cy="5772150"/>
+          </a:xfrm>
+          <a:prstGeom prst="rect">
+            <a:avLst/>
+          </a:prstGeom>
+          <a:ln>
+            <a:noFill/>
+          </a:ln>
+          <a:effectLst>
+            <a:outerShdw blurRad="292100" dist="139700" dir="2700000" algn="tl" rotWithShape="0">
+              <a:srgbClr val="333333">
+                <a:alpha val="65000"/>
+              </a:srgbClr>
+            </a:outerShdw>
+          </a:effectLst>
+        </p:spPr>
+      </p:pic>
+      <p:pic>
+        <p:nvPicPr>
+          <p:cNvPr id="7" name="Picture 6"/>
+          <p:cNvPicPr>
+            <a:picLocks noChangeAspect="1"/>
+          </p:cNvPicPr>
+          <p:nvPr/>
+        </p:nvPicPr>
+        <p:blipFill>
+          <a:blip r:embed="rId3"/>
+          <a:stretch>
+            <a:fillRect/>
+          </a:stretch>
+        </p:blipFill>
+        <p:spPr>
+          <a:xfrm>
+            <a:off x="4134412" y="837515"/>
+            <a:ext cx="3657428" cy="5772150"/>
+          </a:xfrm>
+          <a:prstGeom prst="rect">
+            <a:avLst/>
+          </a:prstGeom>
+          <a:ln>
+            <a:noFill/>
+          </a:ln>
+          <a:effectLst>
+            <a:outerShdw blurRad="292100" dist="139700" dir="2700000" algn="tl" rotWithShape="0">
+              <a:srgbClr val="333333">
+                <a:alpha val="65000"/>
+              </a:srgbClr>
+            </a:outerShdw>
+          </a:effectLst>
+        </p:spPr>
+      </p:pic>
+      <p:pic>
+        <p:nvPicPr>
+          <p:cNvPr id="9" name="Picture 8"/>
+          <p:cNvPicPr>
+            <a:picLocks noChangeAspect="1"/>
+          </p:cNvPicPr>
+          <p:nvPr/>
+        </p:nvPicPr>
+        <p:blipFill>
+          <a:blip r:embed="rId4"/>
+          <a:stretch>
+            <a:fillRect/>
+          </a:stretch>
+        </p:blipFill>
+        <p:spPr>
+          <a:xfrm>
+            <a:off x="7919189" y="837515"/>
+            <a:ext cx="3711910" cy="5772150"/>
+          </a:xfrm>
+          <a:prstGeom prst="rect">
+            <a:avLst/>
+          </a:prstGeom>
+          <a:ln>
+            <a:noFill/>
+          </a:ln>
+          <a:effectLst>
+            <a:outerShdw blurRad="292100" dist="139700" dir="2700000" algn="tl" rotWithShape="0">
+              <a:srgbClr val="333333">
+                <a:alpha val="65000"/>
+              </a:srgbClr>
+            </a:outerShdw>
+          </a:effectLst>
+        </p:spPr>
+      </p:pic>
+      <p:sp>
+        <p:nvSpPr>
+          <p:cNvPr id="10" name="Rectangle 9"/>
+          <p:cNvSpPr/>
+          <p:nvPr/>
+        </p:nvSpPr>
+        <p:spPr>
+          <a:xfrm>
+            <a:off x="358989" y="468183"/>
+            <a:ext cx="2153552" cy="369332"/>
+          </a:xfrm>
+          <a:prstGeom prst="rect">
+            <a:avLst/>
+          </a:prstGeom>
+        </p:spPr>
+        <p:txBody>
+          <a:bodyPr wrap="square">
+            <a:spAutoFit/>
+          </a:bodyPr>
+          <a:lstStyle/>
+          <a:p>
+            <a:r>
+              <a:rPr lang="pl-PL" b="1" dirty="0"/>
+              <a:t>Commit</a:t>
+            </a:r>
+          </a:p>
+        </p:txBody>
+      </p:sp>
+    </p:spTree>
+    <p:extLst>
+      <p:ext uri="{BB962C8B-B14F-4D97-AF65-F5344CB8AC3E}">
+        <p14:creationId xmlns:p14="http://schemas.microsoft.com/office/powerpoint/2010/main" val="1469554140"/>
+      </p:ext>
+    </p:extLst>
+  </p:cSld>
+  <p:clrMapOvr>
+    <a:masterClrMapping/>
+  </p:clrMapOvr>
+</p:sld>
+</file>
+
+<file path=ppt/slides/slide27.xml><?xml version="1.0" encoding="utf-8"?>
+<p:sld xmlns:a="http://schemas.openxmlformats.org/drawingml/2006/main" xmlns:r="http://schemas.openxmlformats.org/officeDocument/2006/relationships" xmlns:p="http://schemas.openxmlformats.org/presentationml/2006/main">
+  <p:cSld>
+    <p:spTree>
+      <p:nvGrpSpPr>
+        <p:cNvPr id="1" name=""/>
+        <p:cNvGrpSpPr/>
+        <p:nvPr/>
+      </p:nvGrpSpPr>
+      <p:grpSpPr>
+        <a:xfrm>
+          <a:off x="0" y="0"/>
+          <a:ext cx="0" cy="0"/>
+          <a:chOff x="0" y="0"/>
+          <a:chExt cx="0" cy="0"/>
+        </a:xfrm>
+      </p:grpSpPr>
+      <p:sp>
+        <p:nvSpPr>
+          <p:cNvPr id="3" name="Slide Number Placeholder 2"/>
+          <p:cNvSpPr>
+            <a:spLocks noGrp="1"/>
+          </p:cNvSpPr>
+          <p:nvPr>
+            <p:ph type="sldNum" sz="quarter" idx="12"/>
+          </p:nvPr>
+        </p:nvSpPr>
+        <p:spPr/>
+        <p:txBody>
+          <a:bodyPr/>
+          <a:lstStyle/>
+          <a:p>
+            <a:fld id="{4FAB73BC-B049-4115-A692-8D63A059BFB8}" type="slidenum">
+              <a:rPr lang="en-US" smtClean="0"/>
+              <a:t>27</a:t>
+            </a:fld>
+            <a:endParaRPr lang="en-US" dirty="0"/>
+          </a:p>
+        </p:txBody>
+      </p:sp>
+      <p:pic>
+        <p:nvPicPr>
+          <p:cNvPr id="4" name="Picture 3"/>
+          <p:cNvPicPr>
+            <a:picLocks noChangeAspect="1"/>
+          </p:cNvPicPr>
+          <p:nvPr/>
+        </p:nvPicPr>
+        <p:blipFill>
+          <a:blip r:embed="rId2"/>
+          <a:stretch>
+            <a:fillRect/>
+          </a:stretch>
+        </p:blipFill>
+        <p:spPr>
+          <a:xfrm>
+            <a:off x="500508" y="837515"/>
+            <a:ext cx="3544048" cy="5576416"/>
+          </a:xfrm>
+          <a:prstGeom prst="rect">
+            <a:avLst/>
+          </a:prstGeom>
+          <a:ln>
+            <a:noFill/>
+          </a:ln>
+          <a:effectLst>
+            <a:outerShdw blurRad="292100" dist="139700" dir="2700000" algn="tl" rotWithShape="0">
+              <a:srgbClr val="333333">
+                <a:alpha val="65000"/>
+              </a:srgbClr>
+            </a:outerShdw>
+          </a:effectLst>
+        </p:spPr>
+      </p:pic>
+      <p:pic>
+        <p:nvPicPr>
+          <p:cNvPr id="5" name="Picture 4"/>
+          <p:cNvPicPr>
+            <a:picLocks noChangeAspect="1"/>
+          </p:cNvPicPr>
+          <p:nvPr/>
+        </p:nvPicPr>
+        <p:blipFill>
+          <a:blip r:embed="rId3"/>
+          <a:stretch>
+            <a:fillRect/>
+          </a:stretch>
+        </p:blipFill>
+        <p:spPr>
+          <a:xfrm>
+            <a:off x="4229127" y="837515"/>
+            <a:ext cx="3555630" cy="5581414"/>
+          </a:xfrm>
+          <a:prstGeom prst="rect">
+            <a:avLst/>
+          </a:prstGeom>
+          <a:ln>
+            <a:noFill/>
+          </a:ln>
+          <a:effectLst>
+            <a:outerShdw blurRad="292100" dist="139700" dir="2700000" algn="tl" rotWithShape="0">
+              <a:srgbClr val="333333">
+                <a:alpha val="65000"/>
+              </a:srgbClr>
+            </a:outerShdw>
+          </a:effectLst>
+        </p:spPr>
+      </p:pic>
+      <p:pic>
+        <p:nvPicPr>
+          <p:cNvPr id="6" name="Picture 5"/>
+          <p:cNvPicPr>
+            <a:picLocks noChangeAspect="1"/>
+          </p:cNvPicPr>
+          <p:nvPr/>
+        </p:nvPicPr>
+        <p:blipFill>
+          <a:blip r:embed="rId4"/>
+          <a:stretch>
+            <a:fillRect/>
+          </a:stretch>
+        </p:blipFill>
+        <p:spPr>
+          <a:xfrm>
+            <a:off x="7969328" y="837515"/>
+            <a:ext cx="3539522" cy="5576416"/>
+          </a:xfrm>
+          <a:prstGeom prst="rect">
+            <a:avLst/>
+          </a:prstGeom>
+          <a:ln>
+            <a:noFill/>
+          </a:ln>
+          <a:effectLst>
+            <a:outerShdw blurRad="292100" dist="139700" dir="2700000" algn="tl" rotWithShape="0">
+              <a:srgbClr val="333333">
+                <a:alpha val="65000"/>
+              </a:srgbClr>
+            </a:outerShdw>
+          </a:effectLst>
+        </p:spPr>
+      </p:pic>
+      <p:sp>
+        <p:nvSpPr>
+          <p:cNvPr id="7" name="Rectangle 6"/>
+          <p:cNvSpPr/>
+          <p:nvPr/>
+        </p:nvSpPr>
+        <p:spPr>
+          <a:xfrm>
+            <a:off x="358989" y="468183"/>
+            <a:ext cx="2153552" cy="369332"/>
+          </a:xfrm>
+          <a:prstGeom prst="rect">
+            <a:avLst/>
+          </a:prstGeom>
+        </p:spPr>
+        <p:txBody>
+          <a:bodyPr wrap="square">
+            <a:spAutoFit/>
+          </a:bodyPr>
+          <a:lstStyle/>
+          <a:p>
+            <a:r>
+              <a:rPr lang="pl-PL" b="1" dirty="0"/>
+              <a:t>Push</a:t>
+            </a:r>
+          </a:p>
+        </p:txBody>
+      </p:sp>
+    </p:spTree>
+    <p:extLst>
+      <p:ext uri="{BB962C8B-B14F-4D97-AF65-F5344CB8AC3E}">
+        <p14:creationId xmlns:p14="http://schemas.microsoft.com/office/powerpoint/2010/main" val="3552365491"/>
+      </p:ext>
+    </p:extLst>
+  </p:cSld>
+  <p:clrMapOvr>
+    <a:masterClrMapping/>
+  </p:clrMapOvr>
+</p:sld>
+</file>
+
+<file path=ppt/slides/slide28.xml><?xml version="1.0" encoding="utf-8"?>
+<p:sld xmlns:a="http://schemas.openxmlformats.org/drawingml/2006/main" xmlns:r="http://schemas.openxmlformats.org/officeDocument/2006/relationships" xmlns:p="http://schemas.openxmlformats.org/presentationml/2006/main">
+  <p:cSld>
+    <p:spTree>
+      <p:nvGrpSpPr>
+        <p:cNvPr id="1" name=""/>
+        <p:cNvGrpSpPr/>
+        <p:nvPr/>
+      </p:nvGrpSpPr>
+      <p:grpSpPr>
+        <a:xfrm>
+          <a:off x="0" y="0"/>
+          <a:ext cx="0" cy="0"/>
+          <a:chOff x="0" y="0"/>
+          <a:chExt cx="0" cy="0"/>
+        </a:xfrm>
+      </p:grpSpPr>
+      <p:sp>
+        <p:nvSpPr>
+          <p:cNvPr id="5" name="Slide Number Placeholder 4"/>
+          <p:cNvSpPr>
+            <a:spLocks noGrp="1"/>
+          </p:cNvSpPr>
+          <p:nvPr>
+            <p:ph type="sldNum" sz="quarter" idx="12"/>
+          </p:nvPr>
+        </p:nvSpPr>
+        <p:spPr/>
+        <p:txBody>
+          <a:bodyPr/>
+          <a:lstStyle/>
+          <a:p>
+            <a:fld id="{4FAB73BC-B049-4115-A692-8D63A059BFB8}" type="slidenum">
+              <a:rPr lang="en-US" smtClean="0"/>
+              <a:t>28</a:t>
+            </a:fld>
+            <a:endParaRPr lang="en-US" dirty="0"/>
+          </a:p>
+        </p:txBody>
+      </p:sp>
+      <p:pic>
+        <p:nvPicPr>
+          <p:cNvPr id="6" name="Content Placeholder 5"/>
+          <p:cNvPicPr>
+            <a:picLocks noGrp="1" noChangeAspect="1"/>
+          </p:cNvPicPr>
+          <p:nvPr>
+            <p:ph idx="4294967295"/>
+          </p:nvPr>
+        </p:nvPicPr>
+        <p:blipFill>
+          <a:blip r:embed="rId2"/>
+          <a:stretch>
+            <a:fillRect/>
+          </a:stretch>
+        </p:blipFill>
+        <p:spPr>
+          <a:xfrm>
+            <a:off x="1382150" y="1045478"/>
+            <a:ext cx="9427699" cy="4767044"/>
+          </a:xfrm>
+          <a:prstGeom prst="rect">
+            <a:avLst/>
+          </a:prstGeom>
+          <a:ln>
+            <a:noFill/>
+          </a:ln>
+          <a:effectLst>
+            <a:outerShdw blurRad="292100" dist="139700" dir="2700000" algn="tl" rotWithShape="0">
+              <a:srgbClr val="333333">
+                <a:alpha val="65000"/>
+              </a:srgbClr>
+            </a:outerShdw>
+          </a:effectLst>
+        </p:spPr>
+      </p:pic>
+    </p:spTree>
+    <p:extLst>
+      <p:ext uri="{BB962C8B-B14F-4D97-AF65-F5344CB8AC3E}">
+        <p14:creationId xmlns:p14="http://schemas.microsoft.com/office/powerpoint/2010/main" val="2683660661"/>
+      </p:ext>
+    </p:extLst>
+  </p:cSld>
+  <p:clrMapOvr>
+    <a:masterClrMapping/>
+  </p:clrMapOvr>
+</p:sld>
+</file>
+
+<file path=ppt/slides/slide29.xml><?xml version="1.0" encoding="utf-8"?>
+<p:sld xmlns:a="http://schemas.openxmlformats.org/drawingml/2006/main" xmlns:r="http://schemas.openxmlformats.org/officeDocument/2006/relationships" xmlns:p="http://schemas.openxmlformats.org/presentationml/2006/main">
+  <p:cSld>
+    <p:spTree>
+      <p:nvGrpSpPr>
+        <p:cNvPr id="1" name=""/>
+        <p:cNvGrpSpPr/>
+        <p:nvPr/>
+      </p:nvGrpSpPr>
+      <p:grpSpPr>
+        <a:xfrm>
+          <a:off x="0" y="0"/>
+          <a:ext cx="0" cy="0"/>
+          <a:chOff x="0" y="0"/>
+          <a:chExt cx="0" cy="0"/>
+        </a:xfrm>
+      </p:grpSpPr>
+      <p:sp>
+        <p:nvSpPr>
+          <p:cNvPr id="5" name="Slide Number Placeholder 4"/>
+          <p:cNvSpPr>
+            <a:spLocks noGrp="1"/>
+          </p:cNvSpPr>
+          <p:nvPr>
+            <p:ph type="sldNum" sz="quarter" idx="12"/>
+          </p:nvPr>
+        </p:nvSpPr>
+        <p:spPr/>
+        <p:txBody>
+          <a:bodyPr/>
+          <a:lstStyle/>
+          <a:p>
+            <a:fld id="{4FAB73BC-B049-4115-A692-8D63A059BFB8}" type="slidenum">
+              <a:rPr lang="en-US" smtClean="0"/>
+              <a:t>29</a:t>
+            </a:fld>
+            <a:endParaRPr lang="en-US" dirty="0"/>
+          </a:p>
+        </p:txBody>
+      </p:sp>
+      <p:pic>
+        <p:nvPicPr>
+          <p:cNvPr id="6" name="Content Placeholder 5"/>
+          <p:cNvPicPr>
+            <a:picLocks noGrp="1" noChangeAspect="1"/>
+          </p:cNvPicPr>
+          <p:nvPr>
+            <p:ph idx="4294967295"/>
+          </p:nvPr>
+        </p:nvPicPr>
+        <p:blipFill>
+          <a:blip r:embed="rId2"/>
+          <a:stretch>
+            <a:fillRect/>
+          </a:stretch>
+        </p:blipFill>
+        <p:spPr>
+          <a:xfrm>
+            <a:off x="2580950" y="994095"/>
+            <a:ext cx="7030100" cy="4869809"/>
+          </a:xfrm>
+          <a:prstGeom prst="rect">
+            <a:avLst/>
+          </a:prstGeom>
+          <a:ln>
+            <a:noFill/>
+          </a:ln>
+          <a:effectLst>
+            <a:outerShdw blurRad="292100" dist="139700" dir="2700000" algn="tl" rotWithShape="0">
+              <a:srgbClr val="333333">
+                <a:alpha val="65000"/>
+              </a:srgbClr>
+            </a:outerShdw>
+          </a:effectLst>
+        </p:spPr>
+      </p:pic>
+    </p:spTree>
+    <p:extLst>
+      <p:ext uri="{BB962C8B-B14F-4D97-AF65-F5344CB8AC3E}">
+        <p14:creationId xmlns:p14="http://schemas.microsoft.com/office/powerpoint/2010/main" val="3307824654"/>
+      </p:ext>
+    </p:extLst>
+  </p:cSld>
+  <p:clrMapOvr>
+    <a:masterClrMapping/>
+  </p:clrMapOvr>
 </p:sld>
 </file>
 
@@ -4212,29 +6278,6 @@
       </p:grpSpPr>
       <p:sp>
         <p:nvSpPr>
-          <p:cNvPr id="4" name="Footer Placeholder 3"/>
-          <p:cNvSpPr>
-            <a:spLocks noGrp="1"/>
-          </p:cNvSpPr>
-          <p:nvPr>
-            <p:ph type="ftr" sz="quarter" idx="11"/>
-          </p:nvPr>
-        </p:nvSpPr>
-        <p:spPr/>
-        <p:txBody>
-          <a:bodyPr/>
-          <a:lstStyle/>
-          <a:p>
-            <a:r>
-              <a:rPr lang="en-US" smtClean="0"/>
-              <a:t>GIT</a:t>
-            </a:r>
-            <a:endParaRPr lang="en-US" dirty="0"/>
-          </a:p>
-        </p:txBody>
-      </p:sp>
-      <p:sp>
-        <p:nvSpPr>
           <p:cNvPr id="5" name="Slide Number Placeholder 4"/>
           <p:cNvSpPr>
             <a:spLocks noGrp="1"/>
@@ -4278,27 +6321,25 @@
           <a:lstStyle/>
           <a:p>
             <a:r>
-              <a:rPr lang="pl-PL" sz="1600" b="1" dirty="0" smtClean="0"/>
+              <a:rPr lang="pl-PL" sz="1600" b="1" dirty="0"/>
               <a:t>Git</a:t>
             </a:r>
-            <a:endParaRPr lang="pl-PL" sz="1600" dirty="0" smtClean="0"/>
+            <a:endParaRPr lang="pl-PL" sz="1600" dirty="0"/>
           </a:p>
           <a:p>
             <a:r>
               <a:rPr lang="pl-PL" sz="1600" dirty="0"/>
               <a:t>https://git-scm.com/</a:t>
             </a:r>
-            <a:endParaRPr lang="pl-PL" sz="1600" dirty="0" smtClean="0"/>
           </a:p>
           <a:p>
             <a:endParaRPr lang="pl-PL" sz="1600" b="1" dirty="0"/>
           </a:p>
           <a:p>
             <a:r>
-              <a:rPr lang="pl-PL" sz="1600" b="1" dirty="0" smtClean="0"/>
+              <a:rPr lang="pl-PL" sz="1600" b="1" dirty="0"/>
               <a:t>GitHub</a:t>
             </a:r>
-            <a:endParaRPr lang="pl-PL" sz="1600" b="1" dirty="0"/>
           </a:p>
           <a:p>
             <a:r>
@@ -4307,59 +6348,42 @@
             </a:r>
           </a:p>
           <a:p>
-            <a:endParaRPr lang="pl-PL" sz="1600" b="1" dirty="0" smtClean="0"/>
-          </a:p>
-          <a:p>
-            <a:r>
-              <a:rPr lang="pl-PL" sz="1600" b="1" dirty="0" smtClean="0"/>
+            <a:endParaRPr lang="pl-PL" sz="1600" b="1" dirty="0"/>
+          </a:p>
+          <a:p>
+            <a:r>
+              <a:rPr lang="pl-PL" sz="1600" b="1" dirty="0"/>
               <a:t>GitHub Desktop</a:t>
             </a:r>
           </a:p>
           <a:p>
             <a:r>
               <a:rPr lang="pl-PL" sz="1600" dirty="0"/>
-              <a:t>https://desktop.github.com</a:t>
-            </a:r>
-            <a:r>
-              <a:rPr lang="pl-PL" sz="1600" dirty="0" smtClean="0"/>
-              <a:t>/</a:t>
-            </a:r>
-          </a:p>
-          <a:p>
-            <a:endParaRPr lang="pl-PL" sz="1600" b="1" dirty="0" smtClean="0"/>
-          </a:p>
-          <a:p>
-            <a:r>
-              <a:rPr lang="pl-PL" sz="1600" b="1" dirty="0" smtClean="0"/>
-              <a:t>GitHub </a:t>
-            </a:r>
-            <a:r>
-              <a:rPr lang="pl-PL" sz="1600" b="1" dirty="0" smtClean="0"/>
-              <a:t>Extension for Visual Studio</a:t>
-            </a:r>
-            <a:endParaRPr lang="pl-PL" sz="1600" b="1" dirty="0" smtClean="0"/>
+              <a:t>https://desktop.github.com/</a:t>
+            </a:r>
+          </a:p>
+          <a:p>
+            <a:endParaRPr lang="pl-PL" sz="1600" b="1" dirty="0"/>
+          </a:p>
+          <a:p>
+            <a:r>
+              <a:rPr lang="pl-PL" sz="1600" b="1" dirty="0"/>
+              <a:t>GitHub Extension for Visual Studio</a:t>
+            </a:r>
           </a:p>
           <a:p>
             <a:r>
               <a:rPr lang="pl-PL" sz="1600" dirty="0"/>
-              <a:t>https://visualstudio.github.com</a:t>
-            </a:r>
-            <a:r>
-              <a:rPr lang="pl-PL" sz="1600" dirty="0" smtClean="0"/>
-              <a:t>/</a:t>
-            </a:r>
-          </a:p>
-          <a:p>
-            <a:endParaRPr lang="pl-PL" sz="1600" b="1" dirty="0" smtClean="0"/>
+              <a:t>https://visualstudio.github.com/</a:t>
+            </a:r>
+          </a:p>
+          <a:p>
+            <a:endParaRPr lang="pl-PL" sz="1600" b="1" dirty="0"/>
           </a:p>
           <a:p>
             <a:r>
               <a:rPr lang="pl-PL" sz="1600" b="1" dirty="0"/>
-              <a:t>Visual Studio 2017 </a:t>
-            </a:r>
-            <a:r>
-              <a:rPr lang="pl-PL" sz="1600" b="1" dirty="0" smtClean="0"/>
-              <a:t>Community (lub wyższa)</a:t>
+              <a:t>Visual Studio 2017 Community (lub wyższa)</a:t>
             </a:r>
             <a:endParaRPr lang="pl-PL" sz="1600" dirty="0"/>
           </a:p>
@@ -4370,17 +6394,17 @@
             </a:r>
           </a:p>
           <a:p>
-            <a:endParaRPr lang="pl-PL" sz="1600" b="1" dirty="0" smtClean="0"/>
-          </a:p>
-          <a:p>
-            <a:r>
-              <a:rPr lang="pl-PL" sz="1600" b="1" dirty="0" smtClean="0"/>
+            <a:endParaRPr lang="pl-PL" sz="1600" b="1" dirty="0"/>
+          </a:p>
+          <a:p>
+            <a:r>
+              <a:rPr lang="pl-PL" sz="1600" b="1" dirty="0"/>
               <a:t>Azure DevOps</a:t>
             </a:r>
           </a:p>
           <a:p>
             <a:r>
-              <a:rPr lang="pl-PL" sz="1600" dirty="0" smtClean="0"/>
+              <a:rPr lang="pl-PL" sz="1600" dirty="0"/>
               <a:t>https://dev.azure.com</a:t>
             </a:r>
             <a:endParaRPr lang="pl-PL" sz="1600" b="1" dirty="0"/>
@@ -4397,13 +6421,313 @@
   <p:clrMapOvr>
     <a:masterClrMapping/>
   </p:clrMapOvr>
-  <p:timing>
-    <p:tnLst>
-      <p:par>
-        <p:cTn id="1" dur="indefinite" restart="never" nodeType="tmRoot"/>
-      </p:par>
-    </p:tnLst>
-  </p:timing>
+</p:sld>
+</file>
+
+<file path=ppt/slides/slide30.xml><?xml version="1.0" encoding="utf-8"?>
+<p:sld xmlns:a="http://schemas.openxmlformats.org/drawingml/2006/main" xmlns:r="http://schemas.openxmlformats.org/officeDocument/2006/relationships" xmlns:p="http://schemas.openxmlformats.org/presentationml/2006/main">
+  <p:cSld>
+    <p:spTree>
+      <p:nvGrpSpPr>
+        <p:cNvPr id="1" name=""/>
+        <p:cNvGrpSpPr/>
+        <p:nvPr/>
+      </p:nvGrpSpPr>
+      <p:grpSpPr>
+        <a:xfrm>
+          <a:off x="0" y="0"/>
+          <a:ext cx="0" cy="0"/>
+          <a:chOff x="0" y="0"/>
+          <a:chExt cx="0" cy="0"/>
+        </a:xfrm>
+      </p:grpSpPr>
+      <p:sp>
+        <p:nvSpPr>
+          <p:cNvPr id="5" name="Slide Number Placeholder 4"/>
+          <p:cNvSpPr>
+            <a:spLocks noGrp="1"/>
+          </p:cNvSpPr>
+          <p:nvPr>
+            <p:ph type="sldNum" sz="quarter" idx="12"/>
+          </p:nvPr>
+        </p:nvSpPr>
+        <p:spPr/>
+        <p:txBody>
+          <a:bodyPr/>
+          <a:lstStyle/>
+          <a:p>
+            <a:fld id="{4FAB73BC-B049-4115-A692-8D63A059BFB8}" type="slidenum">
+              <a:rPr lang="en-US" smtClean="0"/>
+              <a:t>30</a:t>
+            </a:fld>
+            <a:endParaRPr lang="en-US" dirty="0"/>
+          </a:p>
+        </p:txBody>
+      </p:sp>
+      <p:pic>
+        <p:nvPicPr>
+          <p:cNvPr id="6" name="Content Placeholder 5"/>
+          <p:cNvPicPr>
+            <a:picLocks noGrp="1" noChangeAspect="1"/>
+          </p:cNvPicPr>
+          <p:nvPr>
+            <p:ph idx="4294967295"/>
+          </p:nvPr>
+        </p:nvPicPr>
+        <p:blipFill>
+          <a:blip r:embed="rId2"/>
+          <a:stretch>
+            <a:fillRect/>
+          </a:stretch>
+        </p:blipFill>
+        <p:spPr>
+          <a:xfrm>
+            <a:off x="2438400" y="1464622"/>
+            <a:ext cx="7315200" cy="3600450"/>
+          </a:xfrm>
+          <a:prstGeom prst="rect">
+            <a:avLst/>
+          </a:prstGeom>
+          <a:ln>
+            <a:noFill/>
+          </a:ln>
+          <a:effectLst>
+            <a:outerShdw blurRad="292100" dist="139700" dir="2700000" algn="tl" rotWithShape="0">
+              <a:srgbClr val="333333">
+                <a:alpha val="65000"/>
+              </a:srgbClr>
+            </a:outerShdw>
+          </a:effectLst>
+        </p:spPr>
+      </p:pic>
+    </p:spTree>
+    <p:extLst>
+      <p:ext uri="{BB962C8B-B14F-4D97-AF65-F5344CB8AC3E}">
+        <p14:creationId xmlns:p14="http://schemas.microsoft.com/office/powerpoint/2010/main" val="2319845926"/>
+      </p:ext>
+    </p:extLst>
+  </p:cSld>
+  <p:clrMapOvr>
+    <a:masterClrMapping/>
+  </p:clrMapOvr>
+</p:sld>
+</file>
+
+<file path=ppt/slides/slide31.xml><?xml version="1.0" encoding="utf-8"?>
+<p:sld xmlns:a="http://schemas.openxmlformats.org/drawingml/2006/main" xmlns:r="http://schemas.openxmlformats.org/officeDocument/2006/relationships" xmlns:p="http://schemas.openxmlformats.org/presentationml/2006/main">
+  <p:cSld>
+    <p:spTree>
+      <p:nvGrpSpPr>
+        <p:cNvPr id="1" name=""/>
+        <p:cNvGrpSpPr/>
+        <p:nvPr/>
+      </p:nvGrpSpPr>
+      <p:grpSpPr>
+        <a:xfrm>
+          <a:off x="0" y="0"/>
+          <a:ext cx="0" cy="0"/>
+          <a:chOff x="0" y="0"/>
+          <a:chExt cx="0" cy="0"/>
+        </a:xfrm>
+      </p:grpSpPr>
+      <p:sp>
+        <p:nvSpPr>
+          <p:cNvPr id="5" name="Slide Number Placeholder 4"/>
+          <p:cNvSpPr>
+            <a:spLocks noGrp="1"/>
+          </p:cNvSpPr>
+          <p:nvPr>
+            <p:ph type="sldNum" sz="quarter" idx="12"/>
+          </p:nvPr>
+        </p:nvSpPr>
+        <p:spPr/>
+        <p:txBody>
+          <a:bodyPr/>
+          <a:lstStyle/>
+          <a:p>
+            <a:fld id="{4FAB73BC-B049-4115-A692-8D63A059BFB8}" type="slidenum">
+              <a:rPr lang="en-US" smtClean="0"/>
+              <a:t>31</a:t>
+            </a:fld>
+            <a:endParaRPr lang="en-US" dirty="0"/>
+          </a:p>
+        </p:txBody>
+      </p:sp>
+      <p:pic>
+        <p:nvPicPr>
+          <p:cNvPr id="6" name="Content Placeholder 5"/>
+          <p:cNvPicPr>
+            <a:picLocks noGrp="1" noChangeAspect="1"/>
+          </p:cNvPicPr>
+          <p:nvPr>
+            <p:ph idx="4294967295"/>
+          </p:nvPr>
+        </p:nvPicPr>
+        <p:blipFill>
+          <a:blip r:embed="rId2"/>
+          <a:stretch>
+            <a:fillRect/>
+          </a:stretch>
+        </p:blipFill>
+        <p:spPr>
+          <a:xfrm>
+            <a:off x="2671762" y="868362"/>
+            <a:ext cx="6848475" cy="5121275"/>
+          </a:xfrm>
+          <a:prstGeom prst="rect">
+            <a:avLst/>
+          </a:prstGeom>
+          <a:ln>
+            <a:noFill/>
+          </a:ln>
+          <a:effectLst>
+            <a:outerShdw blurRad="292100" dist="139700" dir="2700000" algn="tl" rotWithShape="0">
+              <a:srgbClr val="333333">
+                <a:alpha val="65000"/>
+              </a:srgbClr>
+            </a:outerShdw>
+          </a:effectLst>
+        </p:spPr>
+      </p:pic>
+    </p:spTree>
+    <p:extLst>
+      <p:ext uri="{BB962C8B-B14F-4D97-AF65-F5344CB8AC3E}">
+        <p14:creationId xmlns:p14="http://schemas.microsoft.com/office/powerpoint/2010/main" val="2492799176"/>
+      </p:ext>
+    </p:extLst>
+  </p:cSld>
+  <p:clrMapOvr>
+    <a:masterClrMapping/>
+  </p:clrMapOvr>
+</p:sld>
+</file>
+
+<file path=ppt/slides/slide32.xml><?xml version="1.0" encoding="utf-8"?>
+<p:sld xmlns:a="http://schemas.openxmlformats.org/drawingml/2006/main" xmlns:r="http://schemas.openxmlformats.org/officeDocument/2006/relationships" xmlns:p="http://schemas.openxmlformats.org/presentationml/2006/main">
+  <p:cSld>
+    <p:spTree>
+      <p:nvGrpSpPr>
+        <p:cNvPr id="1" name=""/>
+        <p:cNvGrpSpPr/>
+        <p:nvPr/>
+      </p:nvGrpSpPr>
+      <p:grpSpPr>
+        <a:xfrm>
+          <a:off x="0" y="0"/>
+          <a:ext cx="0" cy="0"/>
+          <a:chOff x="0" y="0"/>
+          <a:chExt cx="0" cy="0"/>
+        </a:xfrm>
+      </p:grpSpPr>
+      <p:sp>
+        <p:nvSpPr>
+          <p:cNvPr id="2" name="Tytuł 1">
+            <a:extLst>
+              <a:ext uri="{FF2B5EF4-FFF2-40B4-BE49-F238E27FC236}">
+                <a16:creationId xmlns:a16="http://schemas.microsoft.com/office/drawing/2014/main" id="{75EB70B9-3D52-43E7-A4A0-CE771029B903}"/>
+              </a:ext>
+            </a:extLst>
+          </p:cNvPr>
+          <p:cNvSpPr>
+            <a:spLocks noGrp="1"/>
+          </p:cNvSpPr>
+          <p:nvPr>
+            <p:ph type="title"/>
+          </p:nvPr>
+        </p:nvSpPr>
+        <p:spPr/>
+        <p:txBody>
+          <a:bodyPr/>
+          <a:lstStyle/>
+          <a:p>
+            <a:r>
+              <a:rPr lang="pl-PL" dirty="0"/>
+              <a:t>Warsztat#2</a:t>
+            </a:r>
+          </a:p>
+        </p:txBody>
+      </p:sp>
+      <p:sp>
+        <p:nvSpPr>
+          <p:cNvPr id="3" name="Symbol zastępczy zawartości 2">
+            <a:extLst>
+              <a:ext uri="{FF2B5EF4-FFF2-40B4-BE49-F238E27FC236}">
+                <a16:creationId xmlns:a16="http://schemas.microsoft.com/office/drawing/2014/main" id="{4B64FDFF-2266-4849-A96C-0BA0F608FD31}"/>
+              </a:ext>
+            </a:extLst>
+          </p:cNvPr>
+          <p:cNvSpPr>
+            <a:spLocks noGrp="1"/>
+          </p:cNvSpPr>
+          <p:nvPr>
+            <p:ph idx="1"/>
+          </p:nvPr>
+        </p:nvSpPr>
+        <p:spPr/>
+        <p:txBody>
+          <a:bodyPr/>
+          <a:lstStyle/>
+          <a:p>
+            <a:pPr marL="457200" indent="-457200">
+              <a:buFont typeface="+mj-lt"/>
+              <a:buAutoNum type="arabicPeriod"/>
+            </a:pPr>
+            <a:r>
+              <a:rPr lang="pl-PL" dirty="0"/>
+              <a:t>Założyć konto na GitHub</a:t>
+            </a:r>
+          </a:p>
+          <a:p>
+            <a:pPr marL="457200" indent="-457200">
+              <a:buFont typeface="+mj-lt"/>
+              <a:buAutoNum type="arabicPeriod"/>
+            </a:pPr>
+            <a:r>
+              <a:rPr lang="pl-PL" dirty="0"/>
+              <a:t>Założyć repozytorium</a:t>
+            </a:r>
+          </a:p>
+        </p:txBody>
+      </p:sp>
+      <p:sp>
+        <p:nvSpPr>
+          <p:cNvPr id="5" name="Symbol zastępczy numeru slajdu 4">
+            <a:extLst>
+              <a:ext uri="{FF2B5EF4-FFF2-40B4-BE49-F238E27FC236}">
+                <a16:creationId xmlns:a16="http://schemas.microsoft.com/office/drawing/2014/main" id="{4B9C8900-980C-468E-849C-10AEF64CA5E0}"/>
+              </a:ext>
+            </a:extLst>
+          </p:cNvPr>
+          <p:cNvSpPr>
+            <a:spLocks noGrp="1"/>
+          </p:cNvSpPr>
+          <p:nvPr>
+            <p:ph type="sldNum" sz="quarter" idx="12"/>
+          </p:nvPr>
+        </p:nvSpPr>
+        <p:spPr/>
+        <p:txBody>
+          <a:bodyPr/>
+          <a:lstStyle/>
+          <a:p>
+            <a:fld id="{4FAB73BC-B049-4115-A692-8D63A059BFB8}" type="slidenum">
+              <a:rPr lang="en-US" smtClean="0"/>
+              <a:t>32</a:t>
+            </a:fld>
+            <a:endParaRPr lang="en-US" dirty="0"/>
+          </a:p>
+        </p:txBody>
+      </p:sp>
+    </p:spTree>
+    <p:extLst>
+      <p:ext uri="{BB962C8B-B14F-4D97-AF65-F5344CB8AC3E}">
+        <p14:creationId xmlns:p14="http://schemas.microsoft.com/office/powerpoint/2010/main" val="1935606629"/>
+      </p:ext>
+    </p:extLst>
+  </p:cSld>
+  <p:clrMapOvr>
+    <a:masterClrMapping/>
+  </p:clrMapOvr>
 </p:sld>
 </file>
 
@@ -4444,7 +6768,7 @@
               <a:buAutoNum type="arabicPeriod"/>
             </a:pPr>
             <a:r>
-              <a:rPr lang="pl-PL" dirty="0" smtClean="0"/>
+              <a:rPr lang="pl-PL" dirty="0"/>
               <a:t>Git</a:t>
             </a:r>
           </a:p>
@@ -4454,7 +6778,7 @@
               <a:buAutoNum type="arabicPeriod"/>
             </a:pPr>
             <a:r>
-              <a:rPr lang="pl-PL" dirty="0" smtClean="0"/>
+              <a:rPr lang="pl-PL" dirty="0"/>
               <a:t>Wprowadzenie</a:t>
             </a:r>
           </a:p>
@@ -4464,7 +6788,7 @@
               <a:buAutoNum type="arabicPeriod"/>
             </a:pPr>
             <a:r>
-              <a:rPr lang="pl-PL" dirty="0" smtClean="0"/>
+              <a:rPr lang="pl-PL" dirty="0"/>
               <a:t>GitHub</a:t>
             </a:r>
           </a:p>
@@ -4474,7 +6798,7 @@
               <a:buAutoNum type="arabicPeriod"/>
             </a:pPr>
             <a:r>
-              <a:rPr lang="pl-PL" dirty="0" smtClean="0"/>
+              <a:rPr lang="pl-PL" dirty="0"/>
               <a:t>Wprowadzenie</a:t>
             </a:r>
           </a:p>
@@ -4484,7 +6808,7 @@
               <a:buAutoNum type="arabicPeriod"/>
             </a:pPr>
             <a:r>
-              <a:rPr lang="pl-PL" dirty="0" smtClean="0"/>
+              <a:rPr lang="pl-PL" dirty="0"/>
               <a:t>GitHub Extension dla VisualStudio</a:t>
             </a:r>
           </a:p>
@@ -4494,7 +6818,7 @@
               <a:buAutoNum type="arabicPeriod"/>
             </a:pPr>
             <a:r>
-              <a:rPr lang="pl-PL" dirty="0" smtClean="0"/>
+              <a:rPr lang="pl-PL" dirty="0"/>
               <a:t>Warsztat#1: konto, repozytorium, clone/commit/push</a:t>
             </a:r>
           </a:p>
@@ -4504,7 +6828,7 @@
               <a:buAutoNum type="arabicPeriod"/>
             </a:pPr>
             <a:r>
-              <a:rPr lang="pl-PL" dirty="0" smtClean="0"/>
+              <a:rPr lang="pl-PL" dirty="0"/>
               <a:t>Warsztat#2: praca w zespole, fetch/pull/merge</a:t>
             </a:r>
           </a:p>
@@ -4514,7 +6838,7 @@
               <a:buAutoNum type="arabicPeriod"/>
             </a:pPr>
             <a:r>
-              <a:rPr lang="pl-PL" dirty="0" smtClean="0"/>
+              <a:rPr lang="pl-PL" dirty="0"/>
               <a:t>Azure DevOps</a:t>
             </a:r>
           </a:p>
@@ -4524,7 +6848,7 @@
               <a:buAutoNum type="arabicPeriod"/>
             </a:pPr>
             <a:r>
-              <a:rPr lang="pl-PL" dirty="0" smtClean="0"/>
+              <a:rPr lang="pl-PL" dirty="0"/>
               <a:t>Wprowadzenie</a:t>
             </a:r>
           </a:p>
@@ -4534,33 +6858,9 @@
               <a:buAutoNum type="arabicPeriod"/>
             </a:pPr>
             <a:r>
-              <a:rPr lang="pl-PL" dirty="0" smtClean="0"/>
+              <a:rPr lang="pl-PL" dirty="0"/>
               <a:t>Praca z VisualStudio</a:t>
             </a:r>
-            <a:endParaRPr lang="pl-PL" dirty="0"/>
-          </a:p>
-        </p:txBody>
-      </p:sp>
-      <p:sp>
-        <p:nvSpPr>
-          <p:cNvPr id="4" name="Footer Placeholder 3"/>
-          <p:cNvSpPr>
-            <a:spLocks noGrp="1"/>
-          </p:cNvSpPr>
-          <p:nvPr>
-            <p:ph type="ftr" sz="quarter" idx="11"/>
-          </p:nvPr>
-        </p:nvSpPr>
-        <p:spPr/>
-        <p:txBody>
-          <a:bodyPr/>
-          <a:lstStyle/>
-          <a:p>
-            <a:r>
-              <a:rPr lang="en-US" smtClean="0"/>
-              <a:t>GIT</a:t>
-            </a:r>
-            <a:endParaRPr lang="en-US" dirty="0"/>
           </a:p>
         </p:txBody>
       </p:sp>
@@ -4597,13 +6897,6 @@
   <p:clrMapOvr>
     <a:masterClrMapping/>
   </p:clrMapOvr>
-  <p:timing>
-    <p:tnLst>
-      <p:par>
-        <p:cTn id="1" dur="indefinite" restart="never" nodeType="tmRoot"/>
-      </p:par>
-    </p:tnLst>
-  </p:timing>
 </p:sld>
 </file>
 
@@ -4626,12 +6919,18 @@
       </p:grpSpPr>
       <p:sp>
         <p:nvSpPr>
-          <p:cNvPr id="2" name="Footer Placeholder 1"/>
-          <p:cNvSpPr>
-            <a:spLocks noGrp="1"/>
-          </p:cNvSpPr>
-          <p:nvPr>
-            <p:ph type="ftr" sz="quarter" idx="11"/>
+          <p:cNvPr id="2" name="Tytuł 1">
+            <a:extLst>
+              <a:ext uri="{FF2B5EF4-FFF2-40B4-BE49-F238E27FC236}">
+                <a16:creationId xmlns:a16="http://schemas.microsoft.com/office/drawing/2014/main" id="{19BDC5D0-7894-4591-A7AF-7823DD98B9CF}"/>
+              </a:ext>
+            </a:extLst>
+          </p:cNvPr>
+          <p:cNvSpPr>
+            <a:spLocks noGrp="1"/>
+          </p:cNvSpPr>
+          <p:nvPr>
+            <p:ph type="title"/>
           </p:nvPr>
         </p:nvSpPr>
         <p:spPr/>
@@ -4640,16 +6939,21 @@
           <a:lstStyle/>
           <a:p>
             <a:r>
-              <a:rPr lang="en-US" smtClean="0"/>
-              <a:t>GIT</a:t>
-            </a:r>
-            <a:endParaRPr lang="en-US" dirty="0"/>
-          </a:p>
-        </p:txBody>
-      </p:sp>
-      <p:sp>
-        <p:nvSpPr>
-          <p:cNvPr id="3" name="Slide Number Placeholder 2"/>
+              <a:rPr lang="pl-PL" dirty="0"/>
+              <a:t>Git</a:t>
+            </a:r>
+          </a:p>
+        </p:txBody>
+      </p:sp>
+      <p:sp>
+        <p:nvSpPr>
+          <p:cNvPr id="4" name="Symbol zastępczy numeru slajdu 3">
+            <a:extLst>
+              <a:ext uri="{FF2B5EF4-FFF2-40B4-BE49-F238E27FC236}">
+                <a16:creationId xmlns:a16="http://schemas.microsoft.com/office/drawing/2014/main" id="{0EA9B727-9AAC-45CF-95F5-A1CD88AECB41}"/>
+              </a:ext>
+            </a:extLst>
+          </p:cNvPr>
           <p:cNvSpPr>
             <a:spLocks noGrp="1"/>
           </p:cNvSpPr>
@@ -4670,133 +6974,10 @@
           </a:p>
         </p:txBody>
       </p:sp>
-      <p:pic>
-        <p:nvPicPr>
-          <p:cNvPr id="4" name="Picture 3"/>
-          <p:cNvPicPr>
-            <a:picLocks noChangeAspect="1"/>
-          </p:cNvPicPr>
-          <p:nvPr/>
-        </p:nvPicPr>
-        <p:blipFill>
-          <a:blip r:embed="rId2"/>
-          <a:stretch>
-            <a:fillRect/>
-          </a:stretch>
-        </p:blipFill>
-        <p:spPr>
-          <a:xfrm>
-            <a:off x="4779723" y="780435"/>
-            <a:ext cx="6619875" cy="4772025"/>
-          </a:xfrm>
-          <a:prstGeom prst="rect">
-            <a:avLst/>
-          </a:prstGeom>
-          <a:ln>
-            <a:noFill/>
-          </a:ln>
-          <a:effectLst>
-            <a:outerShdw blurRad="292100" dist="139700" dir="2700000" algn="tl" rotWithShape="0">
-              <a:srgbClr val="333333">
-                <a:alpha val="65000"/>
-              </a:srgbClr>
-            </a:outerShdw>
-          </a:effectLst>
-        </p:spPr>
-      </p:pic>
-      <p:sp>
-        <p:nvSpPr>
-          <p:cNvPr id="5" name="Rectangle 4"/>
-          <p:cNvSpPr/>
-          <p:nvPr/>
-        </p:nvSpPr>
-        <p:spPr>
-          <a:xfrm>
-            <a:off x="4779723" y="5827447"/>
-            <a:ext cx="3567002" cy="253916"/>
-          </a:xfrm>
-          <a:prstGeom prst="rect">
-            <a:avLst/>
-          </a:prstGeom>
-        </p:spPr>
-        <p:txBody>
-          <a:bodyPr wrap="none">
-            <a:spAutoFit/>
-          </a:bodyPr>
-          <a:lstStyle/>
-          <a:p>
-            <a:r>
-              <a:rPr lang="pl-PL" sz="1050" dirty="0"/>
-              <a:t>https://insights.stackoverflow.com/survey/2018/#technology</a:t>
-            </a:r>
-          </a:p>
-        </p:txBody>
-      </p:sp>
-      <p:sp>
-        <p:nvSpPr>
-          <p:cNvPr id="6" name="Rectangle 5"/>
-          <p:cNvSpPr/>
-          <p:nvPr/>
-        </p:nvSpPr>
-        <p:spPr>
-          <a:xfrm>
-            <a:off x="729026" y="780435"/>
-            <a:ext cx="3725279" cy="2308324"/>
-          </a:xfrm>
-          <a:prstGeom prst="rect">
-            <a:avLst/>
-          </a:prstGeom>
-        </p:spPr>
-        <p:txBody>
-          <a:bodyPr wrap="square">
-            <a:spAutoFit/>
-          </a:bodyPr>
-          <a:lstStyle/>
-          <a:p>
-            <a:r>
-              <a:rPr lang="pl-PL" b="1" dirty="0"/>
-              <a:t>System kontroli wersji </a:t>
-            </a:r>
-            <a:r>
-              <a:rPr lang="pl-PL" b="1" dirty="0" smtClean="0"/>
-              <a:t>(VCS) </a:t>
-            </a:r>
-          </a:p>
-          <a:p>
-            <a:endParaRPr lang="pl-PL" dirty="0"/>
-          </a:p>
-          <a:p>
-            <a:r>
-              <a:rPr lang="pl-PL" dirty="0" smtClean="0"/>
-              <a:t>oprogramowanie </a:t>
-            </a:r>
-            <a:r>
-              <a:rPr lang="pl-PL" dirty="0"/>
-              <a:t>służące do </a:t>
-            </a:r>
-            <a:r>
-              <a:rPr lang="pl-PL" b="1" dirty="0"/>
-              <a:t>śledzenia zmian </a:t>
-            </a:r>
-            <a:r>
-              <a:rPr lang="pl-PL" dirty="0"/>
-              <a:t>głównie w kodzie źródłowym oraz pomocy programistom w </a:t>
-            </a:r>
-            <a:r>
-              <a:rPr lang="pl-PL" b="1" dirty="0"/>
-              <a:t>łączeniu zmian </a:t>
-            </a:r>
-            <a:r>
-              <a:rPr lang="pl-PL" dirty="0"/>
-              <a:t>dokonanych w plikach przez wiele osób w różnym czasie.</a:t>
-            </a:r>
-          </a:p>
-        </p:txBody>
-      </p:sp>
     </p:spTree>
     <p:extLst>
       <p:ext uri="{BB962C8B-B14F-4D97-AF65-F5344CB8AC3E}">
-        <p14:creationId xmlns:p14="http://schemas.microsoft.com/office/powerpoint/2010/main" val="3832239496"/>
+        <p14:creationId xmlns:p14="http://schemas.microsoft.com/office/powerpoint/2010/main" val="1569937441"/>
       </p:ext>
     </p:extLst>
   </p:cSld>
@@ -4825,29 +7006,6 @@
       </p:grpSpPr>
       <p:sp>
         <p:nvSpPr>
-          <p:cNvPr id="2" name="Footer Placeholder 1"/>
-          <p:cNvSpPr>
-            <a:spLocks noGrp="1"/>
-          </p:cNvSpPr>
-          <p:nvPr>
-            <p:ph type="ftr" sz="quarter" idx="11"/>
-          </p:nvPr>
-        </p:nvSpPr>
-        <p:spPr/>
-        <p:txBody>
-          <a:bodyPr/>
-          <a:lstStyle/>
-          <a:p>
-            <a:r>
-              <a:rPr lang="en-US" dirty="0" smtClean="0"/>
-              <a:t>GIT</a:t>
-            </a:r>
-            <a:endParaRPr lang="en-US" dirty="0"/>
-          </a:p>
-        </p:txBody>
-      </p:sp>
-      <p:sp>
-        <p:nvSpPr>
           <p:cNvPr id="3" name="Slide Number Placeholder 2"/>
           <p:cNvSpPr>
             <a:spLocks noGrp="1"/>
@@ -4869,151 +7027,250 @@
           </a:p>
         </p:txBody>
       </p:sp>
-      <p:sp>
-        <p:nvSpPr>
-          <p:cNvPr id="4" name="Rectangle 3"/>
+      <p:pic>
+        <p:nvPicPr>
+          <p:cNvPr id="4" name="Picture 3"/>
+          <p:cNvPicPr>
+            <a:picLocks noChangeAspect="1"/>
+          </p:cNvPicPr>
+          <p:nvPr/>
+        </p:nvPicPr>
+        <p:blipFill>
+          <a:blip r:embed="rId2"/>
+          <a:stretch>
+            <a:fillRect/>
+          </a:stretch>
+        </p:blipFill>
+        <p:spPr>
+          <a:xfrm>
+            <a:off x="6005382" y="780435"/>
+            <a:ext cx="5457592" cy="3934178"/>
+          </a:xfrm>
+          <a:prstGeom prst="rect">
+            <a:avLst/>
+          </a:prstGeom>
+          <a:ln>
+            <a:noFill/>
+          </a:ln>
+          <a:effectLst>
+            <a:outerShdw blurRad="292100" dist="139700" dir="2700000" algn="tl" rotWithShape="0">
+              <a:srgbClr val="333333">
+                <a:alpha val="65000"/>
+              </a:srgbClr>
+            </a:outerShdw>
+          </a:effectLst>
+        </p:spPr>
+      </p:pic>
+      <p:sp>
+        <p:nvSpPr>
+          <p:cNvPr id="5" name="Rectangle 4"/>
           <p:cNvSpPr/>
           <p:nvPr/>
         </p:nvSpPr>
         <p:spPr>
           <a:xfrm>
-            <a:off x="473599" y="529628"/>
-            <a:ext cx="10508253" cy="5355312"/>
+            <a:off x="6005382" y="4818919"/>
+            <a:ext cx="4471096" cy="738664"/>
           </a:xfrm>
           <a:prstGeom prst="rect">
             <a:avLst/>
           </a:prstGeom>
         </p:spPr>
         <p:txBody>
+          <a:bodyPr wrap="none">
+            <a:spAutoFit/>
+          </a:bodyPr>
+          <a:lstStyle/>
+          <a:p>
+            <a:r>
+              <a:rPr lang="pl-PL" sz="1050" i="1" dirty="0"/>
+              <a:t>https://insights.stackoverflow.com/survey/2018/#technology</a:t>
+            </a:r>
+          </a:p>
+          <a:p>
+            <a:r>
+              <a:rPr lang="pl-PL" sz="1050" i="1" dirty="0"/>
+              <a:t>https://git-scm.com/book/pl/v1/Podstawy-Gita-Praca-ze-zdalnym-repozytorium</a:t>
+            </a:r>
+          </a:p>
+          <a:p>
+            <a:r>
+              <a:rPr lang="pl-PL" sz="1050" i="1" dirty="0"/>
+              <a:t>http://kmirek.zsem.edu.pl/system-repozytoryjny-jak-dziala-repozytorium/</a:t>
+            </a:r>
+          </a:p>
+          <a:p>
+            <a:endParaRPr lang="pl-PL" sz="1050" i="1" dirty="0"/>
+          </a:p>
+        </p:txBody>
+      </p:sp>
+      <p:sp>
+        <p:nvSpPr>
+          <p:cNvPr id="6" name="Rectangle 5"/>
+          <p:cNvSpPr/>
+          <p:nvPr/>
+        </p:nvSpPr>
+        <p:spPr>
+          <a:xfrm>
+            <a:off x="729026" y="780435"/>
+            <a:ext cx="5276356" cy="5755422"/>
+          </a:xfrm>
+          <a:prstGeom prst="rect">
+            <a:avLst/>
+          </a:prstGeom>
+        </p:spPr>
+        <p:txBody>
           <a:bodyPr wrap="square">
             <a:spAutoFit/>
           </a:bodyPr>
           <a:lstStyle/>
           <a:p>
             <a:r>
-              <a:rPr lang="pl-PL" b="1" dirty="0"/>
-              <a:t>Dobre wsparcie dla rozgałęzionego procesu tworzenia </a:t>
-            </a:r>
-            <a:r>
-              <a:rPr lang="pl-PL" b="1" dirty="0" smtClean="0"/>
-              <a:t>oprogramowania: </a:t>
-            </a:r>
-          </a:p>
-          <a:p>
-            <a:pPr lvl="1"/>
-            <a:r>
-              <a:rPr lang="pl-PL" i="1" dirty="0" smtClean="0"/>
-              <a:t>jest dostępnych kilka algorytmów łączenia zmian z dwóch gałęzi, a także możliwość dodawania </a:t>
-            </a:r>
-            <a:r>
-              <a:rPr lang="pl-PL" i="1" dirty="0"/>
-              <a:t>własnych </a:t>
-            </a:r>
-            <a:r>
-              <a:rPr lang="pl-PL" i="1" dirty="0" smtClean="0"/>
-              <a:t>algorytmów.</a:t>
-            </a:r>
-            <a:endParaRPr lang="pl-PL" i="1" dirty="0"/>
-          </a:p>
-          <a:p>
-            <a:endParaRPr lang="pl-PL" dirty="0"/>
-          </a:p>
-          <a:p>
-            <a:r>
-              <a:rPr lang="pl-PL" b="1" dirty="0"/>
-              <a:t>Praca off-line: </a:t>
-            </a:r>
-            <a:endParaRPr lang="pl-PL" b="1" dirty="0" smtClean="0"/>
-          </a:p>
-          <a:p>
-            <a:pPr lvl="1"/>
-            <a:r>
-              <a:rPr lang="pl-PL" i="1" dirty="0" smtClean="0"/>
-              <a:t>każdy </a:t>
-            </a:r>
-            <a:r>
-              <a:rPr lang="pl-PL" i="1" dirty="0"/>
-              <a:t>programista posiada własną kopię repozytorium, do której może zapisywać zmiany bez połączenia z siecią; następnie zmiany mogą być wymieniane między lokalnymi repozytoriami.</a:t>
-            </a:r>
-          </a:p>
-          <a:p>
-            <a:endParaRPr lang="pl-PL" dirty="0"/>
-          </a:p>
-          <a:p>
-            <a:r>
-              <a:rPr lang="pl-PL" b="1" dirty="0"/>
-              <a:t>Wsparcie dla istniejących protokołów sieciowych: </a:t>
-            </a:r>
-            <a:endParaRPr lang="pl-PL" b="1" dirty="0" smtClean="0"/>
-          </a:p>
-          <a:p>
-            <a:r>
-              <a:rPr lang="pl-PL" i="1" dirty="0" smtClean="0"/>
-              <a:t>	dane </a:t>
-            </a:r>
-            <a:r>
-              <a:rPr lang="pl-PL" i="1" dirty="0"/>
-              <a:t>można wymieniać przez HTTP(S), FTP, rsync, SSH.</a:t>
-            </a:r>
-          </a:p>
-          <a:p>
-            <a:endParaRPr lang="pl-PL" dirty="0"/>
-          </a:p>
-          <a:p>
-            <a:r>
-              <a:rPr lang="pl-PL" b="1" dirty="0"/>
-              <a:t>Efektywna praca z dużymi projektami: </a:t>
-            </a:r>
-            <a:endParaRPr lang="pl-PL" b="1" dirty="0" smtClean="0"/>
-          </a:p>
-          <a:p>
-            <a:pPr lvl="1"/>
-            <a:r>
-              <a:rPr lang="pl-PL" i="1" dirty="0" smtClean="0"/>
-              <a:t>system </a:t>
-            </a:r>
-            <a:r>
-              <a:rPr lang="pl-PL" i="1" dirty="0"/>
-              <a:t>Git według zapewnień Torvaldsa, a także według testów fundacji Mozilla, jest o rzędy wielkości szybszy niż niektóre konkurencyjne </a:t>
-            </a:r>
-            <a:r>
-              <a:rPr lang="pl-PL" i="1" dirty="0" smtClean="0"/>
-              <a:t>rozwiązania.</a:t>
-            </a:r>
-            <a:endParaRPr lang="pl-PL" i="1" dirty="0"/>
-          </a:p>
-          <a:p>
-            <a:endParaRPr lang="pl-PL" dirty="0"/>
-          </a:p>
-          <a:p>
-            <a:r>
-              <a:rPr lang="pl-PL" b="1" dirty="0"/>
-              <a:t>Każda rewizja to obraz całego projektu: </a:t>
-            </a:r>
-            <a:endParaRPr lang="pl-PL" b="1" dirty="0" smtClean="0"/>
-          </a:p>
-          <a:p>
-            <a:pPr lvl="1"/>
-            <a:r>
-              <a:rPr lang="pl-PL" i="1" dirty="0" smtClean="0"/>
-              <a:t>w </a:t>
-            </a:r>
-            <a:r>
-              <a:rPr lang="pl-PL" i="1" dirty="0"/>
-              <a:t>przeciwieństwie do innych systemów kontroli wersji, Git nie zapamiętuje zmian między kolejnymi rewizjami, lecz kompletne obrazy. Z jednej strony wymaga to nieco więcej pracy aby porównać dwie rewizje, z drugiej jednak pozwala np. na automatyczną obsługę zmian nazw </a:t>
-            </a:r>
-            <a:r>
-              <a:rPr lang="pl-PL" i="1" dirty="0" smtClean="0"/>
-              <a:t>plików.</a:t>
-            </a:r>
-            <a:endParaRPr lang="pl-PL" i="1" dirty="0"/>
+              <a:rPr lang="pl-PL" sz="1600" b="1" dirty="0"/>
+              <a:t>System kontroli wersji (VCS) </a:t>
+            </a:r>
+          </a:p>
+          <a:p>
+            <a:endParaRPr lang="pl-PL" sz="1600" dirty="0"/>
+          </a:p>
+          <a:p>
+            <a:r>
+              <a:rPr lang="pl-PL" sz="1600" dirty="0"/>
+              <a:t>oprogramowanie służące do </a:t>
+            </a:r>
+            <a:r>
+              <a:rPr lang="pl-PL" sz="1600" b="1" dirty="0"/>
+              <a:t>śledzenia zmian </a:t>
+            </a:r>
+            <a:r>
+              <a:rPr lang="pl-PL" sz="1600" dirty="0"/>
+              <a:t>głównie w kodzie źródłowym oraz pomocy programistom w </a:t>
+            </a:r>
+            <a:r>
+              <a:rPr lang="pl-PL" sz="1600" b="1" dirty="0"/>
+              <a:t>łączeniu zmian </a:t>
+            </a:r>
+            <a:r>
+              <a:rPr lang="pl-PL" sz="1600" dirty="0"/>
+              <a:t>dokonanych w plikach przez wiele osób w różnym czasie.</a:t>
+            </a:r>
+          </a:p>
+          <a:p>
+            <a:endParaRPr lang="pl-PL" sz="1600" dirty="0"/>
+          </a:p>
+          <a:p>
+            <a:r>
+              <a:rPr lang="pl-PL" sz="1600" b="1" dirty="0"/>
+              <a:t>Repozytorium</a:t>
+            </a:r>
+            <a:r>
+              <a:rPr lang="pl-PL" sz="1600" dirty="0"/>
+              <a:t> jest rozwiązaniem informatycznym, jakie służy głównie do przechowywania, gromadzenia oraz udostępniania przeróżnego typu plików. Trzeba odróżniać repozytorium od bibliotek cyfrowych i platform, jakie udostępniają tylko aktualne treści. Natomiast repozytorium przechowuje nie tylko dopiero co utworzone kopie plików ale również starsze wersje plików.</a:t>
+            </a:r>
+          </a:p>
+          <a:p>
+            <a:endParaRPr lang="pl-PL" sz="1600" dirty="0"/>
+          </a:p>
+          <a:p>
+            <a:r>
+              <a:rPr lang="pl-PL" sz="1600" b="1" dirty="0"/>
+              <a:t>Systemy kontroli wersji dzielą się na:</a:t>
+            </a:r>
+          </a:p>
+          <a:p>
+            <a:endParaRPr lang="pl-PL" sz="1600" dirty="0"/>
+          </a:p>
+          <a:p>
+            <a:pPr marL="285750" indent="-285750">
+              <a:buFont typeface="Arial" panose="020B0604020202020204" pitchFamily="34" charset="0"/>
+              <a:buChar char="•"/>
+            </a:pPr>
+            <a:r>
+              <a:rPr lang="pl-PL" sz="1600" b="1" dirty="0"/>
+              <a:t>lokalne</a:t>
+            </a:r>
+            <a:r>
+              <a:rPr lang="pl-PL" sz="1600" dirty="0"/>
+              <a:t> (np. SCCS oraz RCS)</a:t>
+            </a:r>
+          </a:p>
+          <a:p>
+            <a:pPr marL="285750" indent="-285750">
+              <a:buFont typeface="Arial" panose="020B0604020202020204" pitchFamily="34" charset="0"/>
+              <a:buChar char="•"/>
+            </a:pPr>
+            <a:r>
+              <a:rPr lang="pl-PL" sz="1600" b="1" dirty="0"/>
+              <a:t>scentralizowane</a:t>
+            </a:r>
+            <a:r>
+              <a:rPr lang="pl-PL" sz="1600" dirty="0"/>
+              <a:t>, oparte na architekturze klient-serwer (np. CVS, </a:t>
+            </a:r>
+            <a:r>
+              <a:rPr lang="pl-PL" sz="1600" dirty="0" err="1"/>
+              <a:t>Subversion</a:t>
+            </a:r>
+            <a:r>
+              <a:rPr lang="pl-PL" sz="1600" dirty="0"/>
+              <a:t>)</a:t>
+            </a:r>
+          </a:p>
+          <a:p>
+            <a:pPr marL="285750" indent="-285750">
+              <a:buFont typeface="Arial" panose="020B0604020202020204" pitchFamily="34" charset="0"/>
+              <a:buChar char="•"/>
+            </a:pPr>
+            <a:r>
+              <a:rPr lang="pl-PL" sz="1600" b="1" dirty="0"/>
+              <a:t>rozproszone</a:t>
+            </a:r>
+            <a:r>
+              <a:rPr lang="pl-PL" sz="1600" dirty="0"/>
+              <a:t>, oparte na architekturze P2P (np. </a:t>
+            </a:r>
+            <a:r>
+              <a:rPr lang="pl-PL" sz="1600" dirty="0" err="1"/>
+              <a:t>BitKeeper</a:t>
+            </a:r>
+            <a:r>
+              <a:rPr lang="pl-PL" sz="1600" dirty="0"/>
+              <a:t>, </a:t>
+            </a:r>
+            <a:r>
+              <a:rPr lang="pl-PL" sz="1600" dirty="0" err="1"/>
+              <a:t>Code</a:t>
+            </a:r>
+            <a:r>
+              <a:rPr lang="pl-PL" sz="1600" dirty="0"/>
+              <a:t> Co-</a:t>
+            </a:r>
+            <a:r>
+              <a:rPr lang="pl-PL" sz="1600" dirty="0" err="1"/>
+              <a:t>op</a:t>
+            </a:r>
+            <a:r>
+              <a:rPr lang="pl-PL" sz="1600" dirty="0"/>
+              <a:t>, Git, </a:t>
+            </a:r>
+            <a:r>
+              <a:rPr lang="pl-PL" sz="1600" dirty="0" err="1"/>
+              <a:t>svk</a:t>
+            </a:r>
+            <a:r>
+              <a:rPr lang="pl-PL" sz="1600" dirty="0"/>
+              <a:t>).</a:t>
+            </a:r>
+          </a:p>
+          <a:p>
+            <a:endParaRPr lang="pl-PL" sz="1600" dirty="0"/>
           </a:p>
         </p:txBody>
       </p:sp>
     </p:spTree>
     <p:extLst>
       <p:ext uri="{BB962C8B-B14F-4D97-AF65-F5344CB8AC3E}">
-        <p14:creationId xmlns:p14="http://schemas.microsoft.com/office/powerpoint/2010/main" val="3329926583"/>
+        <p14:creationId xmlns:p14="http://schemas.microsoft.com/office/powerpoint/2010/main" val="3832239496"/>
       </p:ext>
     </p:extLst>
   </p:cSld>
@@ -5042,29 +7299,6 @@
       </p:grpSpPr>
       <p:sp>
         <p:nvSpPr>
-          <p:cNvPr id="2" name="Footer Placeholder 1"/>
-          <p:cNvSpPr>
-            <a:spLocks noGrp="1"/>
-          </p:cNvSpPr>
-          <p:nvPr>
-            <p:ph type="ftr" sz="quarter" idx="11"/>
-          </p:nvPr>
-        </p:nvSpPr>
-        <p:spPr/>
-        <p:txBody>
-          <a:bodyPr/>
-          <a:lstStyle/>
-          <a:p>
-            <a:r>
-              <a:rPr lang="en-US" smtClean="0"/>
-              <a:t>GIT</a:t>
-            </a:r>
-            <a:endParaRPr lang="en-US" dirty="0"/>
-          </a:p>
-        </p:txBody>
-      </p:sp>
-      <p:sp>
-        <p:nvSpPr>
           <p:cNvPr id="3" name="Slide Number Placeholder 2"/>
           <p:cNvSpPr>
             <a:spLocks noGrp="1"/>
@@ -5081,6 +7315,492 @@
             <a:fld id="{4FAB73BC-B049-4115-A692-8D63A059BFB8}" type="slidenum">
               <a:rPr lang="en-US" smtClean="0"/>
               <a:t>7</a:t>
+            </a:fld>
+            <a:endParaRPr lang="en-US" dirty="0"/>
+          </a:p>
+        </p:txBody>
+      </p:sp>
+      <p:sp>
+        <p:nvSpPr>
+          <p:cNvPr id="6" name="Rectangle 5"/>
+          <p:cNvSpPr/>
+          <p:nvPr/>
+        </p:nvSpPr>
+        <p:spPr>
+          <a:xfrm>
+            <a:off x="729025" y="1275386"/>
+            <a:ext cx="2918199" cy="338554"/>
+          </a:xfrm>
+          <a:prstGeom prst="rect">
+            <a:avLst/>
+          </a:prstGeom>
+        </p:spPr>
+        <p:txBody>
+          <a:bodyPr wrap="square">
+            <a:spAutoFit/>
+          </a:bodyPr>
+          <a:lstStyle/>
+          <a:p>
+            <a:r>
+              <a:rPr lang="pl-PL" sz="1600" b="1" dirty="0"/>
+              <a:t>Repozytorium lokalne</a:t>
+            </a:r>
+            <a:endParaRPr lang="pl-PL" sz="1600" dirty="0"/>
+          </a:p>
+        </p:txBody>
+      </p:sp>
+      <p:pic>
+        <p:nvPicPr>
+          <p:cNvPr id="5" name="Picture 4" descr="https://git-scm.com/figures/18333fig0102-tn.png">
+            <a:extLst>
+              <a:ext uri="{FF2B5EF4-FFF2-40B4-BE49-F238E27FC236}">
+                <a16:creationId xmlns:a16="http://schemas.microsoft.com/office/drawing/2014/main" id="{B5F2FD28-33BD-47F0-AFC7-F26726FFE12A}"/>
+              </a:ext>
+            </a:extLst>
+          </p:cNvPr>
+          <p:cNvPicPr>
+            <a:picLocks noChangeAspect="1" noChangeArrowheads="1"/>
+          </p:cNvPicPr>
+          <p:nvPr/>
+        </p:nvPicPr>
+        <p:blipFill>
+          <a:blip r:embed="rId2">
+            <a:extLst>
+              <a:ext uri="{28A0092B-C50C-407E-A947-70E740481C1C}">
+                <a14:useLocalDpi xmlns:a14="http://schemas.microsoft.com/office/drawing/2010/main" val="0"/>
+              </a:ext>
+            </a:extLst>
+          </a:blip>
+          <a:srcRect/>
+          <a:stretch>
+            <a:fillRect/>
+          </a:stretch>
+        </p:blipFill>
+        <p:spPr bwMode="auto">
+          <a:xfrm>
+            <a:off x="4413310" y="2187824"/>
+            <a:ext cx="3126641" cy="2451287"/>
+          </a:xfrm>
+          <a:prstGeom prst="rect">
+            <a:avLst/>
+          </a:prstGeom>
+          <a:noFill/>
+          <a:extLst>
+            <a:ext uri="{909E8E84-426E-40DD-AFC4-6F175D3DCCD1}">
+              <a14:hiddenFill xmlns:a14="http://schemas.microsoft.com/office/drawing/2010/main">
+                <a:solidFill>
+                  <a:srgbClr val="FFFFFF"/>
+                </a:solidFill>
+              </a14:hiddenFill>
+            </a:ext>
+          </a:extLst>
+        </p:spPr>
+      </p:pic>
+      <p:sp>
+        <p:nvSpPr>
+          <p:cNvPr id="7" name="Prostokąt 6">
+            <a:extLst>
+              <a:ext uri="{FF2B5EF4-FFF2-40B4-BE49-F238E27FC236}">
+                <a16:creationId xmlns:a16="http://schemas.microsoft.com/office/drawing/2014/main" id="{C30D06CB-0CB1-4446-B2FB-8A4ABCF6145C}"/>
+              </a:ext>
+            </a:extLst>
+          </p:cNvPr>
+          <p:cNvSpPr/>
+          <p:nvPr/>
+        </p:nvSpPr>
+        <p:spPr>
+          <a:xfrm>
+            <a:off x="6617549" y="6538912"/>
+            <a:ext cx="4878980" cy="246221"/>
+          </a:xfrm>
+          <a:prstGeom prst="rect">
+            <a:avLst/>
+          </a:prstGeom>
+        </p:spPr>
+        <p:txBody>
+          <a:bodyPr wrap="square">
+            <a:spAutoFit/>
+          </a:bodyPr>
+          <a:lstStyle/>
+          <a:p>
+            <a:r>
+              <a:rPr lang="pl-PL" sz="1000" dirty="0"/>
+              <a:t>https://git-scm.com/book/pl/v1/Pierwsze-kroki-Wprowadzenie-do-kontroli-wersji</a:t>
+            </a:r>
+          </a:p>
+        </p:txBody>
+      </p:sp>
+      <p:pic>
+        <p:nvPicPr>
+          <p:cNvPr id="8" name="Picture 2" descr="https://git-scm.com/figures/18333fig0103-tn.png">
+            <a:extLst>
+              <a:ext uri="{FF2B5EF4-FFF2-40B4-BE49-F238E27FC236}">
+                <a16:creationId xmlns:a16="http://schemas.microsoft.com/office/drawing/2014/main" id="{70F0584D-AFF4-4108-959C-ECAB921FF954}"/>
+              </a:ext>
+            </a:extLst>
+          </p:cNvPr>
+          <p:cNvPicPr>
+            <a:picLocks noChangeAspect="1" noChangeArrowheads="1"/>
+          </p:cNvPicPr>
+          <p:nvPr/>
+        </p:nvPicPr>
+        <p:blipFill>
+          <a:blip r:embed="rId3">
+            <a:extLst>
+              <a:ext uri="{28A0092B-C50C-407E-A947-70E740481C1C}">
+                <a14:useLocalDpi xmlns:a14="http://schemas.microsoft.com/office/drawing/2010/main" val="0"/>
+              </a:ext>
+            </a:extLst>
+          </a:blip>
+          <a:srcRect/>
+          <a:stretch>
+            <a:fillRect/>
+          </a:stretch>
+        </p:blipFill>
+        <p:spPr bwMode="auto">
+          <a:xfrm>
+            <a:off x="8306036" y="1673115"/>
+            <a:ext cx="3091211" cy="3480704"/>
+          </a:xfrm>
+          <a:prstGeom prst="rect">
+            <a:avLst/>
+          </a:prstGeom>
+          <a:noFill/>
+          <a:extLst>
+            <a:ext uri="{909E8E84-426E-40DD-AFC4-6F175D3DCCD1}">
+              <a14:hiddenFill xmlns:a14="http://schemas.microsoft.com/office/drawing/2010/main">
+                <a:solidFill>
+                  <a:srgbClr val="FFFFFF"/>
+                </a:solidFill>
+              </a14:hiddenFill>
+            </a:ext>
+          </a:extLst>
+        </p:spPr>
+      </p:pic>
+      <p:pic>
+        <p:nvPicPr>
+          <p:cNvPr id="9" name="Picture 2" descr="https://git-scm.com/figures/18333fig0101-tn.png">
+            <a:extLst>
+              <a:ext uri="{FF2B5EF4-FFF2-40B4-BE49-F238E27FC236}">
+                <a16:creationId xmlns:a16="http://schemas.microsoft.com/office/drawing/2014/main" id="{0B54AC56-2C43-4B87-B224-067EEEC8954E}"/>
+              </a:ext>
+            </a:extLst>
+          </p:cNvPr>
+          <p:cNvPicPr>
+            <a:picLocks noChangeAspect="1" noChangeArrowheads="1"/>
+          </p:cNvPicPr>
+          <p:nvPr/>
+        </p:nvPicPr>
+        <p:blipFill>
+          <a:blip r:embed="rId4">
+            <a:extLst>
+              <a:ext uri="{28A0092B-C50C-407E-A947-70E740481C1C}">
+                <a14:useLocalDpi xmlns:a14="http://schemas.microsoft.com/office/drawing/2010/main" val="0"/>
+              </a:ext>
+            </a:extLst>
+          </a:blip>
+          <a:srcRect/>
+          <a:stretch>
+            <a:fillRect/>
+          </a:stretch>
+        </p:blipFill>
+        <p:spPr bwMode="auto">
+          <a:xfrm>
+            <a:off x="729026" y="2187825"/>
+            <a:ext cx="2918199" cy="2451287"/>
+          </a:xfrm>
+          <a:prstGeom prst="rect">
+            <a:avLst/>
+          </a:prstGeom>
+          <a:noFill/>
+          <a:extLst>
+            <a:ext uri="{909E8E84-426E-40DD-AFC4-6F175D3DCCD1}">
+              <a14:hiddenFill xmlns:a14="http://schemas.microsoft.com/office/drawing/2010/main">
+                <a:solidFill>
+                  <a:srgbClr val="FFFFFF"/>
+                </a:solidFill>
+              </a14:hiddenFill>
+            </a:ext>
+          </a:extLst>
+        </p:spPr>
+      </p:pic>
+      <p:sp>
+        <p:nvSpPr>
+          <p:cNvPr id="10" name="Rectangle 5">
+            <a:extLst>
+              <a:ext uri="{FF2B5EF4-FFF2-40B4-BE49-F238E27FC236}">
+                <a16:creationId xmlns:a16="http://schemas.microsoft.com/office/drawing/2014/main" id="{24048A06-2987-4E6E-BFA0-631637F1F970}"/>
+              </a:ext>
+            </a:extLst>
+          </p:cNvPr>
+          <p:cNvSpPr/>
+          <p:nvPr/>
+        </p:nvSpPr>
+        <p:spPr>
+          <a:xfrm>
+            <a:off x="4413310" y="1277143"/>
+            <a:ext cx="3126641" cy="338554"/>
+          </a:xfrm>
+          <a:prstGeom prst="rect">
+            <a:avLst/>
+          </a:prstGeom>
+        </p:spPr>
+        <p:txBody>
+          <a:bodyPr wrap="square">
+            <a:spAutoFit/>
+          </a:bodyPr>
+          <a:lstStyle/>
+          <a:p>
+            <a:r>
+              <a:rPr lang="pl-PL" sz="1600" b="1" dirty="0"/>
+              <a:t>Repozytorium scentralizowane</a:t>
+            </a:r>
+            <a:endParaRPr lang="pl-PL" sz="1600" dirty="0"/>
+          </a:p>
+        </p:txBody>
+      </p:sp>
+      <p:sp>
+        <p:nvSpPr>
+          <p:cNvPr id="11" name="Rectangle 5">
+            <a:extLst>
+              <a:ext uri="{FF2B5EF4-FFF2-40B4-BE49-F238E27FC236}">
+                <a16:creationId xmlns:a16="http://schemas.microsoft.com/office/drawing/2014/main" id="{E9E260AA-E646-4DC0-B690-499B768F1148}"/>
+              </a:ext>
+            </a:extLst>
+          </p:cNvPr>
+          <p:cNvSpPr/>
+          <p:nvPr/>
+        </p:nvSpPr>
+        <p:spPr>
+          <a:xfrm>
+            <a:off x="8306036" y="912973"/>
+            <a:ext cx="3190493" cy="338554"/>
+          </a:xfrm>
+          <a:prstGeom prst="rect">
+            <a:avLst/>
+          </a:prstGeom>
+        </p:spPr>
+        <p:txBody>
+          <a:bodyPr wrap="square">
+            <a:spAutoFit/>
+          </a:bodyPr>
+          <a:lstStyle/>
+          <a:p>
+            <a:r>
+              <a:rPr lang="pl-PL" sz="1600" b="1" dirty="0"/>
+              <a:t>Repozytorium rozproszone</a:t>
+            </a:r>
+          </a:p>
+        </p:txBody>
+      </p:sp>
+    </p:spTree>
+    <p:extLst>
+      <p:ext uri="{BB962C8B-B14F-4D97-AF65-F5344CB8AC3E}">
+        <p14:creationId xmlns:p14="http://schemas.microsoft.com/office/powerpoint/2010/main" val="3487143431"/>
+      </p:ext>
+    </p:extLst>
+  </p:cSld>
+  <p:clrMapOvr>
+    <a:masterClrMapping/>
+  </p:clrMapOvr>
+</p:sld>
+</file>
+
+<file path=ppt/slides/slide8.xml><?xml version="1.0" encoding="utf-8"?>
+<p:sld xmlns:a="http://schemas.openxmlformats.org/drawingml/2006/main" xmlns:r="http://schemas.openxmlformats.org/officeDocument/2006/relationships" xmlns:p="http://schemas.openxmlformats.org/presentationml/2006/main">
+  <p:cSld>
+    <p:spTree>
+      <p:nvGrpSpPr>
+        <p:cNvPr id="1" name=""/>
+        <p:cNvGrpSpPr/>
+        <p:nvPr/>
+      </p:nvGrpSpPr>
+      <p:grpSpPr>
+        <a:xfrm>
+          <a:off x="0" y="0"/>
+          <a:ext cx="0" cy="0"/>
+          <a:chOff x="0" y="0"/>
+          <a:chExt cx="0" cy="0"/>
+        </a:xfrm>
+      </p:grpSpPr>
+      <p:sp>
+        <p:nvSpPr>
+          <p:cNvPr id="3" name="Slide Number Placeholder 2"/>
+          <p:cNvSpPr>
+            <a:spLocks noGrp="1"/>
+          </p:cNvSpPr>
+          <p:nvPr>
+            <p:ph type="sldNum" sz="quarter" idx="12"/>
+          </p:nvPr>
+        </p:nvSpPr>
+        <p:spPr/>
+        <p:txBody>
+          <a:bodyPr/>
+          <a:lstStyle/>
+          <a:p>
+            <a:fld id="{4FAB73BC-B049-4115-A692-8D63A059BFB8}" type="slidenum">
+              <a:rPr lang="en-US" smtClean="0"/>
+              <a:t>8</a:t>
+            </a:fld>
+            <a:endParaRPr lang="en-US" dirty="0"/>
+          </a:p>
+        </p:txBody>
+      </p:sp>
+      <p:sp>
+        <p:nvSpPr>
+          <p:cNvPr id="4" name="Rectangle 3"/>
+          <p:cNvSpPr/>
+          <p:nvPr/>
+        </p:nvSpPr>
+        <p:spPr>
+          <a:xfrm>
+            <a:off x="473599" y="529628"/>
+            <a:ext cx="10508253" cy="5047536"/>
+          </a:xfrm>
+          <a:prstGeom prst="rect">
+            <a:avLst/>
+          </a:prstGeom>
+        </p:spPr>
+        <p:txBody>
+          <a:bodyPr wrap="square">
+            <a:spAutoFit/>
+          </a:bodyPr>
+          <a:lstStyle/>
+          <a:p>
+            <a:r>
+              <a:rPr lang="pl-PL" b="1" dirty="0"/>
+              <a:t>GIT</a:t>
+            </a:r>
+          </a:p>
+          <a:p>
+            <a:endParaRPr lang="pl-PL" sz="1600" b="1" dirty="0"/>
+          </a:p>
+          <a:p>
+            <a:r>
+              <a:rPr lang="pl-PL" sz="1600" b="1" dirty="0"/>
+              <a:t>Dobre wsparcie dla rozgałęzionego procesu tworzenia oprogramowania: </a:t>
+            </a:r>
+          </a:p>
+          <a:p>
+            <a:pPr lvl="1"/>
+            <a:r>
+              <a:rPr lang="pl-PL" sz="1600" i="1" dirty="0"/>
+              <a:t>jest dostępnych kilka algorytmów łączenia zmian z dwóch gałęzi, a także możliwość dodawania własnych algorytmów.</a:t>
+            </a:r>
+          </a:p>
+          <a:p>
+            <a:endParaRPr lang="pl-PL" sz="1600" dirty="0"/>
+          </a:p>
+          <a:p>
+            <a:r>
+              <a:rPr lang="pl-PL" sz="1600" b="1" dirty="0"/>
+              <a:t>Praca off-line: </a:t>
+            </a:r>
+          </a:p>
+          <a:p>
+            <a:pPr lvl="1"/>
+            <a:r>
+              <a:rPr lang="pl-PL" sz="1600" i="1" dirty="0"/>
+              <a:t>każdy programista posiada własną kopię repozytorium, do której może zapisywać zmiany bez połączenia z siecią; następnie zmiany mogą być wymieniane między lokalnymi repozytoriami.</a:t>
+            </a:r>
+          </a:p>
+          <a:p>
+            <a:endParaRPr lang="pl-PL" sz="1600" dirty="0"/>
+          </a:p>
+          <a:p>
+            <a:r>
+              <a:rPr lang="pl-PL" sz="1600" b="1" dirty="0"/>
+              <a:t>Wsparcie dla istniejących protokołów sieciowych: </a:t>
+            </a:r>
+          </a:p>
+          <a:p>
+            <a:r>
+              <a:rPr lang="pl-PL" sz="1600" i="1" dirty="0"/>
+              <a:t>	dane można wymieniać przez HTTP(S), FTP, rsync, SSH.</a:t>
+            </a:r>
+          </a:p>
+          <a:p>
+            <a:endParaRPr lang="pl-PL" sz="1600" dirty="0"/>
+          </a:p>
+          <a:p>
+            <a:r>
+              <a:rPr lang="pl-PL" sz="1600" b="1" dirty="0"/>
+              <a:t>Efektywna praca z dużymi projektami: </a:t>
+            </a:r>
+          </a:p>
+          <a:p>
+            <a:pPr lvl="1"/>
+            <a:r>
+              <a:rPr lang="pl-PL" sz="1600" i="1" dirty="0"/>
+              <a:t>system Git według zapewnień Torvaldsa, a także według testów fundacji Mozilla, jest o rzędy wielkości szybszy niż niektóre konkurencyjne rozwiązania.</a:t>
+            </a:r>
+          </a:p>
+          <a:p>
+            <a:endParaRPr lang="pl-PL" sz="1600" dirty="0"/>
+          </a:p>
+          <a:p>
+            <a:r>
+              <a:rPr lang="pl-PL" sz="1600" b="1" dirty="0"/>
+              <a:t>Każda rewizja to obraz całego projektu: </a:t>
+            </a:r>
+          </a:p>
+          <a:p>
+            <a:pPr lvl="1"/>
+            <a:r>
+              <a:rPr lang="pl-PL" sz="1600" i="1" dirty="0"/>
+              <a:t>w przeciwieństwie do innych systemów kontroli wersji, Git nie zapamiętuje zmian między kolejnymi rewizjami, lecz kompletne obrazy. Z jednej strony wymaga to nieco więcej pracy aby porównać dwie rewizje, z drugiej jednak pozwala np. na automatyczną obsługę zmian nazw plików.</a:t>
+            </a:r>
+          </a:p>
+        </p:txBody>
+      </p:sp>
+    </p:spTree>
+    <p:extLst>
+      <p:ext uri="{BB962C8B-B14F-4D97-AF65-F5344CB8AC3E}">
+        <p14:creationId xmlns:p14="http://schemas.microsoft.com/office/powerpoint/2010/main" val="3329926583"/>
+      </p:ext>
+    </p:extLst>
+  </p:cSld>
+  <p:clrMapOvr>
+    <a:masterClrMapping/>
+  </p:clrMapOvr>
+</p:sld>
+</file>
+
+<file path=ppt/slides/slide9.xml><?xml version="1.0" encoding="utf-8"?>
+<p:sld xmlns:a="http://schemas.openxmlformats.org/drawingml/2006/main" xmlns:r="http://schemas.openxmlformats.org/officeDocument/2006/relationships" xmlns:p="http://schemas.openxmlformats.org/presentationml/2006/main">
+  <p:cSld>
+    <p:spTree>
+      <p:nvGrpSpPr>
+        <p:cNvPr id="1" name=""/>
+        <p:cNvGrpSpPr/>
+        <p:nvPr/>
+      </p:nvGrpSpPr>
+      <p:grpSpPr>
+        <a:xfrm>
+          <a:off x="0" y="0"/>
+          <a:ext cx="0" cy="0"/>
+          <a:chOff x="0" y="0"/>
+          <a:chExt cx="0" cy="0"/>
+        </a:xfrm>
+      </p:grpSpPr>
+      <p:sp>
+        <p:nvSpPr>
+          <p:cNvPr id="3" name="Slide Number Placeholder 2"/>
+          <p:cNvSpPr>
+            <a:spLocks noGrp="1"/>
+          </p:cNvSpPr>
+          <p:nvPr>
+            <p:ph type="sldNum" sz="quarter" idx="12"/>
+          </p:nvPr>
+        </p:nvSpPr>
+        <p:spPr/>
+        <p:txBody>
+          <a:bodyPr/>
+          <a:lstStyle/>
+          <a:p>
+            <a:fld id="{4FAB73BC-B049-4115-A692-8D63A059BFB8}" type="slidenum">
+              <a:rPr lang="en-US" smtClean="0"/>
+              <a:t>9</a:t>
             </a:fld>
             <a:endParaRPr lang="en-US" dirty="0"/>
           </a:p>
@@ -5109,8 +7829,8 @@
         </p:blipFill>
         <p:spPr bwMode="auto">
           <a:xfrm>
-            <a:off x="897587" y="3027319"/>
-            <a:ext cx="6794387" cy="2590360"/>
+            <a:off x="729026" y="1580146"/>
+            <a:ext cx="7559297" cy="2881982"/>
           </a:xfrm>
           <a:prstGeom prst="rect">
             <a:avLst/>
@@ -5127,134 +7847,52 @@
           </a:extLst>
         </p:spPr>
       </p:pic>
+      <p:sp>
+        <p:nvSpPr>
+          <p:cNvPr id="5" name="Rectangle 5">
+            <a:extLst>
+              <a:ext uri="{FF2B5EF4-FFF2-40B4-BE49-F238E27FC236}">
+                <a16:creationId xmlns:a16="http://schemas.microsoft.com/office/drawing/2014/main" id="{26CDDE84-13E6-4811-8B13-98736A952E67}"/>
+              </a:ext>
+            </a:extLst>
+          </p:cNvPr>
+          <p:cNvSpPr/>
+          <p:nvPr/>
+        </p:nvSpPr>
+        <p:spPr>
+          <a:xfrm>
+            <a:off x="729026" y="780435"/>
+            <a:ext cx="5276356" cy="584775"/>
+          </a:xfrm>
+          <a:prstGeom prst="rect">
+            <a:avLst/>
+          </a:prstGeom>
+        </p:spPr>
+        <p:txBody>
+          <a:bodyPr wrap="square">
+            <a:spAutoFit/>
+          </a:bodyPr>
+          <a:lstStyle/>
+          <a:p>
+            <a:r>
+              <a:rPr lang="pl-PL" sz="1600" b="1" dirty="0"/>
+              <a:t>Git </a:t>
+            </a:r>
+            <a:r>
+              <a:rPr lang="pl-PL" sz="1600" b="1" dirty="0" err="1"/>
+              <a:t>Snapshots</a:t>
+            </a:r>
+            <a:endParaRPr lang="pl-PL" sz="1600" dirty="0"/>
+          </a:p>
+          <a:p>
+            <a:endParaRPr lang="pl-PL" sz="1600" dirty="0"/>
+          </a:p>
+        </p:txBody>
+      </p:sp>
     </p:spTree>
     <p:extLst>
       <p:ext uri="{BB962C8B-B14F-4D97-AF65-F5344CB8AC3E}">
         <p14:creationId xmlns:p14="http://schemas.microsoft.com/office/powerpoint/2010/main" val="2260261367"/>
-      </p:ext>
-    </p:extLst>
-  </p:cSld>
-  <p:clrMapOvr>
-    <a:masterClrMapping/>
-  </p:clrMapOvr>
-  <p:timing>
-    <p:tnLst>
-      <p:par>
-        <p:cTn id="1" dur="indefinite" restart="never" nodeType="tmRoot"/>
-      </p:par>
-    </p:tnLst>
-  </p:timing>
-</p:sld>
-</file>
-
-<file path=ppt/slides/slide8.xml><?xml version="1.0" encoding="utf-8"?>
-<p:sld xmlns:a="http://schemas.openxmlformats.org/drawingml/2006/main" xmlns:r="http://schemas.openxmlformats.org/officeDocument/2006/relationships" xmlns:p="http://schemas.openxmlformats.org/presentationml/2006/main">
-  <p:cSld>
-    <p:spTree>
-      <p:nvGrpSpPr>
-        <p:cNvPr id="1" name=""/>
-        <p:cNvGrpSpPr/>
-        <p:nvPr/>
-      </p:nvGrpSpPr>
-      <p:grpSpPr>
-        <a:xfrm>
-          <a:off x="0" y="0"/>
-          <a:ext cx="0" cy="0"/>
-          <a:chOff x="0" y="0"/>
-          <a:chExt cx="0" cy="0"/>
-        </a:xfrm>
-      </p:grpSpPr>
-      <p:sp>
-        <p:nvSpPr>
-          <p:cNvPr id="2" name="Footer Placeholder 1"/>
-          <p:cNvSpPr>
-            <a:spLocks noGrp="1"/>
-          </p:cNvSpPr>
-          <p:nvPr>
-            <p:ph type="ftr" sz="quarter" idx="11"/>
-          </p:nvPr>
-        </p:nvSpPr>
-        <p:spPr/>
-        <p:txBody>
-          <a:bodyPr/>
-          <a:lstStyle/>
-          <a:p>
-            <a:r>
-              <a:rPr lang="en-US" smtClean="0"/>
-              <a:t>GIT</a:t>
-            </a:r>
-            <a:endParaRPr lang="en-US" dirty="0"/>
-          </a:p>
-        </p:txBody>
-      </p:sp>
-      <p:sp>
-        <p:nvSpPr>
-          <p:cNvPr id="3" name="Slide Number Placeholder 2"/>
-          <p:cNvSpPr>
-            <a:spLocks noGrp="1"/>
-          </p:cNvSpPr>
-          <p:nvPr>
-            <p:ph type="sldNum" sz="quarter" idx="12"/>
-          </p:nvPr>
-        </p:nvSpPr>
-        <p:spPr/>
-        <p:txBody>
-          <a:bodyPr/>
-          <a:lstStyle/>
-          <a:p>
-            <a:fld id="{4FAB73BC-B049-4115-A692-8D63A059BFB8}" type="slidenum">
-              <a:rPr lang="en-US" smtClean="0"/>
-              <a:t>8</a:t>
-            </a:fld>
-            <a:endParaRPr lang="en-US" dirty="0"/>
-          </a:p>
-        </p:txBody>
-      </p:sp>
-      <p:pic>
-        <p:nvPicPr>
-          <p:cNvPr id="4" name="Picture 2" descr="git workflow diagram"/>
-          <p:cNvPicPr>
-            <a:picLocks noChangeAspect="1" noChangeArrowheads="1"/>
-          </p:cNvPicPr>
-          <p:nvPr/>
-        </p:nvPicPr>
-        <p:blipFill>
-          <a:blip r:embed="rId2">
-            <a:extLst>
-              <a:ext uri="{28A0092B-C50C-407E-A947-70E740481C1C}">
-                <a14:useLocalDpi xmlns:a14="http://schemas.microsoft.com/office/drawing/2010/main" val="0"/>
-              </a:ext>
-            </a:extLst>
-          </a:blip>
-          <a:srcRect/>
-          <a:stretch>
-            <a:fillRect/>
-          </a:stretch>
-        </p:blipFill>
-        <p:spPr bwMode="auto">
-          <a:xfrm>
-            <a:off x="677334" y="1930400"/>
-            <a:ext cx="5323470" cy="4396259"/>
-          </a:xfrm>
-          <a:prstGeom prst="rect">
-            <a:avLst/>
-          </a:prstGeom>
-          <a:noFill/>
-          <a:extLst>
-            <a:ext uri="{909E8E84-426E-40DD-AFC4-6F175D3DCCD1}">
-              <a14:hiddenFill xmlns:a14="http://schemas.microsoft.com/office/drawing/2010/main">
-                <a:solidFill>
-                  <a:srgbClr val="FFFFFF"/>
-                </a:solidFill>
-              </a14:hiddenFill>
-            </a:ext>
-          </a:extLst>
-        </p:spPr>
-      </p:pic>
-    </p:spTree>
-    <p:extLst>
-      <p:ext uri="{BB962C8B-B14F-4D97-AF65-F5344CB8AC3E}">
-        <p14:creationId xmlns:p14="http://schemas.microsoft.com/office/powerpoint/2010/main" val="1648093804"/>
       </p:ext>
     </p:extLst>
   </p:cSld>

--- a/slajdy/ZIIMI_01_GIT.pptx
+++ b/slajdy/ZIIMI_01_GIT.pptx
@@ -5,7 +5,7 @@
     <p:sldMasterId id="2147483903" r:id="rId1"/>
   </p:sldMasterIdLst>
   <p:notesMasterIdLst>
-    <p:notesMasterId r:id="rId34"/>
+    <p:notesMasterId r:id="rId36"/>
   </p:notesMasterIdLst>
   <p:sldIdLst>
     <p:sldId id="256" r:id="rId2"/>
@@ -40,6 +40,8 @@
     <p:sldId id="290" r:id="rId31"/>
     <p:sldId id="291" r:id="rId32"/>
     <p:sldId id="276" r:id="rId33"/>
+    <p:sldId id="292" r:id="rId34"/>
+    <p:sldId id="293" r:id="rId35"/>
   </p:sldIdLst>
   <p:sldSz cx="12192000" cy="6858000"/>
   <p:notesSz cx="6858000" cy="9144000"/>
@@ -6665,7 +6667,9 @@
         </p:nvSpPr>
         <p:spPr/>
         <p:txBody>
-          <a:bodyPr/>
+          <a:bodyPr>
+            <a:normAutofit/>
+          </a:bodyPr>
           <a:lstStyle/>
           <a:p>
             <a:pPr marL="457200" indent="-457200">
@@ -6673,8 +6677,12 @@
               <a:buAutoNum type="arabicPeriod"/>
             </a:pPr>
             <a:r>
-              <a:rPr lang="pl-PL" dirty="0"/>
-              <a:t>Założyć konto na GitHub</a:t>
+              <a:rPr lang="pl-PL" sz="1600" dirty="0"/>
+              <a:t>Sklonować repozytorium </a:t>
+            </a:r>
+            <a:r>
+              <a:rPr lang="pl-PL" sz="1600" b="1" dirty="0"/>
+              <a:t>https://github.com/TKostyrkaWSEI/SzolenieZIIMI</a:t>
             </a:r>
           </a:p>
           <a:p>
@@ -6683,8 +6691,30 @@
               <a:buAutoNum type="arabicPeriod"/>
             </a:pPr>
             <a:r>
-              <a:rPr lang="pl-PL" dirty="0"/>
-              <a:t>Założyć repozytorium</a:t>
+              <a:rPr lang="pl-PL" sz="1600" dirty="0"/>
+              <a:t>Dodać nowy projekt VS w tym repozytorium</a:t>
+            </a:r>
+          </a:p>
+          <a:p>
+            <a:pPr marL="457200" indent="-457200">
+              <a:buFont typeface="+mj-lt"/>
+              <a:buAutoNum type="arabicPeriod"/>
+            </a:pPr>
+            <a:r>
+              <a:rPr lang="pl-PL" sz="1600" dirty="0" err="1"/>
+              <a:t>Commit</a:t>
+            </a:r>
+            <a:r>
+              <a:rPr lang="pl-PL" sz="1600" dirty="0"/>
+              <a:t>, </a:t>
+            </a:r>
+            <a:r>
+              <a:rPr lang="pl-PL" sz="1600" dirty="0" err="1"/>
+              <a:t>Push</a:t>
+            </a:r>
+            <a:r>
+              <a:rPr lang="pl-PL" sz="1600" dirty="0"/>
+              <a:t> (nie przejdzie)</a:t>
             </a:r>
           </a:p>
         </p:txBody>
@@ -6722,6 +6752,334 @@
     <p:extLst>
       <p:ext uri="{BB962C8B-B14F-4D97-AF65-F5344CB8AC3E}">
         <p14:creationId xmlns:p14="http://schemas.microsoft.com/office/powerpoint/2010/main" val="1935606629"/>
+      </p:ext>
+    </p:extLst>
+  </p:cSld>
+  <p:clrMapOvr>
+    <a:masterClrMapping/>
+  </p:clrMapOvr>
+</p:sld>
+</file>
+
+<file path=ppt/slides/slide33.xml><?xml version="1.0" encoding="utf-8"?>
+<p:sld xmlns:a="http://schemas.openxmlformats.org/drawingml/2006/main" xmlns:r="http://schemas.openxmlformats.org/officeDocument/2006/relationships" xmlns:p="http://schemas.openxmlformats.org/presentationml/2006/main">
+  <p:cSld>
+    <p:spTree>
+      <p:nvGrpSpPr>
+        <p:cNvPr id="1" name=""/>
+        <p:cNvGrpSpPr/>
+        <p:nvPr/>
+      </p:nvGrpSpPr>
+      <p:grpSpPr>
+        <a:xfrm>
+          <a:off x="0" y="0"/>
+          <a:ext cx="0" cy="0"/>
+          <a:chOff x="0" y="0"/>
+          <a:chExt cx="0" cy="0"/>
+        </a:xfrm>
+      </p:grpSpPr>
+      <p:sp>
+        <p:nvSpPr>
+          <p:cNvPr id="2" name="Tytuł 1">
+            <a:extLst>
+              <a:ext uri="{FF2B5EF4-FFF2-40B4-BE49-F238E27FC236}">
+                <a16:creationId xmlns:a16="http://schemas.microsoft.com/office/drawing/2014/main" id="{75EB70B9-3D52-43E7-A4A0-CE771029B903}"/>
+              </a:ext>
+            </a:extLst>
+          </p:cNvPr>
+          <p:cNvSpPr>
+            <a:spLocks noGrp="1"/>
+          </p:cNvSpPr>
+          <p:nvPr>
+            <p:ph type="title"/>
+          </p:nvPr>
+        </p:nvSpPr>
+        <p:spPr/>
+        <p:txBody>
+          <a:bodyPr/>
+          <a:lstStyle/>
+          <a:p>
+            <a:r>
+              <a:rPr lang="pl-PL" dirty="0"/>
+              <a:t>Warsztat#3</a:t>
+            </a:r>
+          </a:p>
+        </p:txBody>
+      </p:sp>
+      <p:sp>
+        <p:nvSpPr>
+          <p:cNvPr id="3" name="Symbol zastępczy zawartości 2">
+            <a:extLst>
+              <a:ext uri="{FF2B5EF4-FFF2-40B4-BE49-F238E27FC236}">
+                <a16:creationId xmlns:a16="http://schemas.microsoft.com/office/drawing/2014/main" id="{4B64FDFF-2266-4849-A96C-0BA0F608FD31}"/>
+              </a:ext>
+            </a:extLst>
+          </p:cNvPr>
+          <p:cNvSpPr>
+            <a:spLocks noGrp="1"/>
+          </p:cNvSpPr>
+          <p:nvPr>
+            <p:ph idx="1"/>
+          </p:nvPr>
+        </p:nvSpPr>
+        <p:spPr/>
+        <p:txBody>
+          <a:bodyPr>
+            <a:normAutofit/>
+          </a:bodyPr>
+          <a:lstStyle/>
+          <a:p>
+            <a:pPr marL="342900" indent="-342900">
+              <a:buFont typeface="+mj-lt"/>
+              <a:buAutoNum type="arabicPeriod"/>
+            </a:pPr>
+            <a:r>
+              <a:rPr lang="pl-PL" sz="1600" dirty="0"/>
+              <a:t>Podzielić się na grupy 2-3 osobowe</a:t>
+            </a:r>
+          </a:p>
+          <a:p>
+            <a:pPr marL="342900" indent="-342900">
+              <a:buFont typeface="+mj-lt"/>
+              <a:buAutoNum type="arabicPeriod"/>
+            </a:pPr>
+            <a:r>
+              <a:rPr lang="pl-PL" sz="1600" dirty="0"/>
+              <a:t>Wybrać jedno repozytorium do pracy wspólnej, sklonować na każdej stacji</a:t>
+            </a:r>
+          </a:p>
+          <a:p>
+            <a:pPr marL="342900" indent="-342900">
+              <a:buFont typeface="+mj-lt"/>
+              <a:buAutoNum type="arabicPeriod"/>
+            </a:pPr>
+            <a:r>
+              <a:rPr lang="pl-PL" sz="1600" dirty="0"/>
+              <a:t>Właściciel ustawia na repozytorium dostęp dla uczestników (</a:t>
+            </a:r>
+            <a:r>
+              <a:rPr lang="pl-PL" sz="1600" dirty="0" err="1"/>
+              <a:t>collaborators</a:t>
+            </a:r>
+            <a:r>
+              <a:rPr lang="pl-PL" sz="1600" dirty="0"/>
+              <a:t>)</a:t>
+            </a:r>
+          </a:p>
+          <a:p>
+            <a:pPr marL="342900" indent="-342900">
+              <a:buFont typeface="+mj-lt"/>
+              <a:buAutoNum type="arabicPeriod"/>
+            </a:pPr>
+            <a:r>
+              <a:rPr lang="pl-PL" sz="1600" dirty="0"/>
+              <a:t>Krok1: każdy uczestnik dodaje nowe rozwiązanie VS do projektu</a:t>
+            </a:r>
+          </a:p>
+          <a:p>
+            <a:pPr marL="342900" indent="-342900">
+              <a:buFont typeface="+mj-lt"/>
+              <a:buAutoNum type="arabicPeriod"/>
+            </a:pPr>
+            <a:r>
+              <a:rPr lang="pl-PL" sz="1600" dirty="0" err="1"/>
+              <a:t>Pull</a:t>
+            </a:r>
+            <a:r>
+              <a:rPr lang="pl-PL" sz="1600" dirty="0"/>
+              <a:t>/</a:t>
+            </a:r>
+            <a:r>
+              <a:rPr lang="pl-PL" sz="1600" dirty="0" err="1"/>
+              <a:t>Commit</a:t>
+            </a:r>
+            <a:r>
+              <a:rPr lang="pl-PL" sz="1600" dirty="0"/>
+              <a:t>/</a:t>
+            </a:r>
+            <a:r>
+              <a:rPr lang="pl-PL" sz="1600" dirty="0" err="1"/>
+              <a:t>Push</a:t>
+            </a:r>
+            <a:r>
+              <a:rPr lang="pl-PL" sz="1600" dirty="0"/>
+              <a:t>, przejrzeć historię na portalu GitHub</a:t>
+            </a:r>
+          </a:p>
+          <a:p>
+            <a:pPr marL="342900" indent="-342900">
+              <a:buFont typeface="+mj-lt"/>
+              <a:buAutoNum type="arabicPeriod"/>
+            </a:pPr>
+            <a:r>
+              <a:rPr lang="pl-PL" sz="1600" dirty="0"/>
+              <a:t>Krok2: każdy uczestnik dodaje obiekt w projekcie innej osoby</a:t>
+            </a:r>
+          </a:p>
+          <a:p>
+            <a:pPr marL="342900" indent="-342900">
+              <a:buFont typeface="+mj-lt"/>
+              <a:buAutoNum type="arabicPeriod"/>
+            </a:pPr>
+            <a:r>
+              <a:rPr lang="pl-PL" sz="1600" dirty="0" err="1"/>
+              <a:t>Pull</a:t>
+            </a:r>
+            <a:r>
+              <a:rPr lang="pl-PL" sz="1600" dirty="0"/>
+              <a:t>/</a:t>
+            </a:r>
+            <a:r>
+              <a:rPr lang="pl-PL" sz="1600" dirty="0" err="1"/>
+              <a:t>Commit</a:t>
+            </a:r>
+            <a:r>
+              <a:rPr lang="pl-PL" sz="1600" dirty="0"/>
+              <a:t>/</a:t>
+            </a:r>
+            <a:r>
+              <a:rPr lang="pl-PL" sz="1600" dirty="0" err="1"/>
+              <a:t>Push</a:t>
+            </a:r>
+            <a:r>
+              <a:rPr lang="pl-PL" sz="1600" dirty="0"/>
+              <a:t>, przejrzeć historię na portalu GitHub</a:t>
+            </a:r>
+          </a:p>
+        </p:txBody>
+      </p:sp>
+      <p:sp>
+        <p:nvSpPr>
+          <p:cNvPr id="5" name="Symbol zastępczy numeru slajdu 4">
+            <a:extLst>
+              <a:ext uri="{FF2B5EF4-FFF2-40B4-BE49-F238E27FC236}">
+                <a16:creationId xmlns:a16="http://schemas.microsoft.com/office/drawing/2014/main" id="{4B9C8900-980C-468E-849C-10AEF64CA5E0}"/>
+              </a:ext>
+            </a:extLst>
+          </p:cNvPr>
+          <p:cNvSpPr>
+            <a:spLocks noGrp="1"/>
+          </p:cNvSpPr>
+          <p:nvPr>
+            <p:ph type="sldNum" sz="quarter" idx="12"/>
+          </p:nvPr>
+        </p:nvSpPr>
+        <p:spPr/>
+        <p:txBody>
+          <a:bodyPr/>
+          <a:lstStyle/>
+          <a:p>
+            <a:fld id="{4FAB73BC-B049-4115-A692-8D63A059BFB8}" type="slidenum">
+              <a:rPr lang="en-US" smtClean="0"/>
+              <a:t>33</a:t>
+            </a:fld>
+            <a:endParaRPr lang="en-US" dirty="0"/>
+          </a:p>
+        </p:txBody>
+      </p:sp>
+    </p:spTree>
+    <p:extLst>
+      <p:ext uri="{BB962C8B-B14F-4D97-AF65-F5344CB8AC3E}">
+        <p14:creationId xmlns:p14="http://schemas.microsoft.com/office/powerpoint/2010/main" val="915111712"/>
+      </p:ext>
+    </p:extLst>
+  </p:cSld>
+  <p:clrMapOvr>
+    <a:masterClrMapping/>
+  </p:clrMapOvr>
+</p:sld>
+</file>
+
+<file path=ppt/slides/slide34.xml><?xml version="1.0" encoding="utf-8"?>
+<p:sld xmlns:a="http://schemas.openxmlformats.org/drawingml/2006/main" xmlns:r="http://schemas.openxmlformats.org/officeDocument/2006/relationships" xmlns:p="http://schemas.openxmlformats.org/presentationml/2006/main">
+  <p:cSld>
+    <p:spTree>
+      <p:nvGrpSpPr>
+        <p:cNvPr id="1" name=""/>
+        <p:cNvGrpSpPr/>
+        <p:nvPr/>
+      </p:nvGrpSpPr>
+      <p:grpSpPr>
+        <a:xfrm>
+          <a:off x="0" y="0"/>
+          <a:ext cx="0" cy="0"/>
+          <a:chOff x="0" y="0"/>
+          <a:chExt cx="0" cy="0"/>
+        </a:xfrm>
+      </p:grpSpPr>
+      <p:sp>
+        <p:nvSpPr>
+          <p:cNvPr id="2" name="Symbol zastępczy numeru slajdu 1">
+            <a:extLst>
+              <a:ext uri="{FF2B5EF4-FFF2-40B4-BE49-F238E27FC236}">
+                <a16:creationId xmlns:a16="http://schemas.microsoft.com/office/drawing/2014/main" id="{AB9326E0-6017-43EC-8D61-C61097B97449}"/>
+              </a:ext>
+            </a:extLst>
+          </p:cNvPr>
+          <p:cNvSpPr>
+            <a:spLocks noGrp="1"/>
+          </p:cNvSpPr>
+          <p:nvPr>
+            <p:ph type="sldNum" sz="quarter" idx="12"/>
+          </p:nvPr>
+        </p:nvSpPr>
+        <p:spPr/>
+        <p:txBody>
+          <a:bodyPr/>
+          <a:lstStyle/>
+          <a:p>
+            <a:fld id="{4FAB73BC-B049-4115-A692-8D63A059BFB8}" type="slidenum">
+              <a:rPr lang="en-US" smtClean="0"/>
+              <a:t>34</a:t>
+            </a:fld>
+            <a:endParaRPr lang="en-US" dirty="0"/>
+          </a:p>
+        </p:txBody>
+      </p:sp>
+      <p:pic>
+        <p:nvPicPr>
+          <p:cNvPr id="3" name="Obraz 2">
+            <a:extLst>
+              <a:ext uri="{FF2B5EF4-FFF2-40B4-BE49-F238E27FC236}">
+                <a16:creationId xmlns:a16="http://schemas.microsoft.com/office/drawing/2014/main" id="{86CEEEC1-5DF2-445D-83C8-875A1719DE32}"/>
+              </a:ext>
+            </a:extLst>
+          </p:cNvPr>
+          <p:cNvPicPr>
+            <a:picLocks noChangeAspect="1"/>
+          </p:cNvPicPr>
+          <p:nvPr/>
+        </p:nvPicPr>
+        <p:blipFill>
+          <a:blip r:embed="rId2"/>
+          <a:stretch>
+            <a:fillRect/>
+          </a:stretch>
+        </p:blipFill>
+        <p:spPr>
+          <a:xfrm>
+            <a:off x="1347922" y="1056838"/>
+            <a:ext cx="9496155" cy="4744324"/>
+          </a:xfrm>
+          <a:prstGeom prst="rect">
+            <a:avLst/>
+          </a:prstGeom>
+          <a:ln>
+            <a:noFill/>
+          </a:ln>
+          <a:effectLst>
+            <a:outerShdw blurRad="292100" dist="139700" dir="2700000" algn="tl" rotWithShape="0">
+              <a:srgbClr val="333333">
+                <a:alpha val="65000"/>
+              </a:srgbClr>
+            </a:outerShdw>
+          </a:effectLst>
+        </p:spPr>
+      </p:pic>
+    </p:spTree>
+    <p:extLst>
+      <p:ext uri="{BB962C8B-B14F-4D97-AF65-F5344CB8AC3E}">
+        <p14:creationId xmlns:p14="http://schemas.microsoft.com/office/powerpoint/2010/main" val="1681613361"/>
       </p:ext>
     </p:extLst>
   </p:cSld>
@@ -6819,8 +7177,13 @@
             </a:pPr>
             <a:r>
               <a:rPr lang="pl-PL" dirty="0"/>
-              <a:t>Warsztat#1: konto, repozytorium, clone/commit/push</a:t>
-            </a:r>
+              <a:t>Warsztat#1: konto, repozytorium, clone/commit/</a:t>
+            </a:r>
+            <a:r>
+              <a:rPr lang="pl-PL" dirty="0" err="1"/>
+              <a:t>push</a:t>
+            </a:r>
+            <a:endParaRPr lang="pl-PL" dirty="0"/>
           </a:p>
           <a:p>
             <a:pPr marL="960120" lvl="1" indent="-457200">
@@ -6829,7 +7192,17 @@
             </a:pPr>
             <a:r>
               <a:rPr lang="pl-PL" dirty="0"/>
-              <a:t>Warsztat#2: praca w zespole, fetch/pull/merge</a:t>
+              <a:t>Warsztat#2: klonowanie cudzego repozytorium</a:t>
+            </a:r>
+          </a:p>
+          <a:p>
+            <a:pPr marL="960120" lvl="1" indent="-457200">
+              <a:buFont typeface="+mj-lt"/>
+              <a:buAutoNum type="arabicPeriod"/>
+            </a:pPr>
+            <a:r>
+              <a:rPr lang="pl-PL" dirty="0"/>
+              <a:t>Warsztat#3: praca w zespole, fetch/pull/merge</a:t>
             </a:r>
           </a:p>
           <a:p>
@@ -6850,16 +7223,6 @@
             <a:r>
               <a:rPr lang="pl-PL" dirty="0"/>
               <a:t>Wprowadzenie</a:t>
-            </a:r>
-          </a:p>
-          <a:p>
-            <a:pPr marL="960120" lvl="1" indent="-457200">
-              <a:buFont typeface="+mj-lt"/>
-              <a:buAutoNum type="arabicPeriod"/>
-            </a:pPr>
-            <a:r>
-              <a:rPr lang="pl-PL" dirty="0"/>
-              <a:t>Praca z VisualStudio</a:t>
             </a:r>
           </a:p>
         </p:txBody>

--- a/slajdy/ZIIMI_01_GIT.pptx
+++ b/slajdy/ZIIMI_01_GIT.pptx
@@ -6682,7 +6682,7 @@
             </a:r>
             <a:r>
               <a:rPr lang="pl-PL" sz="1600" b="1" dirty="0"/>
-              <a:t>https://github.com/TKostyrkaWSEI/SzolenieZIIMI</a:t>
+              <a:t>https://github.com/TKostyrkaWSEI/SzkolenieZIIMI</a:t>
             </a:r>
           </a:p>
           <a:p>
